--- a/leap/Containers and Clusters in Azure.pptx
+++ b/leap/Containers and Clusters in Azure.pptx
@@ -187,6 +187,10 @@
     </p:ext>
   </p:extLst>
 </p:presentation>
+</file>
+
+<file path=ppt/revisionInfo.xml><?xml version="1.0" encoding="utf-8"?>
+<p1510:revInfo xmlns:a="http://schemas.openxmlformats.org/drawingml/2006/main" xmlns:r="http://schemas.openxmlformats.org/officeDocument/2006/relationships" xmlns:p1510="http://schemas.microsoft.com/office/powerpoint/2015/10/main"/>
 </file>
 
 <file path=ppt/activeX/activeX1.xml><?xml version="1.0" encoding="utf-8"?>
@@ -1095,10 +1099,9 @@
         <a:lstStyle/>
         <a:p>
           <a:r>
-            <a:rPr lang="en-US" dirty="0" smtClean="0"/>
+            <a:rPr lang="en-US" dirty="0"/>
             <a:t>Choose an image</a:t>
           </a:r>
-          <a:endParaRPr lang="en-US" dirty="0"/>
         </a:p>
       </dgm:t>
     </dgm:pt>
@@ -1132,18 +1135,17 @@
         <a:lstStyle/>
         <a:p>
           <a:r>
-            <a:rPr lang="en-US" dirty="0" smtClean="0"/>
+            <a:rPr lang="en-US" dirty="0"/>
             <a:t>Either we can install </a:t>
           </a:r>
           <a:r>
-            <a:rPr lang="en-US" dirty="0" err="1" smtClean="0"/>
+            <a:rPr lang="en-US" dirty="0" err="1"/>
             <a:t>docker</a:t>
           </a:r>
           <a:r>
-            <a:rPr lang="en-US" dirty="0" smtClean="0"/>
+            <a:rPr lang="en-US" dirty="0"/>
             <a:t>, or you can</a:t>
           </a:r>
-          <a:endParaRPr lang="en-US" dirty="0"/>
         </a:p>
       </dgm:t>
     </dgm:pt>
@@ -1177,10 +1179,9 @@
         <a:lstStyle/>
         <a:p>
           <a:r>
-            <a:rPr lang="en-US" dirty="0" smtClean="0"/>
+            <a:rPr lang="en-US" dirty="0"/>
             <a:t>Use your VM</a:t>
           </a:r>
-          <a:endParaRPr lang="en-US" dirty="0"/>
         </a:p>
       </dgm:t>
     </dgm:pt>
@@ -1214,10 +1215,9 @@
         <a:lstStyle/>
         <a:p>
           <a:r>
-            <a:rPr lang="en-US" dirty="0" smtClean="0"/>
+            <a:rPr lang="en-US" dirty="0"/>
             <a:t>Make customers happy</a:t>
           </a:r>
-          <a:endParaRPr lang="en-US" dirty="0"/>
         </a:p>
       </dgm:t>
     </dgm:pt>
@@ -1252,13 +1252,6 @@
         </dgm:presLayoutVars>
       </dgm:prSet>
       <dgm:spPr/>
-      <dgm:t>
-        <a:bodyPr/>
-        <a:lstStyle/>
-        <a:p>
-          <a:endParaRPr lang="en-US"/>
-        </a:p>
-      </dgm:t>
     </dgm:pt>
     <dgm:pt modelId="{C1682CE3-81F4-4BEA-B13D-10C7017D8387}" type="pres">
       <dgm:prSet presAssocID="{640CA9BD-09C1-4472-8DAC-0F150EC5E678}" presName="boxAndChildren" presStyleCnt="0"/>
@@ -1267,13 +1260,6 @@
     <dgm:pt modelId="{325B9957-E809-4285-A870-20AA1AEAA8D7}" type="pres">
       <dgm:prSet presAssocID="{640CA9BD-09C1-4472-8DAC-0F150EC5E678}" presName="parentTextBox" presStyleLbl="node1" presStyleIdx="0" presStyleCnt="4"/>
       <dgm:spPr/>
-      <dgm:t>
-        <a:bodyPr/>
-        <a:lstStyle/>
-        <a:p>
-          <a:endParaRPr lang="en-US"/>
-        </a:p>
-      </dgm:t>
     </dgm:pt>
     <dgm:pt modelId="{2AB5853F-AA77-4431-82DF-105CEB2E1424}" type="pres">
       <dgm:prSet presAssocID="{665399A3-A410-4656-8F7E-3FAB641DE891}" presName="sp" presStyleCnt="0"/>
@@ -1286,13 +1272,6 @@
     <dgm:pt modelId="{C830B7C4-5210-41AC-A88B-BECF7607C1E5}" type="pres">
       <dgm:prSet presAssocID="{356F6FEF-38C8-437A-8562-86A5ED3F5885}" presName="parentTextArrow" presStyleLbl="node1" presStyleIdx="1" presStyleCnt="4"/>
       <dgm:spPr/>
-      <dgm:t>
-        <a:bodyPr/>
-        <a:lstStyle/>
-        <a:p>
-          <a:endParaRPr lang="en-US"/>
-        </a:p>
-      </dgm:t>
     </dgm:pt>
     <dgm:pt modelId="{7FB80134-CA62-4591-A6BE-C119FEAC14B6}" type="pres">
       <dgm:prSet presAssocID="{630DB5C2-135D-425B-B7D5-1F5FFE12BF3B}" presName="sp" presStyleCnt="0"/>
@@ -1305,13 +1284,6 @@
     <dgm:pt modelId="{D5473CBC-EEC3-408A-B4A6-07882F253A8B}" type="pres">
       <dgm:prSet presAssocID="{712EDDD5-F1C9-457B-A81D-F94868058B44}" presName="parentTextArrow" presStyleLbl="node1" presStyleIdx="2" presStyleCnt="4"/>
       <dgm:spPr/>
-      <dgm:t>
-        <a:bodyPr/>
-        <a:lstStyle/>
-        <a:p>
-          <a:endParaRPr lang="en-US"/>
-        </a:p>
-      </dgm:t>
     </dgm:pt>
     <dgm:pt modelId="{FE4F3FD3-FEDA-44E5-9944-1FF6BBD0F9E2}" type="pres">
       <dgm:prSet presAssocID="{438F37F5-E676-4BB5-A241-95D895E1B43F}" presName="sp" presStyleCnt="0"/>
@@ -1324,25 +1296,18 @@
     <dgm:pt modelId="{32FA43B7-34B4-4881-9A79-E3EDEC9D4CBF}" type="pres">
       <dgm:prSet presAssocID="{11888A7B-1E89-45E6-84F4-EF92B26189CD}" presName="parentTextArrow" presStyleLbl="node1" presStyleIdx="3" presStyleCnt="4"/>
       <dgm:spPr/>
-      <dgm:t>
-        <a:bodyPr/>
-        <a:lstStyle/>
-        <a:p>
-          <a:endParaRPr lang="en-US"/>
-        </a:p>
-      </dgm:t>
     </dgm:pt>
   </dgm:ptLst>
   <dgm:cxnLst>
+    <dgm:cxn modelId="{79EE9E02-BFF5-41D3-86F8-33470970BFCE}" type="presOf" srcId="{2EFB202A-8611-4DDC-831D-D12EB67B6CF7}" destId="{812F39FC-2D1E-4DD1-A1A6-C7F9287A4AAB}" srcOrd="0" destOrd="0" presId="urn:microsoft.com/office/officeart/2005/8/layout/process4"/>
     <dgm:cxn modelId="{957C551D-31A8-4286-A3AE-C5928DB663CE}" srcId="{2EFB202A-8611-4DDC-831D-D12EB67B6CF7}" destId="{640CA9BD-09C1-4472-8DAC-0F150EC5E678}" srcOrd="3" destOrd="0" parTransId="{90609DF7-843B-4BEF-A3B5-89270E6B0951}" sibTransId="{67B503AA-82FD-4AA4-8357-3D8B59D6160B}"/>
+    <dgm:cxn modelId="{B2E3875C-D3F8-41A4-A6EA-DD49F61576A0}" type="presOf" srcId="{11888A7B-1E89-45E6-84F4-EF92B26189CD}" destId="{32FA43B7-34B4-4881-9A79-E3EDEC9D4CBF}" srcOrd="0" destOrd="0" presId="urn:microsoft.com/office/officeart/2005/8/layout/process4"/>
+    <dgm:cxn modelId="{AAE8F060-3E29-4C68-9A74-089916E04D67}" type="presOf" srcId="{356F6FEF-38C8-437A-8562-86A5ED3F5885}" destId="{C830B7C4-5210-41AC-A88B-BECF7607C1E5}" srcOrd="0" destOrd="0" presId="urn:microsoft.com/office/officeart/2005/8/layout/process4"/>
+    <dgm:cxn modelId="{392AE56A-6939-469F-BFEC-2DEEC6ABC100}" srcId="{2EFB202A-8611-4DDC-831D-D12EB67B6CF7}" destId="{712EDDD5-F1C9-457B-A81D-F94868058B44}" srcOrd="1" destOrd="0" parTransId="{5E2CC1CB-7E12-4298-9BE5-B8F6683E4161}" sibTransId="{630DB5C2-135D-425B-B7D5-1F5FFE12BF3B}"/>
     <dgm:cxn modelId="{4D111F6B-0B5C-40A7-BA86-973E36B2D8F2}" type="presOf" srcId="{712EDDD5-F1C9-457B-A81D-F94868058B44}" destId="{D5473CBC-EEC3-408A-B4A6-07882F253A8B}" srcOrd="0" destOrd="0" presId="urn:microsoft.com/office/officeart/2005/8/layout/process4"/>
-    <dgm:cxn modelId="{AAE8F060-3E29-4C68-9A74-089916E04D67}" type="presOf" srcId="{356F6FEF-38C8-437A-8562-86A5ED3F5885}" destId="{C830B7C4-5210-41AC-A88B-BECF7607C1E5}" srcOrd="0" destOrd="0" presId="urn:microsoft.com/office/officeart/2005/8/layout/process4"/>
-    <dgm:cxn modelId="{B2E3875C-D3F8-41A4-A6EA-DD49F61576A0}" type="presOf" srcId="{11888A7B-1E89-45E6-84F4-EF92B26189CD}" destId="{32FA43B7-34B4-4881-9A79-E3EDEC9D4CBF}" srcOrd="0" destOrd="0" presId="urn:microsoft.com/office/officeart/2005/8/layout/process4"/>
+    <dgm:cxn modelId="{67067571-6170-41AF-87A3-FB3B609D9CEA}" type="presOf" srcId="{640CA9BD-09C1-4472-8DAC-0F150EC5E678}" destId="{325B9957-E809-4285-A870-20AA1AEAA8D7}" srcOrd="0" destOrd="0" presId="urn:microsoft.com/office/officeart/2005/8/layout/process4"/>
+    <dgm:cxn modelId="{5376348D-4465-4E2E-9DB8-EA1F5276717B}" srcId="{2EFB202A-8611-4DDC-831D-D12EB67B6CF7}" destId="{11888A7B-1E89-45E6-84F4-EF92B26189CD}" srcOrd="0" destOrd="0" parTransId="{6043087E-917B-44BC-97F8-41385FD50DC3}" sibTransId="{438F37F5-E676-4BB5-A241-95D895E1B43F}"/>
     <dgm:cxn modelId="{8247D1A2-555D-4B39-B44D-5F2B5AE64242}" srcId="{2EFB202A-8611-4DDC-831D-D12EB67B6CF7}" destId="{356F6FEF-38C8-437A-8562-86A5ED3F5885}" srcOrd="2" destOrd="0" parTransId="{BD9B34C9-939F-47F5-A040-1B30C9EEA310}" sibTransId="{665399A3-A410-4656-8F7E-3FAB641DE891}"/>
-    <dgm:cxn modelId="{79EE9E02-BFF5-41D3-86F8-33470970BFCE}" type="presOf" srcId="{2EFB202A-8611-4DDC-831D-D12EB67B6CF7}" destId="{812F39FC-2D1E-4DD1-A1A6-C7F9287A4AAB}" srcOrd="0" destOrd="0" presId="urn:microsoft.com/office/officeart/2005/8/layout/process4"/>
-    <dgm:cxn modelId="{392AE56A-6939-469F-BFEC-2DEEC6ABC100}" srcId="{2EFB202A-8611-4DDC-831D-D12EB67B6CF7}" destId="{712EDDD5-F1C9-457B-A81D-F94868058B44}" srcOrd="1" destOrd="0" parTransId="{5E2CC1CB-7E12-4298-9BE5-B8F6683E4161}" sibTransId="{630DB5C2-135D-425B-B7D5-1F5FFE12BF3B}"/>
-    <dgm:cxn modelId="{5376348D-4465-4E2E-9DB8-EA1F5276717B}" srcId="{2EFB202A-8611-4DDC-831D-D12EB67B6CF7}" destId="{11888A7B-1E89-45E6-84F4-EF92B26189CD}" srcOrd="0" destOrd="0" parTransId="{6043087E-917B-44BC-97F8-41385FD50DC3}" sibTransId="{438F37F5-E676-4BB5-A241-95D895E1B43F}"/>
-    <dgm:cxn modelId="{67067571-6170-41AF-87A3-FB3B609D9CEA}" type="presOf" srcId="{640CA9BD-09C1-4472-8DAC-0F150EC5E678}" destId="{325B9957-E809-4285-A870-20AA1AEAA8D7}" srcOrd="0" destOrd="0" presId="urn:microsoft.com/office/officeart/2005/8/layout/process4"/>
     <dgm:cxn modelId="{5678914C-8F14-4F79-9116-C33CBC8B70E7}" type="presParOf" srcId="{812F39FC-2D1E-4DD1-A1A6-C7F9287A4AAB}" destId="{C1682CE3-81F4-4BEA-B13D-10C7017D8387}" srcOrd="0" destOrd="0" presId="urn:microsoft.com/office/officeart/2005/8/layout/process4"/>
     <dgm:cxn modelId="{B75DEEE2-790E-400B-832F-7C2526EFEEFC}" type="presParOf" srcId="{C1682CE3-81F4-4BEA-B13D-10C7017D8387}" destId="{325B9957-E809-4285-A870-20AA1AEAA8D7}" srcOrd="0" destOrd="0" presId="urn:microsoft.com/office/officeart/2005/8/layout/process4"/>
     <dgm:cxn modelId="{6FA0FB88-FED5-4DA9-8FB7-49F6DEA20B1D}" type="presParOf" srcId="{812F39FC-2D1E-4DD1-A1A6-C7F9287A4AAB}" destId="{2AB5853F-AA77-4431-82DF-105CEB2E1424}" srcOrd="1" destOrd="0" presId="urn:microsoft.com/office/officeart/2005/8/layout/process4"/>
@@ -1359,7 +1324,7 @@
   <dgm:whole/>
   <dgm:extLst>
     <a:ext uri="http://schemas.microsoft.com/office/drawing/2008/diagram">
-      <dsp:dataModelExt xmlns:dsp="http://schemas.microsoft.com/office/drawing/2008/diagram" relId="rId6" minVer="http://schemas.openxmlformats.org/drawingml/2006/diagram"/>
+      <dsp:dataModelExt xmlns:dsp="http://schemas.microsoft.com/office/drawing/2008/diagram" relId="rId7" minVer="http://schemas.openxmlformats.org/drawingml/2006/diagram"/>
     </a:ext>
   </dgm:extLst>
 </dgm:dataModel>
@@ -1444,7 +1409,7 @@
         </a:bodyPr>
         <a:lstStyle/>
         <a:p>
-          <a:pPr lvl="0" algn="ctr" defTabSz="755650">
+          <a:pPr marL="0" lvl="0" indent="0" algn="ctr" defTabSz="755650">
             <a:lnSpc>
               <a:spcPct val="90000"/>
             </a:lnSpc>
@@ -1454,12 +1419,12 @@
             <a:spcAft>
               <a:spcPct val="35000"/>
             </a:spcAft>
+            <a:buNone/>
           </a:pPr>
           <a:r>
-            <a:rPr lang="en-US" sz="1700" kern="1200" dirty="0" smtClean="0"/>
+            <a:rPr lang="en-US" sz="1700" kern="1200" dirty="0"/>
             <a:t>Make customers happy</a:t>
           </a:r>
-          <a:endParaRPr lang="en-US" sz="1700" kern="1200" dirty="0"/>
         </a:p>
       </dsp:txBody>
       <dsp:txXfrm>
@@ -1538,7 +1503,7 @@
         </a:bodyPr>
         <a:lstStyle/>
         <a:p>
-          <a:pPr lvl="0" algn="ctr" defTabSz="755650">
+          <a:pPr marL="0" lvl="0" indent="0" algn="ctr" defTabSz="755650">
             <a:lnSpc>
               <a:spcPct val="90000"/>
             </a:lnSpc>
@@ -1548,12 +1513,12 @@
             <a:spcAft>
               <a:spcPct val="35000"/>
             </a:spcAft>
+            <a:buNone/>
           </a:pPr>
           <a:r>
-            <a:rPr lang="en-US" sz="1700" kern="1200" dirty="0" smtClean="0"/>
+            <a:rPr lang="en-US" sz="1700" kern="1200" dirty="0"/>
             <a:t>Use your VM</a:t>
           </a:r>
-          <a:endParaRPr lang="en-US" sz="1700" kern="1200" dirty="0"/>
         </a:p>
       </dsp:txBody>
       <dsp:txXfrm rot="10800000">
@@ -1632,7 +1597,7 @@
         </a:bodyPr>
         <a:lstStyle/>
         <a:p>
-          <a:pPr lvl="0" algn="ctr" defTabSz="755650">
+          <a:pPr marL="0" lvl="0" indent="0" algn="ctr" defTabSz="755650">
             <a:lnSpc>
               <a:spcPct val="90000"/>
             </a:lnSpc>
@@ -1642,20 +1607,20 @@
             <a:spcAft>
               <a:spcPct val="35000"/>
             </a:spcAft>
+            <a:buNone/>
           </a:pPr>
           <a:r>
-            <a:rPr lang="en-US" sz="1700" kern="1200" dirty="0" smtClean="0"/>
+            <a:rPr lang="en-US" sz="1700" kern="1200" dirty="0"/>
             <a:t>Either we can install </a:t>
           </a:r>
           <a:r>
-            <a:rPr lang="en-US" sz="1700" kern="1200" dirty="0" err="1" smtClean="0"/>
+            <a:rPr lang="en-US" sz="1700" kern="1200" dirty="0" err="1"/>
             <a:t>docker</a:t>
           </a:r>
           <a:r>
-            <a:rPr lang="en-US" sz="1700" kern="1200" dirty="0" smtClean="0"/>
+            <a:rPr lang="en-US" sz="1700" kern="1200" dirty="0"/>
             <a:t>, or you can</a:t>
           </a:r>
-          <a:endParaRPr lang="en-US" sz="1700" kern="1200" dirty="0"/>
         </a:p>
       </dsp:txBody>
       <dsp:txXfrm rot="10800000">
@@ -1734,7 +1699,7 @@
         </a:bodyPr>
         <a:lstStyle/>
         <a:p>
-          <a:pPr lvl="0" algn="ctr" defTabSz="755650">
+          <a:pPr marL="0" lvl="0" indent="0" algn="ctr" defTabSz="755650">
             <a:lnSpc>
               <a:spcPct val="90000"/>
             </a:lnSpc>
@@ -1744,12 +1709,12 @@
             <a:spcAft>
               <a:spcPct val="35000"/>
             </a:spcAft>
+            <a:buNone/>
           </a:pPr>
           <a:r>
-            <a:rPr lang="en-US" sz="1700" kern="1200" dirty="0" smtClean="0"/>
+            <a:rPr lang="en-US" sz="1700" kern="1200" dirty="0"/>
             <a:t>Choose an image</a:t>
           </a:r>
-          <a:endParaRPr lang="en-US" sz="1700" kern="1200" dirty="0"/>
         </a:p>
       </dsp:txBody>
       <dsp:txXfrm rot="10800000">
@@ -3230,7 +3195,7 @@
           <a:p>
             <a:fld id="{061C5132-FFA3-4B02-9F09-22FCF40EFA74}" type="datetimeFigureOut">
               <a:rPr lang="en-US" smtClean="0"/>
-              <a:t>5/11/2015</a:t>
+              <a:t>5/22/2017</a:t>
             </a:fld>
             <a:endParaRPr lang="en-US"/>
           </a:p>
@@ -3395,7 +3360,7 @@
           <a:p>
             <a:fld id="{0B6E42C9-243F-4DC5-AFF6-9D56B5FA9D63}" type="datetimeFigureOut">
               <a:rPr lang="en-US" smtClean="0"/>
-              <a:t>5/11/2015</a:t>
+              <a:t>5/22/2017</a:t>
             </a:fld>
             <a:endParaRPr lang="en-US"/>
           </a:p>
@@ -3459,38 +3424,37 @@
           <a:p>
             <a:pPr lvl="0"/>
             <a:r>
-              <a:rPr lang="en-US" smtClean="0"/>
+              <a:rPr lang="en-US"/>
               <a:t>Click to edit Master text styles</a:t>
             </a:r>
           </a:p>
           <a:p>
             <a:pPr lvl="1"/>
             <a:r>
-              <a:rPr lang="en-US" smtClean="0"/>
+              <a:rPr lang="en-US"/>
               <a:t>Second level</a:t>
             </a:r>
           </a:p>
           <a:p>
             <a:pPr lvl="2"/>
             <a:r>
-              <a:rPr lang="en-US" smtClean="0"/>
+              <a:rPr lang="en-US"/>
               <a:t>Third level</a:t>
             </a:r>
           </a:p>
           <a:p>
             <a:pPr lvl="3"/>
             <a:r>
-              <a:rPr lang="en-US" smtClean="0"/>
+              <a:rPr lang="en-US"/>
               <a:t>Fourth level</a:t>
             </a:r>
           </a:p>
           <a:p>
             <a:pPr lvl="4"/>
             <a:r>
-              <a:rPr lang="en-US" smtClean="0"/>
+              <a:rPr lang="en-US"/>
               <a:t>Fifth level</a:t>
             </a:r>
-            <a:endParaRPr lang="en-US"/>
           </a:p>
         </p:txBody>
       </p:sp>
@@ -3663,6 +3627,2640 @@
 </p:notesMaster>
 </file>
 
+<file path=ppt/notesSlides/notesSlide1.xml><?xml version="1.0" encoding="utf-8"?>
+<p:notes xmlns:a="http://schemas.openxmlformats.org/drawingml/2006/main" xmlns:r="http://schemas.openxmlformats.org/officeDocument/2006/relationships" xmlns:p="http://schemas.openxmlformats.org/presentationml/2006/main">
+  <p:cSld>
+    <p:spTree>
+      <p:nvGrpSpPr>
+        <p:cNvPr id="1" name=""/>
+        <p:cNvGrpSpPr/>
+        <p:nvPr/>
+      </p:nvGrpSpPr>
+      <p:grpSpPr>
+        <a:xfrm>
+          <a:off x="0" y="0"/>
+          <a:ext cx="0" cy="0"/>
+          <a:chOff x="0" y="0"/>
+          <a:chExt cx="0" cy="0"/>
+        </a:xfrm>
+      </p:grpSpPr>
+      <p:sp>
+        <p:nvSpPr>
+          <p:cNvPr id="2" name="Slide Image Placeholder 1"/>
+          <p:cNvSpPr>
+            <a:spLocks noGrp="1" noRot="1" noChangeAspect="1"/>
+          </p:cNvSpPr>
+          <p:nvPr>
+            <p:ph type="sldImg"/>
+          </p:nvPr>
+        </p:nvSpPr>
+        <p:spPr/>
+      </p:sp>
+      <p:sp>
+        <p:nvSpPr>
+          <p:cNvPr id="3" name="Notes Placeholder 2"/>
+          <p:cNvSpPr>
+            <a:spLocks noGrp="1"/>
+          </p:cNvSpPr>
+          <p:nvPr>
+            <p:ph type="body" idx="1"/>
+          </p:nvPr>
+        </p:nvSpPr>
+        <p:spPr/>
+        <p:txBody>
+          <a:bodyPr/>
+          <a:lstStyle/>
+          <a:p>
+            <a:endParaRPr lang="en-US"/>
+          </a:p>
+        </p:txBody>
+      </p:sp>
+      <p:sp>
+        <p:nvSpPr>
+          <p:cNvPr id="4" name="Slide Number Placeholder 3"/>
+          <p:cNvSpPr>
+            <a:spLocks noGrp="1"/>
+          </p:cNvSpPr>
+          <p:nvPr>
+            <p:ph type="sldNum" sz="quarter" idx="10"/>
+          </p:nvPr>
+        </p:nvSpPr>
+        <p:spPr/>
+        <p:txBody>
+          <a:bodyPr/>
+          <a:lstStyle/>
+          <a:p>
+            <a:fld id="{8DAEC444-603B-4F09-9A06-5917518DD901}" type="slidenum">
+              <a:rPr lang="en-US" smtClean="0"/>
+              <a:t>1</a:t>
+            </a:fld>
+            <a:endParaRPr lang="en-US"/>
+          </a:p>
+        </p:txBody>
+      </p:sp>
+    </p:spTree>
+    <p:extLst>
+      <p:ext uri="{BB962C8B-B14F-4D97-AF65-F5344CB8AC3E}">
+        <p14:creationId xmlns:p14="http://schemas.microsoft.com/office/powerpoint/2010/main" val="3403193323"/>
+      </p:ext>
+    </p:extLst>
+  </p:cSld>
+  <p:clrMapOvr>
+    <a:masterClrMapping/>
+  </p:clrMapOvr>
+</p:notes>
+</file>
+
+<file path=ppt/notesSlides/notesSlide10.xml><?xml version="1.0" encoding="utf-8"?>
+<p:notes xmlns:a="http://schemas.openxmlformats.org/drawingml/2006/main" xmlns:r="http://schemas.openxmlformats.org/officeDocument/2006/relationships" xmlns:p="http://schemas.openxmlformats.org/presentationml/2006/main">
+  <p:cSld>
+    <p:spTree>
+      <p:nvGrpSpPr>
+        <p:cNvPr id="1" name=""/>
+        <p:cNvGrpSpPr/>
+        <p:nvPr/>
+      </p:nvGrpSpPr>
+      <p:grpSpPr>
+        <a:xfrm>
+          <a:off x="0" y="0"/>
+          <a:ext cx="0" cy="0"/>
+          <a:chOff x="0" y="0"/>
+          <a:chExt cx="0" cy="0"/>
+        </a:xfrm>
+      </p:grpSpPr>
+      <p:sp>
+        <p:nvSpPr>
+          <p:cNvPr id="2" name="Slide Image Placeholder 1"/>
+          <p:cNvSpPr>
+            <a:spLocks noGrp="1" noRot="1" noChangeAspect="1"/>
+          </p:cNvSpPr>
+          <p:nvPr>
+            <p:ph type="sldImg"/>
+          </p:nvPr>
+        </p:nvSpPr>
+        <p:spPr/>
+      </p:sp>
+      <p:sp>
+        <p:nvSpPr>
+          <p:cNvPr id="3" name="Notes Placeholder 2"/>
+          <p:cNvSpPr>
+            <a:spLocks noGrp="1"/>
+          </p:cNvSpPr>
+          <p:nvPr>
+            <p:ph type="body" idx="1"/>
+          </p:nvPr>
+        </p:nvSpPr>
+        <p:spPr/>
+        <p:txBody>
+          <a:bodyPr/>
+          <a:lstStyle/>
+          <a:p>
+            <a:endParaRPr lang="en-US"/>
+          </a:p>
+        </p:txBody>
+      </p:sp>
+      <p:sp>
+        <p:nvSpPr>
+          <p:cNvPr id="4" name="Slide Number Placeholder 3"/>
+          <p:cNvSpPr>
+            <a:spLocks noGrp="1"/>
+          </p:cNvSpPr>
+          <p:nvPr>
+            <p:ph type="sldNum" sz="quarter" idx="10"/>
+          </p:nvPr>
+        </p:nvSpPr>
+        <p:spPr/>
+        <p:txBody>
+          <a:bodyPr/>
+          <a:lstStyle/>
+          <a:p>
+            <a:fld id="{8DAEC444-603B-4F09-9A06-5917518DD901}" type="slidenum">
+              <a:rPr lang="en-US" smtClean="0"/>
+              <a:t>10</a:t>
+            </a:fld>
+            <a:endParaRPr lang="en-US"/>
+          </a:p>
+        </p:txBody>
+      </p:sp>
+    </p:spTree>
+    <p:extLst>
+      <p:ext uri="{BB962C8B-B14F-4D97-AF65-F5344CB8AC3E}">
+        <p14:creationId xmlns:p14="http://schemas.microsoft.com/office/powerpoint/2010/main" val="785490034"/>
+      </p:ext>
+    </p:extLst>
+  </p:cSld>
+  <p:clrMapOvr>
+    <a:masterClrMapping/>
+  </p:clrMapOvr>
+</p:notes>
+</file>
+
+<file path=ppt/notesSlides/notesSlide11.xml><?xml version="1.0" encoding="utf-8"?>
+<p:notes xmlns:a="http://schemas.openxmlformats.org/drawingml/2006/main" xmlns:r="http://schemas.openxmlformats.org/officeDocument/2006/relationships" xmlns:p="http://schemas.openxmlformats.org/presentationml/2006/main">
+  <p:cSld>
+    <p:spTree>
+      <p:nvGrpSpPr>
+        <p:cNvPr id="1" name=""/>
+        <p:cNvGrpSpPr/>
+        <p:nvPr/>
+      </p:nvGrpSpPr>
+      <p:grpSpPr>
+        <a:xfrm>
+          <a:off x="0" y="0"/>
+          <a:ext cx="0" cy="0"/>
+          <a:chOff x="0" y="0"/>
+          <a:chExt cx="0" cy="0"/>
+        </a:xfrm>
+      </p:grpSpPr>
+      <p:sp>
+        <p:nvSpPr>
+          <p:cNvPr id="2" name="Slide Image Placeholder 1"/>
+          <p:cNvSpPr>
+            <a:spLocks noGrp="1" noRot="1" noChangeAspect="1"/>
+          </p:cNvSpPr>
+          <p:nvPr>
+            <p:ph type="sldImg"/>
+          </p:nvPr>
+        </p:nvSpPr>
+        <p:spPr/>
+      </p:sp>
+      <p:sp>
+        <p:nvSpPr>
+          <p:cNvPr id="3" name="Notes Placeholder 2"/>
+          <p:cNvSpPr>
+            <a:spLocks noGrp="1"/>
+          </p:cNvSpPr>
+          <p:nvPr>
+            <p:ph type="body" idx="1"/>
+          </p:nvPr>
+        </p:nvSpPr>
+        <p:spPr/>
+        <p:txBody>
+          <a:bodyPr/>
+          <a:lstStyle/>
+          <a:p>
+            <a:endParaRPr lang="en-US"/>
+          </a:p>
+        </p:txBody>
+      </p:sp>
+      <p:sp>
+        <p:nvSpPr>
+          <p:cNvPr id="4" name="Slide Number Placeholder 3"/>
+          <p:cNvSpPr>
+            <a:spLocks noGrp="1"/>
+          </p:cNvSpPr>
+          <p:nvPr>
+            <p:ph type="sldNum" sz="quarter" idx="10"/>
+          </p:nvPr>
+        </p:nvSpPr>
+        <p:spPr/>
+        <p:txBody>
+          <a:bodyPr/>
+          <a:lstStyle/>
+          <a:p>
+            <a:fld id="{8DAEC444-603B-4F09-9A06-5917518DD901}" type="slidenum">
+              <a:rPr lang="en-US" smtClean="0"/>
+              <a:t>11</a:t>
+            </a:fld>
+            <a:endParaRPr lang="en-US"/>
+          </a:p>
+        </p:txBody>
+      </p:sp>
+    </p:spTree>
+    <p:extLst>
+      <p:ext uri="{BB962C8B-B14F-4D97-AF65-F5344CB8AC3E}">
+        <p14:creationId xmlns:p14="http://schemas.microsoft.com/office/powerpoint/2010/main" val="1434163815"/>
+      </p:ext>
+    </p:extLst>
+  </p:cSld>
+  <p:clrMapOvr>
+    <a:masterClrMapping/>
+  </p:clrMapOvr>
+</p:notes>
+</file>
+
+<file path=ppt/notesSlides/notesSlide12.xml><?xml version="1.0" encoding="utf-8"?>
+<p:notes xmlns:a="http://schemas.openxmlformats.org/drawingml/2006/main" xmlns:r="http://schemas.openxmlformats.org/officeDocument/2006/relationships" xmlns:p="http://schemas.openxmlformats.org/presentationml/2006/main">
+  <p:cSld>
+    <p:spTree>
+      <p:nvGrpSpPr>
+        <p:cNvPr id="1" name=""/>
+        <p:cNvGrpSpPr/>
+        <p:nvPr/>
+      </p:nvGrpSpPr>
+      <p:grpSpPr>
+        <a:xfrm>
+          <a:off x="0" y="0"/>
+          <a:ext cx="0" cy="0"/>
+          <a:chOff x="0" y="0"/>
+          <a:chExt cx="0" cy="0"/>
+        </a:xfrm>
+      </p:grpSpPr>
+      <p:sp>
+        <p:nvSpPr>
+          <p:cNvPr id="2" name="Slide Image Placeholder 1"/>
+          <p:cNvSpPr>
+            <a:spLocks noGrp="1" noRot="1" noChangeAspect="1"/>
+          </p:cNvSpPr>
+          <p:nvPr>
+            <p:ph type="sldImg"/>
+          </p:nvPr>
+        </p:nvSpPr>
+        <p:spPr/>
+      </p:sp>
+      <p:sp>
+        <p:nvSpPr>
+          <p:cNvPr id="3" name="Notes Placeholder 2"/>
+          <p:cNvSpPr>
+            <a:spLocks noGrp="1"/>
+          </p:cNvSpPr>
+          <p:nvPr>
+            <p:ph type="body" idx="1"/>
+          </p:nvPr>
+        </p:nvSpPr>
+        <p:spPr/>
+        <p:txBody>
+          <a:bodyPr/>
+          <a:lstStyle/>
+          <a:p>
+            <a:endParaRPr lang="en-US"/>
+          </a:p>
+        </p:txBody>
+      </p:sp>
+      <p:sp>
+        <p:nvSpPr>
+          <p:cNvPr id="4" name="Slide Number Placeholder 3"/>
+          <p:cNvSpPr>
+            <a:spLocks noGrp="1"/>
+          </p:cNvSpPr>
+          <p:nvPr>
+            <p:ph type="sldNum" sz="quarter" idx="10"/>
+          </p:nvPr>
+        </p:nvSpPr>
+        <p:spPr/>
+        <p:txBody>
+          <a:bodyPr/>
+          <a:lstStyle/>
+          <a:p>
+            <a:fld id="{8DAEC444-603B-4F09-9A06-5917518DD901}" type="slidenum">
+              <a:rPr lang="en-US" smtClean="0"/>
+              <a:t>12</a:t>
+            </a:fld>
+            <a:endParaRPr lang="en-US"/>
+          </a:p>
+        </p:txBody>
+      </p:sp>
+    </p:spTree>
+    <p:extLst>
+      <p:ext uri="{BB962C8B-B14F-4D97-AF65-F5344CB8AC3E}">
+        <p14:creationId xmlns:p14="http://schemas.microsoft.com/office/powerpoint/2010/main" val="755293281"/>
+      </p:ext>
+    </p:extLst>
+  </p:cSld>
+  <p:clrMapOvr>
+    <a:masterClrMapping/>
+  </p:clrMapOvr>
+</p:notes>
+</file>
+
+<file path=ppt/notesSlides/notesSlide13.xml><?xml version="1.0" encoding="utf-8"?>
+<p:notes xmlns:a="http://schemas.openxmlformats.org/drawingml/2006/main" xmlns:r="http://schemas.openxmlformats.org/officeDocument/2006/relationships" xmlns:p="http://schemas.openxmlformats.org/presentationml/2006/main">
+  <p:cSld>
+    <p:spTree>
+      <p:nvGrpSpPr>
+        <p:cNvPr id="1" name=""/>
+        <p:cNvGrpSpPr/>
+        <p:nvPr/>
+      </p:nvGrpSpPr>
+      <p:grpSpPr>
+        <a:xfrm>
+          <a:off x="0" y="0"/>
+          <a:ext cx="0" cy="0"/>
+          <a:chOff x="0" y="0"/>
+          <a:chExt cx="0" cy="0"/>
+        </a:xfrm>
+      </p:grpSpPr>
+      <p:sp>
+        <p:nvSpPr>
+          <p:cNvPr id="2" name="Slide Image Placeholder 1"/>
+          <p:cNvSpPr>
+            <a:spLocks noGrp="1" noRot="1" noChangeAspect="1"/>
+          </p:cNvSpPr>
+          <p:nvPr>
+            <p:ph type="sldImg"/>
+          </p:nvPr>
+        </p:nvSpPr>
+        <p:spPr/>
+      </p:sp>
+      <p:sp>
+        <p:nvSpPr>
+          <p:cNvPr id="3" name="Notes Placeholder 2"/>
+          <p:cNvSpPr>
+            <a:spLocks noGrp="1"/>
+          </p:cNvSpPr>
+          <p:nvPr>
+            <p:ph type="body" idx="1"/>
+          </p:nvPr>
+        </p:nvSpPr>
+        <p:spPr/>
+        <p:txBody>
+          <a:bodyPr/>
+          <a:lstStyle/>
+          <a:p>
+            <a:endParaRPr lang="en-US"/>
+          </a:p>
+        </p:txBody>
+      </p:sp>
+      <p:sp>
+        <p:nvSpPr>
+          <p:cNvPr id="4" name="Slide Number Placeholder 3"/>
+          <p:cNvSpPr>
+            <a:spLocks noGrp="1"/>
+          </p:cNvSpPr>
+          <p:nvPr>
+            <p:ph type="sldNum" sz="quarter" idx="10"/>
+          </p:nvPr>
+        </p:nvSpPr>
+        <p:spPr/>
+        <p:txBody>
+          <a:bodyPr/>
+          <a:lstStyle/>
+          <a:p>
+            <a:fld id="{8DAEC444-603B-4F09-9A06-5917518DD901}" type="slidenum">
+              <a:rPr lang="en-US" smtClean="0"/>
+              <a:t>13</a:t>
+            </a:fld>
+            <a:endParaRPr lang="en-US"/>
+          </a:p>
+        </p:txBody>
+      </p:sp>
+    </p:spTree>
+    <p:extLst>
+      <p:ext uri="{BB962C8B-B14F-4D97-AF65-F5344CB8AC3E}">
+        <p14:creationId xmlns:p14="http://schemas.microsoft.com/office/powerpoint/2010/main" val="1345306838"/>
+      </p:ext>
+    </p:extLst>
+  </p:cSld>
+  <p:clrMapOvr>
+    <a:masterClrMapping/>
+  </p:clrMapOvr>
+</p:notes>
+</file>
+
+<file path=ppt/notesSlides/notesSlide14.xml><?xml version="1.0" encoding="utf-8"?>
+<p:notes xmlns:a="http://schemas.openxmlformats.org/drawingml/2006/main" xmlns:r="http://schemas.openxmlformats.org/officeDocument/2006/relationships" xmlns:p="http://schemas.openxmlformats.org/presentationml/2006/main">
+  <p:cSld>
+    <p:spTree>
+      <p:nvGrpSpPr>
+        <p:cNvPr id="1" name=""/>
+        <p:cNvGrpSpPr/>
+        <p:nvPr/>
+      </p:nvGrpSpPr>
+      <p:grpSpPr>
+        <a:xfrm>
+          <a:off x="0" y="0"/>
+          <a:ext cx="0" cy="0"/>
+          <a:chOff x="0" y="0"/>
+          <a:chExt cx="0" cy="0"/>
+        </a:xfrm>
+      </p:grpSpPr>
+      <p:sp>
+        <p:nvSpPr>
+          <p:cNvPr id="2" name="Slide Image Placeholder 1"/>
+          <p:cNvSpPr>
+            <a:spLocks noGrp="1" noRot="1" noChangeAspect="1"/>
+          </p:cNvSpPr>
+          <p:nvPr>
+            <p:ph type="sldImg"/>
+          </p:nvPr>
+        </p:nvSpPr>
+        <p:spPr/>
+      </p:sp>
+      <p:sp>
+        <p:nvSpPr>
+          <p:cNvPr id="3" name="Notes Placeholder 2"/>
+          <p:cNvSpPr>
+            <a:spLocks noGrp="1"/>
+          </p:cNvSpPr>
+          <p:nvPr>
+            <p:ph type="body" idx="1"/>
+          </p:nvPr>
+        </p:nvSpPr>
+        <p:spPr/>
+        <p:txBody>
+          <a:bodyPr/>
+          <a:lstStyle/>
+          <a:p>
+            <a:endParaRPr lang="en-US"/>
+          </a:p>
+        </p:txBody>
+      </p:sp>
+      <p:sp>
+        <p:nvSpPr>
+          <p:cNvPr id="4" name="Slide Number Placeholder 3"/>
+          <p:cNvSpPr>
+            <a:spLocks noGrp="1"/>
+          </p:cNvSpPr>
+          <p:nvPr>
+            <p:ph type="sldNum" sz="quarter" idx="10"/>
+          </p:nvPr>
+        </p:nvSpPr>
+        <p:spPr/>
+        <p:txBody>
+          <a:bodyPr/>
+          <a:lstStyle/>
+          <a:p>
+            <a:fld id="{8DAEC444-603B-4F09-9A06-5917518DD901}" type="slidenum">
+              <a:rPr lang="en-US" smtClean="0"/>
+              <a:t>14</a:t>
+            </a:fld>
+            <a:endParaRPr lang="en-US"/>
+          </a:p>
+        </p:txBody>
+      </p:sp>
+    </p:spTree>
+    <p:extLst>
+      <p:ext uri="{BB962C8B-B14F-4D97-AF65-F5344CB8AC3E}">
+        <p14:creationId xmlns:p14="http://schemas.microsoft.com/office/powerpoint/2010/main" val="2677368492"/>
+      </p:ext>
+    </p:extLst>
+  </p:cSld>
+  <p:clrMapOvr>
+    <a:masterClrMapping/>
+  </p:clrMapOvr>
+</p:notes>
+</file>
+
+<file path=ppt/notesSlides/notesSlide15.xml><?xml version="1.0" encoding="utf-8"?>
+<p:notes xmlns:a="http://schemas.openxmlformats.org/drawingml/2006/main" xmlns:r="http://schemas.openxmlformats.org/officeDocument/2006/relationships" xmlns:p="http://schemas.openxmlformats.org/presentationml/2006/main">
+  <p:cSld>
+    <p:spTree>
+      <p:nvGrpSpPr>
+        <p:cNvPr id="1" name=""/>
+        <p:cNvGrpSpPr/>
+        <p:nvPr/>
+      </p:nvGrpSpPr>
+      <p:grpSpPr>
+        <a:xfrm>
+          <a:off x="0" y="0"/>
+          <a:ext cx="0" cy="0"/>
+          <a:chOff x="0" y="0"/>
+          <a:chExt cx="0" cy="0"/>
+        </a:xfrm>
+      </p:grpSpPr>
+      <p:sp>
+        <p:nvSpPr>
+          <p:cNvPr id="2" name="Slide Image Placeholder 1"/>
+          <p:cNvSpPr>
+            <a:spLocks noGrp="1" noRot="1" noChangeAspect="1"/>
+          </p:cNvSpPr>
+          <p:nvPr>
+            <p:ph type="sldImg"/>
+          </p:nvPr>
+        </p:nvSpPr>
+        <p:spPr/>
+      </p:sp>
+      <p:sp>
+        <p:nvSpPr>
+          <p:cNvPr id="3" name="Notes Placeholder 2"/>
+          <p:cNvSpPr>
+            <a:spLocks noGrp="1"/>
+          </p:cNvSpPr>
+          <p:nvPr>
+            <p:ph type="body" idx="1"/>
+          </p:nvPr>
+        </p:nvSpPr>
+        <p:spPr/>
+        <p:txBody>
+          <a:bodyPr/>
+          <a:lstStyle/>
+          <a:p>
+            <a:endParaRPr lang="en-US"/>
+          </a:p>
+        </p:txBody>
+      </p:sp>
+      <p:sp>
+        <p:nvSpPr>
+          <p:cNvPr id="4" name="Slide Number Placeholder 3"/>
+          <p:cNvSpPr>
+            <a:spLocks noGrp="1"/>
+          </p:cNvSpPr>
+          <p:nvPr>
+            <p:ph type="sldNum" sz="quarter" idx="10"/>
+          </p:nvPr>
+        </p:nvSpPr>
+        <p:spPr/>
+        <p:txBody>
+          <a:bodyPr/>
+          <a:lstStyle/>
+          <a:p>
+            <a:fld id="{8DAEC444-603B-4F09-9A06-5917518DD901}" type="slidenum">
+              <a:rPr lang="en-US" smtClean="0"/>
+              <a:t>15</a:t>
+            </a:fld>
+            <a:endParaRPr lang="en-US"/>
+          </a:p>
+        </p:txBody>
+      </p:sp>
+    </p:spTree>
+    <p:extLst>
+      <p:ext uri="{BB962C8B-B14F-4D97-AF65-F5344CB8AC3E}">
+        <p14:creationId xmlns:p14="http://schemas.microsoft.com/office/powerpoint/2010/main" val="3630598980"/>
+      </p:ext>
+    </p:extLst>
+  </p:cSld>
+  <p:clrMapOvr>
+    <a:masterClrMapping/>
+  </p:clrMapOvr>
+</p:notes>
+</file>
+
+<file path=ppt/notesSlides/notesSlide16.xml><?xml version="1.0" encoding="utf-8"?>
+<p:notes xmlns:a="http://schemas.openxmlformats.org/drawingml/2006/main" xmlns:r="http://schemas.openxmlformats.org/officeDocument/2006/relationships" xmlns:p="http://schemas.openxmlformats.org/presentationml/2006/main">
+  <p:cSld>
+    <p:spTree>
+      <p:nvGrpSpPr>
+        <p:cNvPr id="1" name=""/>
+        <p:cNvGrpSpPr/>
+        <p:nvPr/>
+      </p:nvGrpSpPr>
+      <p:grpSpPr>
+        <a:xfrm>
+          <a:off x="0" y="0"/>
+          <a:ext cx="0" cy="0"/>
+          <a:chOff x="0" y="0"/>
+          <a:chExt cx="0" cy="0"/>
+        </a:xfrm>
+      </p:grpSpPr>
+      <p:sp>
+        <p:nvSpPr>
+          <p:cNvPr id="2" name="Slide Image Placeholder 1"/>
+          <p:cNvSpPr>
+            <a:spLocks noGrp="1" noRot="1" noChangeAspect="1"/>
+          </p:cNvSpPr>
+          <p:nvPr>
+            <p:ph type="sldImg"/>
+          </p:nvPr>
+        </p:nvSpPr>
+        <p:spPr/>
+      </p:sp>
+      <p:sp>
+        <p:nvSpPr>
+          <p:cNvPr id="3" name="Notes Placeholder 2"/>
+          <p:cNvSpPr>
+            <a:spLocks noGrp="1"/>
+          </p:cNvSpPr>
+          <p:nvPr>
+            <p:ph type="body" idx="1"/>
+          </p:nvPr>
+        </p:nvSpPr>
+        <p:spPr/>
+        <p:txBody>
+          <a:bodyPr/>
+          <a:lstStyle/>
+          <a:p>
+            <a:endParaRPr lang="en-US"/>
+          </a:p>
+        </p:txBody>
+      </p:sp>
+      <p:sp>
+        <p:nvSpPr>
+          <p:cNvPr id="4" name="Slide Number Placeholder 3"/>
+          <p:cNvSpPr>
+            <a:spLocks noGrp="1"/>
+          </p:cNvSpPr>
+          <p:nvPr>
+            <p:ph type="sldNum" sz="quarter" idx="10"/>
+          </p:nvPr>
+        </p:nvSpPr>
+        <p:spPr/>
+        <p:txBody>
+          <a:bodyPr/>
+          <a:lstStyle/>
+          <a:p>
+            <a:fld id="{8DAEC444-603B-4F09-9A06-5917518DD901}" type="slidenum">
+              <a:rPr lang="en-US" smtClean="0"/>
+              <a:t>16</a:t>
+            </a:fld>
+            <a:endParaRPr lang="en-US"/>
+          </a:p>
+        </p:txBody>
+      </p:sp>
+    </p:spTree>
+    <p:extLst>
+      <p:ext uri="{BB962C8B-B14F-4D97-AF65-F5344CB8AC3E}">
+        <p14:creationId xmlns:p14="http://schemas.microsoft.com/office/powerpoint/2010/main" val="3318250065"/>
+      </p:ext>
+    </p:extLst>
+  </p:cSld>
+  <p:clrMapOvr>
+    <a:masterClrMapping/>
+  </p:clrMapOvr>
+</p:notes>
+</file>
+
+<file path=ppt/notesSlides/notesSlide17.xml><?xml version="1.0" encoding="utf-8"?>
+<p:notes xmlns:a="http://schemas.openxmlformats.org/drawingml/2006/main" xmlns:r="http://schemas.openxmlformats.org/officeDocument/2006/relationships" xmlns:p="http://schemas.openxmlformats.org/presentationml/2006/main">
+  <p:cSld>
+    <p:spTree>
+      <p:nvGrpSpPr>
+        <p:cNvPr id="1" name=""/>
+        <p:cNvGrpSpPr/>
+        <p:nvPr/>
+      </p:nvGrpSpPr>
+      <p:grpSpPr>
+        <a:xfrm>
+          <a:off x="0" y="0"/>
+          <a:ext cx="0" cy="0"/>
+          <a:chOff x="0" y="0"/>
+          <a:chExt cx="0" cy="0"/>
+        </a:xfrm>
+      </p:grpSpPr>
+      <p:sp>
+        <p:nvSpPr>
+          <p:cNvPr id="2" name="Slide Image Placeholder 1"/>
+          <p:cNvSpPr>
+            <a:spLocks noGrp="1" noRot="1" noChangeAspect="1"/>
+          </p:cNvSpPr>
+          <p:nvPr>
+            <p:ph type="sldImg"/>
+          </p:nvPr>
+        </p:nvSpPr>
+        <p:spPr/>
+      </p:sp>
+      <p:sp>
+        <p:nvSpPr>
+          <p:cNvPr id="3" name="Notes Placeholder 2"/>
+          <p:cNvSpPr>
+            <a:spLocks noGrp="1"/>
+          </p:cNvSpPr>
+          <p:nvPr>
+            <p:ph type="body" idx="1"/>
+          </p:nvPr>
+        </p:nvSpPr>
+        <p:spPr/>
+        <p:txBody>
+          <a:bodyPr/>
+          <a:lstStyle/>
+          <a:p>
+            <a:endParaRPr lang="en-US"/>
+          </a:p>
+        </p:txBody>
+      </p:sp>
+      <p:sp>
+        <p:nvSpPr>
+          <p:cNvPr id="4" name="Slide Number Placeholder 3"/>
+          <p:cNvSpPr>
+            <a:spLocks noGrp="1"/>
+          </p:cNvSpPr>
+          <p:nvPr>
+            <p:ph type="sldNum" sz="quarter" idx="10"/>
+          </p:nvPr>
+        </p:nvSpPr>
+        <p:spPr/>
+        <p:txBody>
+          <a:bodyPr/>
+          <a:lstStyle/>
+          <a:p>
+            <a:fld id="{8DAEC444-603B-4F09-9A06-5917518DD901}" type="slidenum">
+              <a:rPr lang="en-US" smtClean="0"/>
+              <a:t>17</a:t>
+            </a:fld>
+            <a:endParaRPr lang="en-US"/>
+          </a:p>
+        </p:txBody>
+      </p:sp>
+    </p:spTree>
+    <p:extLst>
+      <p:ext uri="{BB962C8B-B14F-4D97-AF65-F5344CB8AC3E}">
+        <p14:creationId xmlns:p14="http://schemas.microsoft.com/office/powerpoint/2010/main" val="992505027"/>
+      </p:ext>
+    </p:extLst>
+  </p:cSld>
+  <p:clrMapOvr>
+    <a:masterClrMapping/>
+  </p:clrMapOvr>
+</p:notes>
+</file>
+
+<file path=ppt/notesSlides/notesSlide18.xml><?xml version="1.0" encoding="utf-8"?>
+<p:notes xmlns:a="http://schemas.openxmlformats.org/drawingml/2006/main" xmlns:r="http://schemas.openxmlformats.org/officeDocument/2006/relationships" xmlns:p="http://schemas.openxmlformats.org/presentationml/2006/main">
+  <p:cSld>
+    <p:spTree>
+      <p:nvGrpSpPr>
+        <p:cNvPr id="1" name=""/>
+        <p:cNvGrpSpPr/>
+        <p:nvPr/>
+      </p:nvGrpSpPr>
+      <p:grpSpPr>
+        <a:xfrm>
+          <a:off x="0" y="0"/>
+          <a:ext cx="0" cy="0"/>
+          <a:chOff x="0" y="0"/>
+          <a:chExt cx="0" cy="0"/>
+        </a:xfrm>
+      </p:grpSpPr>
+      <p:sp>
+        <p:nvSpPr>
+          <p:cNvPr id="2" name="Slide Image Placeholder 1"/>
+          <p:cNvSpPr>
+            <a:spLocks noGrp="1" noRot="1" noChangeAspect="1"/>
+          </p:cNvSpPr>
+          <p:nvPr>
+            <p:ph type="sldImg"/>
+          </p:nvPr>
+        </p:nvSpPr>
+        <p:spPr/>
+      </p:sp>
+      <p:sp>
+        <p:nvSpPr>
+          <p:cNvPr id="3" name="Notes Placeholder 2"/>
+          <p:cNvSpPr>
+            <a:spLocks noGrp="1"/>
+          </p:cNvSpPr>
+          <p:nvPr>
+            <p:ph type="body" idx="1"/>
+          </p:nvPr>
+        </p:nvSpPr>
+        <p:spPr/>
+        <p:txBody>
+          <a:bodyPr/>
+          <a:lstStyle/>
+          <a:p>
+            <a:endParaRPr lang="en-US"/>
+          </a:p>
+        </p:txBody>
+      </p:sp>
+      <p:sp>
+        <p:nvSpPr>
+          <p:cNvPr id="4" name="Slide Number Placeholder 3"/>
+          <p:cNvSpPr>
+            <a:spLocks noGrp="1"/>
+          </p:cNvSpPr>
+          <p:nvPr>
+            <p:ph type="sldNum" sz="quarter" idx="10"/>
+          </p:nvPr>
+        </p:nvSpPr>
+        <p:spPr/>
+        <p:txBody>
+          <a:bodyPr/>
+          <a:lstStyle/>
+          <a:p>
+            <a:fld id="{8DAEC444-603B-4F09-9A06-5917518DD901}" type="slidenum">
+              <a:rPr lang="en-US" smtClean="0"/>
+              <a:t>18</a:t>
+            </a:fld>
+            <a:endParaRPr lang="en-US"/>
+          </a:p>
+        </p:txBody>
+      </p:sp>
+    </p:spTree>
+    <p:extLst>
+      <p:ext uri="{BB962C8B-B14F-4D97-AF65-F5344CB8AC3E}">
+        <p14:creationId xmlns:p14="http://schemas.microsoft.com/office/powerpoint/2010/main" val="3318107392"/>
+      </p:ext>
+    </p:extLst>
+  </p:cSld>
+  <p:clrMapOvr>
+    <a:masterClrMapping/>
+  </p:clrMapOvr>
+</p:notes>
+</file>
+
+<file path=ppt/notesSlides/notesSlide19.xml><?xml version="1.0" encoding="utf-8"?>
+<p:notes xmlns:a="http://schemas.openxmlformats.org/drawingml/2006/main" xmlns:r="http://schemas.openxmlformats.org/officeDocument/2006/relationships" xmlns:p="http://schemas.openxmlformats.org/presentationml/2006/main">
+  <p:cSld>
+    <p:spTree>
+      <p:nvGrpSpPr>
+        <p:cNvPr id="1" name=""/>
+        <p:cNvGrpSpPr/>
+        <p:nvPr/>
+      </p:nvGrpSpPr>
+      <p:grpSpPr>
+        <a:xfrm>
+          <a:off x="0" y="0"/>
+          <a:ext cx="0" cy="0"/>
+          <a:chOff x="0" y="0"/>
+          <a:chExt cx="0" cy="0"/>
+        </a:xfrm>
+      </p:grpSpPr>
+      <p:sp>
+        <p:nvSpPr>
+          <p:cNvPr id="2" name="Slide Image Placeholder 1"/>
+          <p:cNvSpPr>
+            <a:spLocks noGrp="1" noRot="1" noChangeAspect="1"/>
+          </p:cNvSpPr>
+          <p:nvPr>
+            <p:ph type="sldImg"/>
+          </p:nvPr>
+        </p:nvSpPr>
+        <p:spPr/>
+      </p:sp>
+      <p:sp>
+        <p:nvSpPr>
+          <p:cNvPr id="3" name="Notes Placeholder 2"/>
+          <p:cNvSpPr>
+            <a:spLocks noGrp="1"/>
+          </p:cNvSpPr>
+          <p:nvPr>
+            <p:ph type="body" idx="1"/>
+          </p:nvPr>
+        </p:nvSpPr>
+        <p:spPr/>
+        <p:txBody>
+          <a:bodyPr/>
+          <a:lstStyle/>
+          <a:p>
+            <a:endParaRPr lang="en-US"/>
+          </a:p>
+        </p:txBody>
+      </p:sp>
+      <p:sp>
+        <p:nvSpPr>
+          <p:cNvPr id="4" name="Slide Number Placeholder 3"/>
+          <p:cNvSpPr>
+            <a:spLocks noGrp="1"/>
+          </p:cNvSpPr>
+          <p:nvPr>
+            <p:ph type="sldNum" sz="quarter" idx="10"/>
+          </p:nvPr>
+        </p:nvSpPr>
+        <p:spPr/>
+        <p:txBody>
+          <a:bodyPr/>
+          <a:lstStyle/>
+          <a:p>
+            <a:fld id="{8DAEC444-603B-4F09-9A06-5917518DD901}" type="slidenum">
+              <a:rPr lang="en-US" smtClean="0"/>
+              <a:t>19</a:t>
+            </a:fld>
+            <a:endParaRPr lang="en-US"/>
+          </a:p>
+        </p:txBody>
+      </p:sp>
+    </p:spTree>
+    <p:extLst>
+      <p:ext uri="{BB962C8B-B14F-4D97-AF65-F5344CB8AC3E}">
+        <p14:creationId xmlns:p14="http://schemas.microsoft.com/office/powerpoint/2010/main" val="3216354126"/>
+      </p:ext>
+    </p:extLst>
+  </p:cSld>
+  <p:clrMapOvr>
+    <a:masterClrMapping/>
+  </p:clrMapOvr>
+</p:notes>
+</file>
+
+<file path=ppt/notesSlides/notesSlide2.xml><?xml version="1.0" encoding="utf-8"?>
+<p:notes xmlns:a="http://schemas.openxmlformats.org/drawingml/2006/main" xmlns:r="http://schemas.openxmlformats.org/officeDocument/2006/relationships" xmlns:p="http://schemas.openxmlformats.org/presentationml/2006/main">
+  <p:cSld>
+    <p:spTree>
+      <p:nvGrpSpPr>
+        <p:cNvPr id="1" name=""/>
+        <p:cNvGrpSpPr/>
+        <p:nvPr/>
+      </p:nvGrpSpPr>
+      <p:grpSpPr>
+        <a:xfrm>
+          <a:off x="0" y="0"/>
+          <a:ext cx="0" cy="0"/>
+          <a:chOff x="0" y="0"/>
+          <a:chExt cx="0" cy="0"/>
+        </a:xfrm>
+      </p:grpSpPr>
+      <p:sp>
+        <p:nvSpPr>
+          <p:cNvPr id="2" name="Slide Image Placeholder 1"/>
+          <p:cNvSpPr>
+            <a:spLocks noGrp="1" noRot="1" noChangeAspect="1"/>
+          </p:cNvSpPr>
+          <p:nvPr>
+            <p:ph type="sldImg"/>
+          </p:nvPr>
+        </p:nvSpPr>
+        <p:spPr/>
+      </p:sp>
+      <p:sp>
+        <p:nvSpPr>
+          <p:cNvPr id="3" name="Notes Placeholder 2"/>
+          <p:cNvSpPr>
+            <a:spLocks noGrp="1"/>
+          </p:cNvSpPr>
+          <p:nvPr>
+            <p:ph type="body" idx="1"/>
+          </p:nvPr>
+        </p:nvSpPr>
+        <p:spPr/>
+        <p:txBody>
+          <a:bodyPr/>
+          <a:lstStyle/>
+          <a:p>
+            <a:endParaRPr lang="en-US"/>
+          </a:p>
+        </p:txBody>
+      </p:sp>
+      <p:sp>
+        <p:nvSpPr>
+          <p:cNvPr id="4" name="Slide Number Placeholder 3"/>
+          <p:cNvSpPr>
+            <a:spLocks noGrp="1"/>
+          </p:cNvSpPr>
+          <p:nvPr>
+            <p:ph type="sldNum" sz="quarter" idx="10"/>
+          </p:nvPr>
+        </p:nvSpPr>
+        <p:spPr/>
+        <p:txBody>
+          <a:bodyPr/>
+          <a:lstStyle/>
+          <a:p>
+            <a:fld id="{8DAEC444-603B-4F09-9A06-5917518DD901}" type="slidenum">
+              <a:rPr lang="en-US" smtClean="0"/>
+              <a:t>2</a:t>
+            </a:fld>
+            <a:endParaRPr lang="en-US"/>
+          </a:p>
+        </p:txBody>
+      </p:sp>
+    </p:spTree>
+    <p:extLst>
+      <p:ext uri="{BB962C8B-B14F-4D97-AF65-F5344CB8AC3E}">
+        <p14:creationId xmlns:p14="http://schemas.microsoft.com/office/powerpoint/2010/main" val="1391594212"/>
+      </p:ext>
+    </p:extLst>
+  </p:cSld>
+  <p:clrMapOvr>
+    <a:masterClrMapping/>
+  </p:clrMapOvr>
+</p:notes>
+</file>
+
+<file path=ppt/notesSlides/notesSlide20.xml><?xml version="1.0" encoding="utf-8"?>
+<p:notes xmlns:a="http://schemas.openxmlformats.org/drawingml/2006/main" xmlns:r="http://schemas.openxmlformats.org/officeDocument/2006/relationships" xmlns:p="http://schemas.openxmlformats.org/presentationml/2006/main">
+  <p:cSld>
+    <p:spTree>
+      <p:nvGrpSpPr>
+        <p:cNvPr id="1" name=""/>
+        <p:cNvGrpSpPr/>
+        <p:nvPr/>
+      </p:nvGrpSpPr>
+      <p:grpSpPr>
+        <a:xfrm>
+          <a:off x="0" y="0"/>
+          <a:ext cx="0" cy="0"/>
+          <a:chOff x="0" y="0"/>
+          <a:chExt cx="0" cy="0"/>
+        </a:xfrm>
+      </p:grpSpPr>
+      <p:sp>
+        <p:nvSpPr>
+          <p:cNvPr id="2" name="Slide Image Placeholder 1"/>
+          <p:cNvSpPr>
+            <a:spLocks noGrp="1" noRot="1" noChangeAspect="1"/>
+          </p:cNvSpPr>
+          <p:nvPr>
+            <p:ph type="sldImg"/>
+          </p:nvPr>
+        </p:nvSpPr>
+        <p:spPr/>
+      </p:sp>
+      <p:sp>
+        <p:nvSpPr>
+          <p:cNvPr id="3" name="Notes Placeholder 2"/>
+          <p:cNvSpPr>
+            <a:spLocks noGrp="1"/>
+          </p:cNvSpPr>
+          <p:nvPr>
+            <p:ph type="body" idx="1"/>
+          </p:nvPr>
+        </p:nvSpPr>
+        <p:spPr/>
+        <p:txBody>
+          <a:bodyPr/>
+          <a:lstStyle/>
+          <a:p>
+            <a:endParaRPr lang="en-US"/>
+          </a:p>
+        </p:txBody>
+      </p:sp>
+      <p:sp>
+        <p:nvSpPr>
+          <p:cNvPr id="4" name="Slide Number Placeholder 3"/>
+          <p:cNvSpPr>
+            <a:spLocks noGrp="1"/>
+          </p:cNvSpPr>
+          <p:nvPr>
+            <p:ph type="sldNum" sz="quarter" idx="10"/>
+          </p:nvPr>
+        </p:nvSpPr>
+        <p:spPr/>
+        <p:txBody>
+          <a:bodyPr/>
+          <a:lstStyle/>
+          <a:p>
+            <a:fld id="{8DAEC444-603B-4F09-9A06-5917518DD901}" type="slidenum">
+              <a:rPr lang="en-US" smtClean="0"/>
+              <a:t>20</a:t>
+            </a:fld>
+            <a:endParaRPr lang="en-US"/>
+          </a:p>
+        </p:txBody>
+      </p:sp>
+    </p:spTree>
+    <p:extLst>
+      <p:ext uri="{BB962C8B-B14F-4D97-AF65-F5344CB8AC3E}">
+        <p14:creationId xmlns:p14="http://schemas.microsoft.com/office/powerpoint/2010/main" val="792001366"/>
+      </p:ext>
+    </p:extLst>
+  </p:cSld>
+  <p:clrMapOvr>
+    <a:masterClrMapping/>
+  </p:clrMapOvr>
+</p:notes>
+</file>
+
+<file path=ppt/notesSlides/notesSlide21.xml><?xml version="1.0" encoding="utf-8"?>
+<p:notes xmlns:a="http://schemas.openxmlformats.org/drawingml/2006/main" xmlns:r="http://schemas.openxmlformats.org/officeDocument/2006/relationships" xmlns:p="http://schemas.openxmlformats.org/presentationml/2006/main">
+  <p:cSld>
+    <p:spTree>
+      <p:nvGrpSpPr>
+        <p:cNvPr id="1" name=""/>
+        <p:cNvGrpSpPr/>
+        <p:nvPr/>
+      </p:nvGrpSpPr>
+      <p:grpSpPr>
+        <a:xfrm>
+          <a:off x="0" y="0"/>
+          <a:ext cx="0" cy="0"/>
+          <a:chOff x="0" y="0"/>
+          <a:chExt cx="0" cy="0"/>
+        </a:xfrm>
+      </p:grpSpPr>
+      <p:sp>
+        <p:nvSpPr>
+          <p:cNvPr id="2" name="Slide Image Placeholder 1"/>
+          <p:cNvSpPr>
+            <a:spLocks noGrp="1" noRot="1" noChangeAspect="1"/>
+          </p:cNvSpPr>
+          <p:nvPr>
+            <p:ph type="sldImg"/>
+          </p:nvPr>
+        </p:nvSpPr>
+        <p:spPr/>
+      </p:sp>
+      <p:sp>
+        <p:nvSpPr>
+          <p:cNvPr id="3" name="Notes Placeholder 2"/>
+          <p:cNvSpPr>
+            <a:spLocks noGrp="1"/>
+          </p:cNvSpPr>
+          <p:nvPr>
+            <p:ph type="body" idx="1"/>
+          </p:nvPr>
+        </p:nvSpPr>
+        <p:spPr/>
+        <p:txBody>
+          <a:bodyPr/>
+          <a:lstStyle/>
+          <a:p>
+            <a:endParaRPr lang="en-US"/>
+          </a:p>
+        </p:txBody>
+      </p:sp>
+      <p:sp>
+        <p:nvSpPr>
+          <p:cNvPr id="4" name="Slide Number Placeholder 3"/>
+          <p:cNvSpPr>
+            <a:spLocks noGrp="1"/>
+          </p:cNvSpPr>
+          <p:nvPr>
+            <p:ph type="sldNum" sz="quarter" idx="10"/>
+          </p:nvPr>
+        </p:nvSpPr>
+        <p:spPr/>
+        <p:txBody>
+          <a:bodyPr/>
+          <a:lstStyle/>
+          <a:p>
+            <a:fld id="{8DAEC444-603B-4F09-9A06-5917518DD901}" type="slidenum">
+              <a:rPr lang="en-US" smtClean="0"/>
+              <a:t>21</a:t>
+            </a:fld>
+            <a:endParaRPr lang="en-US"/>
+          </a:p>
+        </p:txBody>
+      </p:sp>
+    </p:spTree>
+    <p:extLst>
+      <p:ext uri="{BB962C8B-B14F-4D97-AF65-F5344CB8AC3E}">
+        <p14:creationId xmlns:p14="http://schemas.microsoft.com/office/powerpoint/2010/main" val="3948103441"/>
+      </p:ext>
+    </p:extLst>
+  </p:cSld>
+  <p:clrMapOvr>
+    <a:masterClrMapping/>
+  </p:clrMapOvr>
+</p:notes>
+</file>
+
+<file path=ppt/notesSlides/notesSlide22.xml><?xml version="1.0" encoding="utf-8"?>
+<p:notes xmlns:a="http://schemas.openxmlformats.org/drawingml/2006/main" xmlns:r="http://schemas.openxmlformats.org/officeDocument/2006/relationships" xmlns:p="http://schemas.openxmlformats.org/presentationml/2006/main">
+  <p:cSld>
+    <p:spTree>
+      <p:nvGrpSpPr>
+        <p:cNvPr id="1" name=""/>
+        <p:cNvGrpSpPr/>
+        <p:nvPr/>
+      </p:nvGrpSpPr>
+      <p:grpSpPr>
+        <a:xfrm>
+          <a:off x="0" y="0"/>
+          <a:ext cx="0" cy="0"/>
+          <a:chOff x="0" y="0"/>
+          <a:chExt cx="0" cy="0"/>
+        </a:xfrm>
+      </p:grpSpPr>
+      <p:sp>
+        <p:nvSpPr>
+          <p:cNvPr id="2" name="Slide Image Placeholder 1"/>
+          <p:cNvSpPr>
+            <a:spLocks noGrp="1" noRot="1" noChangeAspect="1"/>
+          </p:cNvSpPr>
+          <p:nvPr>
+            <p:ph type="sldImg"/>
+          </p:nvPr>
+        </p:nvSpPr>
+        <p:spPr/>
+      </p:sp>
+      <p:sp>
+        <p:nvSpPr>
+          <p:cNvPr id="3" name="Notes Placeholder 2"/>
+          <p:cNvSpPr>
+            <a:spLocks noGrp="1"/>
+          </p:cNvSpPr>
+          <p:nvPr>
+            <p:ph type="body" idx="1"/>
+          </p:nvPr>
+        </p:nvSpPr>
+        <p:spPr/>
+        <p:txBody>
+          <a:bodyPr/>
+          <a:lstStyle/>
+          <a:p>
+            <a:endParaRPr lang="en-US"/>
+          </a:p>
+        </p:txBody>
+      </p:sp>
+      <p:sp>
+        <p:nvSpPr>
+          <p:cNvPr id="4" name="Slide Number Placeholder 3"/>
+          <p:cNvSpPr>
+            <a:spLocks noGrp="1"/>
+          </p:cNvSpPr>
+          <p:nvPr>
+            <p:ph type="sldNum" sz="quarter" idx="10"/>
+          </p:nvPr>
+        </p:nvSpPr>
+        <p:spPr/>
+        <p:txBody>
+          <a:bodyPr/>
+          <a:lstStyle/>
+          <a:p>
+            <a:fld id="{8DAEC444-603B-4F09-9A06-5917518DD901}" type="slidenum">
+              <a:rPr lang="en-US" smtClean="0"/>
+              <a:t>22</a:t>
+            </a:fld>
+            <a:endParaRPr lang="en-US"/>
+          </a:p>
+        </p:txBody>
+      </p:sp>
+    </p:spTree>
+    <p:extLst>
+      <p:ext uri="{BB962C8B-B14F-4D97-AF65-F5344CB8AC3E}">
+        <p14:creationId xmlns:p14="http://schemas.microsoft.com/office/powerpoint/2010/main" val="2254794996"/>
+      </p:ext>
+    </p:extLst>
+  </p:cSld>
+  <p:clrMapOvr>
+    <a:masterClrMapping/>
+  </p:clrMapOvr>
+</p:notes>
+</file>
+
+<file path=ppt/notesSlides/notesSlide23.xml><?xml version="1.0" encoding="utf-8"?>
+<p:notes xmlns:a="http://schemas.openxmlformats.org/drawingml/2006/main" xmlns:r="http://schemas.openxmlformats.org/officeDocument/2006/relationships" xmlns:p="http://schemas.openxmlformats.org/presentationml/2006/main">
+  <p:cSld>
+    <p:spTree>
+      <p:nvGrpSpPr>
+        <p:cNvPr id="1" name=""/>
+        <p:cNvGrpSpPr/>
+        <p:nvPr/>
+      </p:nvGrpSpPr>
+      <p:grpSpPr>
+        <a:xfrm>
+          <a:off x="0" y="0"/>
+          <a:ext cx="0" cy="0"/>
+          <a:chOff x="0" y="0"/>
+          <a:chExt cx="0" cy="0"/>
+        </a:xfrm>
+      </p:grpSpPr>
+      <p:sp>
+        <p:nvSpPr>
+          <p:cNvPr id="2" name="Slide Image Placeholder 1"/>
+          <p:cNvSpPr>
+            <a:spLocks noGrp="1" noRot="1" noChangeAspect="1"/>
+          </p:cNvSpPr>
+          <p:nvPr>
+            <p:ph type="sldImg"/>
+          </p:nvPr>
+        </p:nvSpPr>
+        <p:spPr/>
+      </p:sp>
+      <p:sp>
+        <p:nvSpPr>
+          <p:cNvPr id="3" name="Notes Placeholder 2"/>
+          <p:cNvSpPr>
+            <a:spLocks noGrp="1"/>
+          </p:cNvSpPr>
+          <p:nvPr>
+            <p:ph type="body" idx="1"/>
+          </p:nvPr>
+        </p:nvSpPr>
+        <p:spPr/>
+        <p:txBody>
+          <a:bodyPr/>
+          <a:lstStyle/>
+          <a:p>
+            <a:endParaRPr lang="en-US"/>
+          </a:p>
+        </p:txBody>
+      </p:sp>
+      <p:sp>
+        <p:nvSpPr>
+          <p:cNvPr id="4" name="Slide Number Placeholder 3"/>
+          <p:cNvSpPr>
+            <a:spLocks noGrp="1"/>
+          </p:cNvSpPr>
+          <p:nvPr>
+            <p:ph type="sldNum" sz="quarter" idx="10"/>
+          </p:nvPr>
+        </p:nvSpPr>
+        <p:spPr/>
+        <p:txBody>
+          <a:bodyPr/>
+          <a:lstStyle/>
+          <a:p>
+            <a:fld id="{8DAEC444-603B-4F09-9A06-5917518DD901}" type="slidenum">
+              <a:rPr lang="en-US" smtClean="0"/>
+              <a:t>23</a:t>
+            </a:fld>
+            <a:endParaRPr lang="en-US"/>
+          </a:p>
+        </p:txBody>
+      </p:sp>
+    </p:spTree>
+    <p:extLst>
+      <p:ext uri="{BB962C8B-B14F-4D97-AF65-F5344CB8AC3E}">
+        <p14:creationId xmlns:p14="http://schemas.microsoft.com/office/powerpoint/2010/main" val="766849771"/>
+      </p:ext>
+    </p:extLst>
+  </p:cSld>
+  <p:clrMapOvr>
+    <a:masterClrMapping/>
+  </p:clrMapOvr>
+</p:notes>
+</file>
+
+<file path=ppt/notesSlides/notesSlide24.xml><?xml version="1.0" encoding="utf-8"?>
+<p:notes xmlns:a="http://schemas.openxmlformats.org/drawingml/2006/main" xmlns:r="http://schemas.openxmlformats.org/officeDocument/2006/relationships" xmlns:p="http://schemas.openxmlformats.org/presentationml/2006/main">
+  <p:cSld>
+    <p:spTree>
+      <p:nvGrpSpPr>
+        <p:cNvPr id="1" name=""/>
+        <p:cNvGrpSpPr/>
+        <p:nvPr/>
+      </p:nvGrpSpPr>
+      <p:grpSpPr>
+        <a:xfrm>
+          <a:off x="0" y="0"/>
+          <a:ext cx="0" cy="0"/>
+          <a:chOff x="0" y="0"/>
+          <a:chExt cx="0" cy="0"/>
+        </a:xfrm>
+      </p:grpSpPr>
+      <p:sp>
+        <p:nvSpPr>
+          <p:cNvPr id="2" name="Slide Image Placeholder 1"/>
+          <p:cNvSpPr>
+            <a:spLocks noGrp="1" noRot="1" noChangeAspect="1"/>
+          </p:cNvSpPr>
+          <p:nvPr>
+            <p:ph type="sldImg"/>
+          </p:nvPr>
+        </p:nvSpPr>
+        <p:spPr/>
+      </p:sp>
+      <p:sp>
+        <p:nvSpPr>
+          <p:cNvPr id="3" name="Notes Placeholder 2"/>
+          <p:cNvSpPr>
+            <a:spLocks noGrp="1"/>
+          </p:cNvSpPr>
+          <p:nvPr>
+            <p:ph type="body" idx="1"/>
+          </p:nvPr>
+        </p:nvSpPr>
+        <p:spPr/>
+        <p:txBody>
+          <a:bodyPr/>
+          <a:lstStyle/>
+          <a:p>
+            <a:endParaRPr lang="en-US"/>
+          </a:p>
+        </p:txBody>
+      </p:sp>
+      <p:sp>
+        <p:nvSpPr>
+          <p:cNvPr id="4" name="Slide Number Placeholder 3"/>
+          <p:cNvSpPr>
+            <a:spLocks noGrp="1"/>
+          </p:cNvSpPr>
+          <p:nvPr>
+            <p:ph type="sldNum" sz="quarter" idx="10"/>
+          </p:nvPr>
+        </p:nvSpPr>
+        <p:spPr/>
+        <p:txBody>
+          <a:bodyPr/>
+          <a:lstStyle/>
+          <a:p>
+            <a:fld id="{8DAEC444-603B-4F09-9A06-5917518DD901}" type="slidenum">
+              <a:rPr lang="en-US" smtClean="0"/>
+              <a:t>24</a:t>
+            </a:fld>
+            <a:endParaRPr lang="en-US"/>
+          </a:p>
+        </p:txBody>
+      </p:sp>
+    </p:spTree>
+    <p:extLst>
+      <p:ext uri="{BB962C8B-B14F-4D97-AF65-F5344CB8AC3E}">
+        <p14:creationId xmlns:p14="http://schemas.microsoft.com/office/powerpoint/2010/main" val="251988482"/>
+      </p:ext>
+    </p:extLst>
+  </p:cSld>
+  <p:clrMapOvr>
+    <a:masterClrMapping/>
+  </p:clrMapOvr>
+</p:notes>
+</file>
+
+<file path=ppt/notesSlides/notesSlide25.xml><?xml version="1.0" encoding="utf-8"?>
+<p:notes xmlns:a="http://schemas.openxmlformats.org/drawingml/2006/main" xmlns:r="http://schemas.openxmlformats.org/officeDocument/2006/relationships" xmlns:p="http://schemas.openxmlformats.org/presentationml/2006/main">
+  <p:cSld>
+    <p:spTree>
+      <p:nvGrpSpPr>
+        <p:cNvPr id="1" name=""/>
+        <p:cNvGrpSpPr/>
+        <p:nvPr/>
+      </p:nvGrpSpPr>
+      <p:grpSpPr>
+        <a:xfrm>
+          <a:off x="0" y="0"/>
+          <a:ext cx="0" cy="0"/>
+          <a:chOff x="0" y="0"/>
+          <a:chExt cx="0" cy="0"/>
+        </a:xfrm>
+      </p:grpSpPr>
+      <p:sp>
+        <p:nvSpPr>
+          <p:cNvPr id="2" name="Slide Image Placeholder 1"/>
+          <p:cNvSpPr>
+            <a:spLocks noGrp="1" noRot="1" noChangeAspect="1"/>
+          </p:cNvSpPr>
+          <p:nvPr>
+            <p:ph type="sldImg"/>
+          </p:nvPr>
+        </p:nvSpPr>
+        <p:spPr/>
+      </p:sp>
+      <p:sp>
+        <p:nvSpPr>
+          <p:cNvPr id="3" name="Notes Placeholder 2"/>
+          <p:cNvSpPr>
+            <a:spLocks noGrp="1"/>
+          </p:cNvSpPr>
+          <p:nvPr>
+            <p:ph type="body" idx="1"/>
+          </p:nvPr>
+        </p:nvSpPr>
+        <p:spPr/>
+        <p:txBody>
+          <a:bodyPr/>
+          <a:lstStyle/>
+          <a:p>
+            <a:endParaRPr lang="en-US"/>
+          </a:p>
+        </p:txBody>
+      </p:sp>
+      <p:sp>
+        <p:nvSpPr>
+          <p:cNvPr id="4" name="Slide Number Placeholder 3"/>
+          <p:cNvSpPr>
+            <a:spLocks noGrp="1"/>
+          </p:cNvSpPr>
+          <p:nvPr>
+            <p:ph type="sldNum" sz="quarter" idx="10"/>
+          </p:nvPr>
+        </p:nvSpPr>
+        <p:spPr/>
+        <p:txBody>
+          <a:bodyPr/>
+          <a:lstStyle/>
+          <a:p>
+            <a:fld id="{8DAEC444-603B-4F09-9A06-5917518DD901}" type="slidenum">
+              <a:rPr lang="en-US" smtClean="0"/>
+              <a:t>25</a:t>
+            </a:fld>
+            <a:endParaRPr lang="en-US"/>
+          </a:p>
+        </p:txBody>
+      </p:sp>
+    </p:spTree>
+    <p:extLst>
+      <p:ext uri="{BB962C8B-B14F-4D97-AF65-F5344CB8AC3E}">
+        <p14:creationId xmlns:p14="http://schemas.microsoft.com/office/powerpoint/2010/main" val="2652466585"/>
+      </p:ext>
+    </p:extLst>
+  </p:cSld>
+  <p:clrMapOvr>
+    <a:masterClrMapping/>
+  </p:clrMapOvr>
+</p:notes>
+</file>
+
+<file path=ppt/notesSlides/notesSlide26.xml><?xml version="1.0" encoding="utf-8"?>
+<p:notes xmlns:a="http://schemas.openxmlformats.org/drawingml/2006/main" xmlns:r="http://schemas.openxmlformats.org/officeDocument/2006/relationships" xmlns:p="http://schemas.openxmlformats.org/presentationml/2006/main">
+  <p:cSld>
+    <p:spTree>
+      <p:nvGrpSpPr>
+        <p:cNvPr id="1" name=""/>
+        <p:cNvGrpSpPr/>
+        <p:nvPr/>
+      </p:nvGrpSpPr>
+      <p:grpSpPr>
+        <a:xfrm>
+          <a:off x="0" y="0"/>
+          <a:ext cx="0" cy="0"/>
+          <a:chOff x="0" y="0"/>
+          <a:chExt cx="0" cy="0"/>
+        </a:xfrm>
+      </p:grpSpPr>
+      <p:sp>
+        <p:nvSpPr>
+          <p:cNvPr id="2" name="Slide Image Placeholder 1"/>
+          <p:cNvSpPr>
+            <a:spLocks noGrp="1" noRot="1" noChangeAspect="1"/>
+          </p:cNvSpPr>
+          <p:nvPr>
+            <p:ph type="sldImg"/>
+          </p:nvPr>
+        </p:nvSpPr>
+        <p:spPr/>
+      </p:sp>
+      <p:sp>
+        <p:nvSpPr>
+          <p:cNvPr id="3" name="Notes Placeholder 2"/>
+          <p:cNvSpPr>
+            <a:spLocks noGrp="1"/>
+          </p:cNvSpPr>
+          <p:nvPr>
+            <p:ph type="body" idx="1"/>
+          </p:nvPr>
+        </p:nvSpPr>
+        <p:spPr/>
+        <p:txBody>
+          <a:bodyPr/>
+          <a:lstStyle/>
+          <a:p>
+            <a:endParaRPr lang="en-US"/>
+          </a:p>
+        </p:txBody>
+      </p:sp>
+      <p:sp>
+        <p:nvSpPr>
+          <p:cNvPr id="4" name="Slide Number Placeholder 3"/>
+          <p:cNvSpPr>
+            <a:spLocks noGrp="1"/>
+          </p:cNvSpPr>
+          <p:nvPr>
+            <p:ph type="sldNum" sz="quarter" idx="10"/>
+          </p:nvPr>
+        </p:nvSpPr>
+        <p:spPr/>
+        <p:txBody>
+          <a:bodyPr/>
+          <a:lstStyle/>
+          <a:p>
+            <a:fld id="{8DAEC444-603B-4F09-9A06-5917518DD901}" type="slidenum">
+              <a:rPr lang="en-US" smtClean="0"/>
+              <a:t>26</a:t>
+            </a:fld>
+            <a:endParaRPr lang="en-US"/>
+          </a:p>
+        </p:txBody>
+      </p:sp>
+    </p:spTree>
+    <p:extLst>
+      <p:ext uri="{BB962C8B-B14F-4D97-AF65-F5344CB8AC3E}">
+        <p14:creationId xmlns:p14="http://schemas.microsoft.com/office/powerpoint/2010/main" val="3050561904"/>
+      </p:ext>
+    </p:extLst>
+  </p:cSld>
+  <p:clrMapOvr>
+    <a:masterClrMapping/>
+  </p:clrMapOvr>
+</p:notes>
+</file>
+
+<file path=ppt/notesSlides/notesSlide27.xml><?xml version="1.0" encoding="utf-8"?>
+<p:notes xmlns:a="http://schemas.openxmlformats.org/drawingml/2006/main" xmlns:r="http://schemas.openxmlformats.org/officeDocument/2006/relationships" xmlns:p="http://schemas.openxmlformats.org/presentationml/2006/main">
+  <p:cSld>
+    <p:spTree>
+      <p:nvGrpSpPr>
+        <p:cNvPr id="1" name=""/>
+        <p:cNvGrpSpPr/>
+        <p:nvPr/>
+      </p:nvGrpSpPr>
+      <p:grpSpPr>
+        <a:xfrm>
+          <a:off x="0" y="0"/>
+          <a:ext cx="0" cy="0"/>
+          <a:chOff x="0" y="0"/>
+          <a:chExt cx="0" cy="0"/>
+        </a:xfrm>
+      </p:grpSpPr>
+      <p:sp>
+        <p:nvSpPr>
+          <p:cNvPr id="2" name="Slide Image Placeholder 1"/>
+          <p:cNvSpPr>
+            <a:spLocks noGrp="1" noRot="1" noChangeAspect="1"/>
+          </p:cNvSpPr>
+          <p:nvPr>
+            <p:ph type="sldImg"/>
+          </p:nvPr>
+        </p:nvSpPr>
+        <p:spPr/>
+      </p:sp>
+      <p:sp>
+        <p:nvSpPr>
+          <p:cNvPr id="3" name="Notes Placeholder 2"/>
+          <p:cNvSpPr>
+            <a:spLocks noGrp="1"/>
+          </p:cNvSpPr>
+          <p:nvPr>
+            <p:ph type="body" idx="1"/>
+          </p:nvPr>
+        </p:nvSpPr>
+        <p:spPr/>
+        <p:txBody>
+          <a:bodyPr/>
+          <a:lstStyle/>
+          <a:p>
+            <a:endParaRPr lang="en-US" dirty="0"/>
+          </a:p>
+        </p:txBody>
+      </p:sp>
+      <p:sp>
+        <p:nvSpPr>
+          <p:cNvPr id="4" name="Slide Number Placeholder 3"/>
+          <p:cNvSpPr>
+            <a:spLocks noGrp="1"/>
+          </p:cNvSpPr>
+          <p:nvPr>
+            <p:ph type="sldNum" sz="quarter" idx="10"/>
+          </p:nvPr>
+        </p:nvSpPr>
+        <p:spPr/>
+        <p:txBody>
+          <a:bodyPr/>
+          <a:lstStyle/>
+          <a:p>
+            <a:fld id="{8DAEC444-603B-4F09-9A06-5917518DD901}" type="slidenum">
+              <a:rPr lang="en-US" smtClean="0"/>
+              <a:t>27</a:t>
+            </a:fld>
+            <a:endParaRPr lang="en-US"/>
+          </a:p>
+        </p:txBody>
+      </p:sp>
+    </p:spTree>
+    <p:extLst>
+      <p:ext uri="{BB962C8B-B14F-4D97-AF65-F5344CB8AC3E}">
+        <p14:creationId xmlns:p14="http://schemas.microsoft.com/office/powerpoint/2010/main" val="3437261703"/>
+      </p:ext>
+    </p:extLst>
+  </p:cSld>
+  <p:clrMapOvr>
+    <a:masterClrMapping/>
+  </p:clrMapOvr>
+</p:notes>
+</file>
+
+<file path=ppt/notesSlides/notesSlide3.xml><?xml version="1.0" encoding="utf-8"?>
+<p:notes xmlns:a="http://schemas.openxmlformats.org/drawingml/2006/main" xmlns:r="http://schemas.openxmlformats.org/officeDocument/2006/relationships" xmlns:p="http://schemas.openxmlformats.org/presentationml/2006/main">
+  <p:cSld>
+    <p:spTree>
+      <p:nvGrpSpPr>
+        <p:cNvPr id="1" name=""/>
+        <p:cNvGrpSpPr/>
+        <p:nvPr/>
+      </p:nvGrpSpPr>
+      <p:grpSpPr>
+        <a:xfrm>
+          <a:off x="0" y="0"/>
+          <a:ext cx="0" cy="0"/>
+          <a:chOff x="0" y="0"/>
+          <a:chExt cx="0" cy="0"/>
+        </a:xfrm>
+      </p:grpSpPr>
+      <p:sp>
+        <p:nvSpPr>
+          <p:cNvPr id="2" name="Slide Image Placeholder 1"/>
+          <p:cNvSpPr>
+            <a:spLocks noGrp="1" noRot="1" noChangeAspect="1"/>
+          </p:cNvSpPr>
+          <p:nvPr>
+            <p:ph type="sldImg"/>
+          </p:nvPr>
+        </p:nvSpPr>
+        <p:spPr/>
+      </p:sp>
+      <p:sp>
+        <p:nvSpPr>
+          <p:cNvPr id="3" name="Notes Placeholder 2"/>
+          <p:cNvSpPr>
+            <a:spLocks noGrp="1"/>
+          </p:cNvSpPr>
+          <p:nvPr>
+            <p:ph type="body" idx="1"/>
+          </p:nvPr>
+        </p:nvSpPr>
+        <p:spPr/>
+        <p:txBody>
+          <a:bodyPr/>
+          <a:lstStyle/>
+          <a:p>
+            <a:r>
+              <a:rPr lang="en-US" sz="1200" kern="1200" dirty="0">
+                <a:solidFill>
+                  <a:schemeClr val="tx1"/>
+                </a:solidFill>
+                <a:effectLst/>
+                <a:latin typeface="+mn-lt"/>
+                <a:ea typeface="+mn-ea"/>
+                <a:cs typeface="+mn-cs"/>
+              </a:rPr>
+              <a:t>Containers, so called, are merely tools. Fantastic tools. The real story is decomposition and independence – once called </a:t>
+            </a:r>
+            <a:r>
+              <a:rPr lang="en-US" sz="1200" i="1" kern="1200" dirty="0">
+                <a:solidFill>
+                  <a:schemeClr val="tx1"/>
+                </a:solidFill>
+                <a:effectLst/>
+                <a:latin typeface="+mn-lt"/>
+                <a:ea typeface="+mn-ea"/>
+                <a:cs typeface="+mn-cs"/>
+              </a:rPr>
+              <a:t>service orientation -- </a:t>
+            </a:r>
+            <a:r>
+              <a:rPr lang="en-US" sz="1200" kern="1200" dirty="0">
+                <a:solidFill>
+                  <a:schemeClr val="tx1"/>
+                </a:solidFill>
+                <a:effectLst/>
+                <a:latin typeface="+mn-lt"/>
+                <a:ea typeface="+mn-ea"/>
+                <a:cs typeface="+mn-cs"/>
+              </a:rPr>
+              <a:t>and it has been for about fifteen years now. Extremely talented people have been applying a very intelligent process…. Break down the complexity into simpler parts, focused on smaller goals, and then connected in ways that enable you to build a better network, a better chain of execution. The current iteration of service orientation is often referred to as </a:t>
+            </a:r>
+            <a:r>
+              <a:rPr lang="en-US" sz="1200" i="1" kern="1200" dirty="0">
+                <a:solidFill>
+                  <a:schemeClr val="tx1"/>
+                </a:solidFill>
+                <a:effectLst/>
+                <a:latin typeface="+mn-lt"/>
+                <a:ea typeface="+mn-ea"/>
+                <a:cs typeface="+mn-cs"/>
+              </a:rPr>
+              <a:t>microservices</a:t>
+            </a:r>
+            <a:r>
+              <a:rPr lang="en-US" sz="1200" kern="1200" dirty="0">
+                <a:solidFill>
+                  <a:schemeClr val="tx1"/>
+                </a:solidFill>
+                <a:effectLst/>
+                <a:latin typeface="+mn-lt"/>
+                <a:ea typeface="+mn-ea"/>
+                <a:cs typeface="+mn-cs"/>
+              </a:rPr>
+              <a:t>, but we should best call it something like, </a:t>
+            </a:r>
+            <a:r>
+              <a:rPr lang="en-US" sz="1200" i="1" kern="1200" dirty="0">
+                <a:solidFill>
+                  <a:schemeClr val="tx1"/>
+                </a:solidFill>
+                <a:effectLst/>
+                <a:latin typeface="+mn-lt"/>
+                <a:ea typeface="+mn-ea"/>
+                <a:cs typeface="+mn-cs"/>
+              </a:rPr>
+              <a:t>many, smaller, decoupled services in the pursuit of better things. </a:t>
+            </a:r>
+            <a:r>
+              <a:rPr lang="en-US" sz="1200" kern="1200" dirty="0">
+                <a:solidFill>
+                  <a:schemeClr val="tx1"/>
+                </a:solidFill>
+                <a:effectLst/>
+                <a:latin typeface="+mn-lt"/>
+                <a:ea typeface="+mn-ea"/>
+                <a:cs typeface="+mn-cs"/>
+              </a:rPr>
+              <a:t>There is, however, a corollary: we’re going to need a bigger boat. Containers can help you build the bigger boat.</a:t>
+            </a:r>
+          </a:p>
+          <a:p>
+            <a:endParaRPr lang="en-US" sz="1200" kern="1200" dirty="0">
+              <a:solidFill>
+                <a:schemeClr val="tx1"/>
+              </a:solidFill>
+              <a:effectLst/>
+              <a:latin typeface="+mn-lt"/>
+              <a:ea typeface="+mn-ea"/>
+              <a:cs typeface="+mn-cs"/>
+            </a:endParaRPr>
+          </a:p>
+          <a:p>
+            <a:r>
+              <a:rPr lang="en-US" sz="1200" kern="1200" dirty="0">
+                <a:solidFill>
+                  <a:schemeClr val="tx1"/>
+                </a:solidFill>
+                <a:effectLst/>
+                <a:latin typeface="+mn-lt"/>
+                <a:ea typeface="+mn-ea"/>
+                <a:cs typeface="+mn-cs"/>
+              </a:rPr>
+              <a:t>Let’s discuss our thoughts. We’ve always broken down complex processes into simpler ones. From single large processes fed into large machines on punch cards to very large .exes, we built what we needed, what we could, by packing our best thoughts into code. Eventually, we realized we could expand logical processes beyond our best thoughts by breaking them down, and chaining them together. Libraries enabled reuse, though it pushed complexity into the subtle differences of shared code without coherent tracking. </a:t>
+            </a:r>
+          </a:p>
+          <a:p>
+            <a:endParaRPr lang="en-US" sz="1200" kern="1200" dirty="0">
+              <a:solidFill>
+                <a:schemeClr val="tx1"/>
+              </a:solidFill>
+              <a:effectLst/>
+              <a:latin typeface="+mn-lt"/>
+              <a:ea typeface="+mn-ea"/>
+              <a:cs typeface="+mn-cs"/>
+            </a:endParaRPr>
+          </a:p>
+          <a:p>
+            <a:r>
+              <a:rPr lang="en-US" sz="1200" kern="1200" dirty="0">
+                <a:solidFill>
+                  <a:schemeClr val="tx1"/>
+                </a:solidFill>
+                <a:effectLst/>
+                <a:latin typeface="+mn-lt"/>
+                <a:ea typeface="+mn-ea"/>
+                <a:cs typeface="+mn-cs"/>
+              </a:rPr>
+              <a:t>Think about this: a “service” is a logical routine. That’s it. It does something, </a:t>
+            </a:r>
+            <a:r>
+              <a:rPr lang="en-US" sz="1200" i="1" kern="1200" dirty="0">
+                <a:solidFill>
+                  <a:schemeClr val="tx1"/>
+                </a:solidFill>
+                <a:effectLst/>
+                <a:latin typeface="+mn-lt"/>
+                <a:ea typeface="+mn-ea"/>
+                <a:cs typeface="+mn-cs"/>
+              </a:rPr>
+              <a:t>provides a service</a:t>
+            </a:r>
+            <a:r>
+              <a:rPr lang="en-US" sz="1200" kern="1200" dirty="0">
+                <a:solidFill>
+                  <a:schemeClr val="tx1"/>
+                </a:solidFill>
+                <a:effectLst/>
+                <a:latin typeface="+mn-lt"/>
+                <a:ea typeface="+mn-ea"/>
+                <a:cs typeface="+mn-cs"/>
+              </a:rPr>
+              <a:t>. Our tools for running them faster – by scaling </a:t>
+            </a:r>
+            <a:r>
+              <a:rPr lang="en-US" sz="1200" i="1" kern="1200" dirty="0">
+                <a:solidFill>
+                  <a:schemeClr val="tx1"/>
+                </a:solidFill>
+                <a:effectLst/>
+                <a:latin typeface="+mn-lt"/>
+                <a:ea typeface="+mn-ea"/>
+                <a:cs typeface="+mn-cs"/>
+              </a:rPr>
+              <a:t>out</a:t>
+            </a:r>
+            <a:r>
+              <a:rPr lang="en-US" sz="1200" kern="1200" dirty="0">
+                <a:solidFill>
+                  <a:schemeClr val="tx1"/>
+                </a:solidFill>
+                <a:effectLst/>
+                <a:latin typeface="+mn-lt"/>
+                <a:ea typeface="+mn-ea"/>
+                <a:cs typeface="+mn-cs"/>
+              </a:rPr>
+              <a:t> the execution – involved funny things like concurrency, you know: </a:t>
+            </a:r>
+            <a:r>
+              <a:rPr lang="en-US" sz="1200" i="1" kern="1200" dirty="0" err="1">
+                <a:solidFill>
+                  <a:schemeClr val="tx1"/>
+                </a:solidFill>
+                <a:effectLst/>
+                <a:latin typeface="+mn-lt"/>
+                <a:ea typeface="+mn-ea"/>
+                <a:cs typeface="+mn-cs"/>
+              </a:rPr>
+              <a:t>async</a:t>
+            </a:r>
+            <a:r>
+              <a:rPr lang="en-US" sz="1200" i="1" kern="1200" dirty="0">
+                <a:solidFill>
+                  <a:schemeClr val="tx1"/>
+                </a:solidFill>
+                <a:effectLst/>
+                <a:latin typeface="+mn-lt"/>
+                <a:ea typeface="+mn-ea"/>
+                <a:cs typeface="+mn-cs"/>
+              </a:rPr>
+              <a:t>, and await</a:t>
+            </a:r>
+            <a:r>
+              <a:rPr lang="en-US" sz="1200" kern="1200" dirty="0">
+                <a:solidFill>
+                  <a:schemeClr val="tx1"/>
+                </a:solidFill>
+                <a:effectLst/>
+                <a:latin typeface="+mn-lt"/>
+                <a:ea typeface="+mn-ea"/>
+                <a:cs typeface="+mn-cs"/>
+              </a:rPr>
+              <a:t>. Nice tools! And when we build servers we started out with bigger ones… but we’ve reached a point where increasing the </a:t>
+            </a:r>
+            <a:r>
+              <a:rPr lang="en-US" sz="1200" i="1" kern="1200" dirty="0">
+                <a:solidFill>
+                  <a:schemeClr val="tx1"/>
+                </a:solidFill>
+                <a:effectLst/>
+                <a:latin typeface="+mn-lt"/>
+                <a:ea typeface="+mn-ea"/>
+                <a:cs typeface="+mn-cs"/>
+              </a:rPr>
+              <a:t>size and throughput </a:t>
+            </a:r>
+            <a:r>
+              <a:rPr lang="en-US" sz="1200" kern="1200" dirty="0">
+                <a:solidFill>
+                  <a:schemeClr val="tx1"/>
+                </a:solidFill>
+                <a:effectLst/>
+                <a:latin typeface="+mn-lt"/>
+                <a:ea typeface="+mn-ea"/>
+                <a:cs typeface="+mn-cs"/>
+              </a:rPr>
+              <a:t>of the same machine does not continue infinitely (let’s ignore the attempt to circumvent that with quantum computing for the moment). So let’s use smaller, simpler commodity computers but use lots of them at the same time. </a:t>
+            </a:r>
+          </a:p>
+          <a:p>
+            <a:endParaRPr lang="en-US" sz="1200" kern="1200" dirty="0">
+              <a:solidFill>
+                <a:schemeClr val="tx1"/>
+              </a:solidFill>
+              <a:effectLst/>
+              <a:latin typeface="+mn-lt"/>
+              <a:ea typeface="+mn-ea"/>
+              <a:cs typeface="+mn-cs"/>
+            </a:endParaRPr>
+          </a:p>
+          <a:p>
+            <a:r>
+              <a:rPr lang="en-US" sz="1200" kern="1200" dirty="0">
+                <a:solidFill>
+                  <a:schemeClr val="tx1"/>
+                </a:solidFill>
+                <a:effectLst/>
+                <a:latin typeface="+mn-lt"/>
+                <a:ea typeface="+mn-ea"/>
+                <a:cs typeface="+mn-cs"/>
+              </a:rPr>
+              <a:t>We have also applied this same approach to our logical execution units to scale them out into services that do not have any special insight into the implementations of the others they call and use basic, relatively simple communication protocols and patterns to communicate because it increases independence as well as the </a:t>
+            </a:r>
+            <a:r>
+              <a:rPr lang="en-US" sz="1200" i="1" kern="1200" dirty="0">
+                <a:solidFill>
+                  <a:schemeClr val="tx1"/>
+                </a:solidFill>
+                <a:effectLst/>
+                <a:latin typeface="+mn-lt"/>
+                <a:ea typeface="+mn-ea"/>
+                <a:cs typeface="+mn-cs"/>
+              </a:rPr>
+              <a:t>network effect </a:t>
+            </a:r>
+            <a:r>
+              <a:rPr lang="en-US" sz="1200" kern="1200" dirty="0">
+                <a:solidFill>
+                  <a:schemeClr val="tx1"/>
+                </a:solidFill>
+                <a:effectLst/>
+                <a:latin typeface="+mn-lt"/>
+                <a:ea typeface="+mn-ea"/>
+                <a:cs typeface="+mn-cs"/>
+              </a:rPr>
+              <a:t>of the number of other services that they can call to get their own work done. We may remember these as SOA or </a:t>
+            </a:r>
+            <a:r>
+              <a:rPr lang="en-US" sz="1200" i="1" kern="1200" dirty="0">
+                <a:solidFill>
+                  <a:schemeClr val="tx1"/>
+                </a:solidFill>
+                <a:effectLst/>
+                <a:latin typeface="+mn-lt"/>
+                <a:ea typeface="+mn-ea"/>
+                <a:cs typeface="+mn-cs"/>
+              </a:rPr>
+              <a:t>service oriented applications</a:t>
+            </a:r>
+            <a:r>
+              <a:rPr lang="en-US" sz="1200" kern="1200" dirty="0">
+                <a:solidFill>
+                  <a:schemeClr val="tx1"/>
+                </a:solidFill>
+                <a:effectLst/>
+                <a:latin typeface="+mn-lt"/>
+                <a:ea typeface="+mn-ea"/>
+                <a:cs typeface="+mn-cs"/>
+              </a:rPr>
+              <a:t>. Does anyone here remember XML? WSDL? </a:t>
+            </a:r>
+          </a:p>
+          <a:p>
+            <a:endParaRPr lang="en-US" sz="1200" kern="1200" dirty="0">
+              <a:solidFill>
+                <a:schemeClr val="tx1"/>
+              </a:solidFill>
+              <a:effectLst/>
+              <a:latin typeface="+mn-lt"/>
+              <a:ea typeface="+mn-ea"/>
+              <a:cs typeface="+mn-cs"/>
+            </a:endParaRPr>
+          </a:p>
+          <a:p>
+            <a:r>
+              <a:rPr lang="en-US" sz="1200" kern="1200" dirty="0">
+                <a:solidFill>
+                  <a:schemeClr val="tx1"/>
+                </a:solidFill>
+                <a:effectLst/>
+                <a:latin typeface="+mn-lt"/>
+                <a:ea typeface="+mn-ea"/>
+                <a:cs typeface="+mn-cs"/>
+              </a:rPr>
+              <a:t>So here we stand. The biggest data centers in the world are now APIs for your programs to create and destroy at will, and what do we have for our individual, simple, logical processes? </a:t>
+            </a:r>
+            <a:r>
+              <a:rPr lang="en-US" sz="1200" i="1" kern="1200" dirty="0">
+                <a:solidFill>
+                  <a:schemeClr val="tx1"/>
+                </a:solidFill>
+                <a:effectLst/>
+                <a:latin typeface="+mn-lt"/>
+                <a:ea typeface="+mn-ea"/>
+                <a:cs typeface="+mn-cs"/>
+              </a:rPr>
+              <a:t>Containers</a:t>
+            </a:r>
+            <a:r>
+              <a:rPr lang="en-US" sz="1200" kern="1200" dirty="0">
+                <a:solidFill>
+                  <a:schemeClr val="tx1"/>
+                </a:solidFill>
+                <a:effectLst/>
+                <a:latin typeface="+mn-lt"/>
+                <a:ea typeface="+mn-ea"/>
+                <a:cs typeface="+mn-cs"/>
+              </a:rPr>
+              <a:t>. That’s why we’re here, and it’s where you are going to go. With that, let’s start to talk.</a:t>
+            </a:r>
+          </a:p>
+          <a:p>
+            <a:endParaRPr lang="en-US" dirty="0"/>
+          </a:p>
+        </p:txBody>
+      </p:sp>
+      <p:sp>
+        <p:nvSpPr>
+          <p:cNvPr id="4" name="Slide Number Placeholder 3"/>
+          <p:cNvSpPr>
+            <a:spLocks noGrp="1"/>
+          </p:cNvSpPr>
+          <p:nvPr>
+            <p:ph type="sldNum" sz="quarter" idx="10"/>
+          </p:nvPr>
+        </p:nvSpPr>
+        <p:spPr/>
+        <p:txBody>
+          <a:bodyPr/>
+          <a:lstStyle/>
+          <a:p>
+            <a:fld id="{8DAEC444-603B-4F09-9A06-5917518DD901}" type="slidenum">
+              <a:rPr lang="en-US" smtClean="0"/>
+              <a:t>3</a:t>
+            </a:fld>
+            <a:endParaRPr lang="en-US"/>
+          </a:p>
+        </p:txBody>
+      </p:sp>
+    </p:spTree>
+    <p:extLst>
+      <p:ext uri="{BB962C8B-B14F-4D97-AF65-F5344CB8AC3E}">
+        <p14:creationId xmlns:p14="http://schemas.microsoft.com/office/powerpoint/2010/main" val="2818103095"/>
+      </p:ext>
+    </p:extLst>
+  </p:cSld>
+  <p:clrMapOvr>
+    <a:masterClrMapping/>
+  </p:clrMapOvr>
+</p:notes>
+</file>
+
+<file path=ppt/notesSlides/notesSlide4.xml><?xml version="1.0" encoding="utf-8"?>
+<p:notes xmlns:a="http://schemas.openxmlformats.org/drawingml/2006/main" xmlns:r="http://schemas.openxmlformats.org/officeDocument/2006/relationships" xmlns:p="http://schemas.openxmlformats.org/presentationml/2006/main">
+  <p:cSld>
+    <p:spTree>
+      <p:nvGrpSpPr>
+        <p:cNvPr id="1" name=""/>
+        <p:cNvGrpSpPr/>
+        <p:nvPr/>
+      </p:nvGrpSpPr>
+      <p:grpSpPr>
+        <a:xfrm>
+          <a:off x="0" y="0"/>
+          <a:ext cx="0" cy="0"/>
+          <a:chOff x="0" y="0"/>
+          <a:chExt cx="0" cy="0"/>
+        </a:xfrm>
+      </p:grpSpPr>
+      <p:sp>
+        <p:nvSpPr>
+          <p:cNvPr id="2" name="Slide Image Placeholder 1"/>
+          <p:cNvSpPr>
+            <a:spLocks noGrp="1" noRot="1" noChangeAspect="1"/>
+          </p:cNvSpPr>
+          <p:nvPr>
+            <p:ph type="sldImg"/>
+          </p:nvPr>
+        </p:nvSpPr>
+        <p:spPr/>
+      </p:sp>
+      <p:sp>
+        <p:nvSpPr>
+          <p:cNvPr id="3" name="Notes Placeholder 2"/>
+          <p:cNvSpPr>
+            <a:spLocks noGrp="1"/>
+          </p:cNvSpPr>
+          <p:nvPr>
+            <p:ph type="body" idx="1"/>
+          </p:nvPr>
+        </p:nvSpPr>
+        <p:spPr/>
+        <p:txBody>
+          <a:bodyPr/>
+          <a:lstStyle/>
+          <a:p>
+            <a:endParaRPr lang="en-US"/>
+          </a:p>
+        </p:txBody>
+      </p:sp>
+      <p:sp>
+        <p:nvSpPr>
+          <p:cNvPr id="4" name="Slide Number Placeholder 3"/>
+          <p:cNvSpPr>
+            <a:spLocks noGrp="1"/>
+          </p:cNvSpPr>
+          <p:nvPr>
+            <p:ph type="sldNum" sz="quarter" idx="10"/>
+          </p:nvPr>
+        </p:nvSpPr>
+        <p:spPr/>
+        <p:txBody>
+          <a:bodyPr/>
+          <a:lstStyle/>
+          <a:p>
+            <a:fld id="{8DAEC444-603B-4F09-9A06-5917518DD901}" type="slidenum">
+              <a:rPr lang="en-US" smtClean="0"/>
+              <a:t>4</a:t>
+            </a:fld>
+            <a:endParaRPr lang="en-US"/>
+          </a:p>
+        </p:txBody>
+      </p:sp>
+    </p:spTree>
+    <p:extLst>
+      <p:ext uri="{BB962C8B-B14F-4D97-AF65-F5344CB8AC3E}">
+        <p14:creationId xmlns:p14="http://schemas.microsoft.com/office/powerpoint/2010/main" val="2048265907"/>
+      </p:ext>
+    </p:extLst>
+  </p:cSld>
+  <p:clrMapOvr>
+    <a:masterClrMapping/>
+  </p:clrMapOvr>
+</p:notes>
+</file>
+
+<file path=ppt/notesSlides/notesSlide5.xml><?xml version="1.0" encoding="utf-8"?>
+<p:notes xmlns:a="http://schemas.openxmlformats.org/drawingml/2006/main" xmlns:r="http://schemas.openxmlformats.org/officeDocument/2006/relationships" xmlns:p="http://schemas.openxmlformats.org/presentationml/2006/main">
+  <p:cSld>
+    <p:spTree>
+      <p:nvGrpSpPr>
+        <p:cNvPr id="1" name=""/>
+        <p:cNvGrpSpPr/>
+        <p:nvPr/>
+      </p:nvGrpSpPr>
+      <p:grpSpPr>
+        <a:xfrm>
+          <a:off x="0" y="0"/>
+          <a:ext cx="0" cy="0"/>
+          <a:chOff x="0" y="0"/>
+          <a:chExt cx="0" cy="0"/>
+        </a:xfrm>
+      </p:grpSpPr>
+      <p:sp>
+        <p:nvSpPr>
+          <p:cNvPr id="2" name="Slide Image Placeholder 1"/>
+          <p:cNvSpPr>
+            <a:spLocks noGrp="1" noRot="1" noChangeAspect="1"/>
+          </p:cNvSpPr>
+          <p:nvPr>
+            <p:ph type="sldImg"/>
+          </p:nvPr>
+        </p:nvSpPr>
+        <p:spPr/>
+      </p:sp>
+      <p:sp>
+        <p:nvSpPr>
+          <p:cNvPr id="3" name="Notes Placeholder 2"/>
+          <p:cNvSpPr>
+            <a:spLocks noGrp="1"/>
+          </p:cNvSpPr>
+          <p:nvPr>
+            <p:ph type="body" idx="1"/>
+          </p:nvPr>
+        </p:nvSpPr>
+        <p:spPr/>
+        <p:txBody>
+          <a:bodyPr/>
+          <a:lstStyle/>
+          <a:p>
+            <a:endParaRPr lang="en-US"/>
+          </a:p>
+        </p:txBody>
+      </p:sp>
+      <p:sp>
+        <p:nvSpPr>
+          <p:cNvPr id="4" name="Slide Number Placeholder 3"/>
+          <p:cNvSpPr>
+            <a:spLocks noGrp="1"/>
+          </p:cNvSpPr>
+          <p:nvPr>
+            <p:ph type="sldNum" sz="quarter" idx="10"/>
+          </p:nvPr>
+        </p:nvSpPr>
+        <p:spPr/>
+        <p:txBody>
+          <a:bodyPr/>
+          <a:lstStyle/>
+          <a:p>
+            <a:fld id="{8DAEC444-603B-4F09-9A06-5917518DD901}" type="slidenum">
+              <a:rPr lang="en-US" smtClean="0"/>
+              <a:t>5</a:t>
+            </a:fld>
+            <a:endParaRPr lang="en-US"/>
+          </a:p>
+        </p:txBody>
+      </p:sp>
+    </p:spTree>
+    <p:extLst>
+      <p:ext uri="{BB962C8B-B14F-4D97-AF65-F5344CB8AC3E}">
+        <p14:creationId xmlns:p14="http://schemas.microsoft.com/office/powerpoint/2010/main" val="2219712401"/>
+      </p:ext>
+    </p:extLst>
+  </p:cSld>
+  <p:clrMapOvr>
+    <a:masterClrMapping/>
+  </p:clrMapOvr>
+</p:notes>
+</file>
+
+<file path=ppt/notesSlides/notesSlide6.xml><?xml version="1.0" encoding="utf-8"?>
+<p:notes xmlns:a="http://schemas.openxmlformats.org/drawingml/2006/main" xmlns:r="http://schemas.openxmlformats.org/officeDocument/2006/relationships" xmlns:p="http://schemas.openxmlformats.org/presentationml/2006/main">
+  <p:cSld>
+    <p:spTree>
+      <p:nvGrpSpPr>
+        <p:cNvPr id="1" name=""/>
+        <p:cNvGrpSpPr/>
+        <p:nvPr/>
+      </p:nvGrpSpPr>
+      <p:grpSpPr>
+        <a:xfrm>
+          <a:off x="0" y="0"/>
+          <a:ext cx="0" cy="0"/>
+          <a:chOff x="0" y="0"/>
+          <a:chExt cx="0" cy="0"/>
+        </a:xfrm>
+      </p:grpSpPr>
+      <p:sp>
+        <p:nvSpPr>
+          <p:cNvPr id="2" name="Slide Image Placeholder 1"/>
+          <p:cNvSpPr>
+            <a:spLocks noGrp="1" noRot="1" noChangeAspect="1"/>
+          </p:cNvSpPr>
+          <p:nvPr>
+            <p:ph type="sldImg"/>
+          </p:nvPr>
+        </p:nvSpPr>
+        <p:spPr/>
+      </p:sp>
+      <p:sp>
+        <p:nvSpPr>
+          <p:cNvPr id="3" name="Notes Placeholder 2"/>
+          <p:cNvSpPr>
+            <a:spLocks noGrp="1"/>
+          </p:cNvSpPr>
+          <p:nvPr>
+            <p:ph type="body" idx="1"/>
+          </p:nvPr>
+        </p:nvSpPr>
+        <p:spPr/>
+        <p:txBody>
+          <a:bodyPr/>
+          <a:lstStyle/>
+          <a:p>
+            <a:endParaRPr lang="en-US"/>
+          </a:p>
+        </p:txBody>
+      </p:sp>
+      <p:sp>
+        <p:nvSpPr>
+          <p:cNvPr id="4" name="Slide Number Placeholder 3"/>
+          <p:cNvSpPr>
+            <a:spLocks noGrp="1"/>
+          </p:cNvSpPr>
+          <p:nvPr>
+            <p:ph type="sldNum" sz="quarter" idx="10"/>
+          </p:nvPr>
+        </p:nvSpPr>
+        <p:spPr/>
+        <p:txBody>
+          <a:bodyPr/>
+          <a:lstStyle/>
+          <a:p>
+            <a:fld id="{8DAEC444-603B-4F09-9A06-5917518DD901}" type="slidenum">
+              <a:rPr lang="en-US" smtClean="0"/>
+              <a:t>6</a:t>
+            </a:fld>
+            <a:endParaRPr lang="en-US"/>
+          </a:p>
+        </p:txBody>
+      </p:sp>
+    </p:spTree>
+    <p:extLst>
+      <p:ext uri="{BB962C8B-B14F-4D97-AF65-F5344CB8AC3E}">
+        <p14:creationId xmlns:p14="http://schemas.microsoft.com/office/powerpoint/2010/main" val="513544859"/>
+      </p:ext>
+    </p:extLst>
+  </p:cSld>
+  <p:clrMapOvr>
+    <a:masterClrMapping/>
+  </p:clrMapOvr>
+</p:notes>
+</file>
+
+<file path=ppt/notesSlides/notesSlide7.xml><?xml version="1.0" encoding="utf-8"?>
+<p:notes xmlns:a="http://schemas.openxmlformats.org/drawingml/2006/main" xmlns:r="http://schemas.openxmlformats.org/officeDocument/2006/relationships" xmlns:p="http://schemas.openxmlformats.org/presentationml/2006/main">
+  <p:cSld>
+    <p:spTree>
+      <p:nvGrpSpPr>
+        <p:cNvPr id="1" name=""/>
+        <p:cNvGrpSpPr/>
+        <p:nvPr/>
+      </p:nvGrpSpPr>
+      <p:grpSpPr>
+        <a:xfrm>
+          <a:off x="0" y="0"/>
+          <a:ext cx="0" cy="0"/>
+          <a:chOff x="0" y="0"/>
+          <a:chExt cx="0" cy="0"/>
+        </a:xfrm>
+      </p:grpSpPr>
+      <p:sp>
+        <p:nvSpPr>
+          <p:cNvPr id="2" name="Slide Image Placeholder 1"/>
+          <p:cNvSpPr>
+            <a:spLocks noGrp="1" noRot="1" noChangeAspect="1"/>
+          </p:cNvSpPr>
+          <p:nvPr>
+            <p:ph type="sldImg"/>
+          </p:nvPr>
+        </p:nvSpPr>
+        <p:spPr/>
+      </p:sp>
+      <p:sp>
+        <p:nvSpPr>
+          <p:cNvPr id="3" name="Notes Placeholder 2"/>
+          <p:cNvSpPr>
+            <a:spLocks noGrp="1"/>
+          </p:cNvSpPr>
+          <p:nvPr>
+            <p:ph type="body" idx="1"/>
+          </p:nvPr>
+        </p:nvSpPr>
+        <p:spPr/>
+        <p:txBody>
+          <a:bodyPr/>
+          <a:lstStyle/>
+          <a:p>
+            <a:endParaRPr lang="en-US"/>
+          </a:p>
+        </p:txBody>
+      </p:sp>
+      <p:sp>
+        <p:nvSpPr>
+          <p:cNvPr id="4" name="Slide Number Placeholder 3"/>
+          <p:cNvSpPr>
+            <a:spLocks noGrp="1"/>
+          </p:cNvSpPr>
+          <p:nvPr>
+            <p:ph type="sldNum" sz="quarter" idx="10"/>
+          </p:nvPr>
+        </p:nvSpPr>
+        <p:spPr/>
+        <p:txBody>
+          <a:bodyPr/>
+          <a:lstStyle/>
+          <a:p>
+            <a:fld id="{8DAEC444-603B-4F09-9A06-5917518DD901}" type="slidenum">
+              <a:rPr lang="en-US" smtClean="0"/>
+              <a:t>7</a:t>
+            </a:fld>
+            <a:endParaRPr lang="en-US"/>
+          </a:p>
+        </p:txBody>
+      </p:sp>
+    </p:spTree>
+    <p:extLst>
+      <p:ext uri="{BB962C8B-B14F-4D97-AF65-F5344CB8AC3E}">
+        <p14:creationId xmlns:p14="http://schemas.microsoft.com/office/powerpoint/2010/main" val="1864415894"/>
+      </p:ext>
+    </p:extLst>
+  </p:cSld>
+  <p:clrMapOvr>
+    <a:masterClrMapping/>
+  </p:clrMapOvr>
+</p:notes>
+</file>
+
+<file path=ppt/notesSlides/notesSlide8.xml><?xml version="1.0" encoding="utf-8"?>
+<p:notes xmlns:a="http://schemas.openxmlformats.org/drawingml/2006/main" xmlns:r="http://schemas.openxmlformats.org/officeDocument/2006/relationships" xmlns:p="http://schemas.openxmlformats.org/presentationml/2006/main">
+  <p:cSld>
+    <p:spTree>
+      <p:nvGrpSpPr>
+        <p:cNvPr id="1" name=""/>
+        <p:cNvGrpSpPr/>
+        <p:nvPr/>
+      </p:nvGrpSpPr>
+      <p:grpSpPr>
+        <a:xfrm>
+          <a:off x="0" y="0"/>
+          <a:ext cx="0" cy="0"/>
+          <a:chOff x="0" y="0"/>
+          <a:chExt cx="0" cy="0"/>
+        </a:xfrm>
+      </p:grpSpPr>
+      <p:sp>
+        <p:nvSpPr>
+          <p:cNvPr id="2" name="Slide Image Placeholder 1"/>
+          <p:cNvSpPr>
+            <a:spLocks noGrp="1" noRot="1" noChangeAspect="1"/>
+          </p:cNvSpPr>
+          <p:nvPr>
+            <p:ph type="sldImg"/>
+          </p:nvPr>
+        </p:nvSpPr>
+        <p:spPr/>
+      </p:sp>
+      <p:sp>
+        <p:nvSpPr>
+          <p:cNvPr id="3" name="Notes Placeholder 2"/>
+          <p:cNvSpPr>
+            <a:spLocks noGrp="1"/>
+          </p:cNvSpPr>
+          <p:nvPr>
+            <p:ph type="body" idx="1"/>
+          </p:nvPr>
+        </p:nvSpPr>
+        <p:spPr/>
+        <p:txBody>
+          <a:bodyPr/>
+          <a:lstStyle/>
+          <a:p>
+            <a:endParaRPr lang="en-US"/>
+          </a:p>
+        </p:txBody>
+      </p:sp>
+      <p:sp>
+        <p:nvSpPr>
+          <p:cNvPr id="4" name="Slide Number Placeholder 3"/>
+          <p:cNvSpPr>
+            <a:spLocks noGrp="1"/>
+          </p:cNvSpPr>
+          <p:nvPr>
+            <p:ph type="sldNum" sz="quarter" idx="10"/>
+          </p:nvPr>
+        </p:nvSpPr>
+        <p:spPr/>
+        <p:txBody>
+          <a:bodyPr/>
+          <a:lstStyle/>
+          <a:p>
+            <a:fld id="{8DAEC444-603B-4F09-9A06-5917518DD901}" type="slidenum">
+              <a:rPr lang="en-US" smtClean="0"/>
+              <a:t>8</a:t>
+            </a:fld>
+            <a:endParaRPr lang="en-US"/>
+          </a:p>
+        </p:txBody>
+      </p:sp>
+    </p:spTree>
+    <p:extLst>
+      <p:ext uri="{BB962C8B-B14F-4D97-AF65-F5344CB8AC3E}">
+        <p14:creationId xmlns:p14="http://schemas.microsoft.com/office/powerpoint/2010/main" val="2007930687"/>
+      </p:ext>
+    </p:extLst>
+  </p:cSld>
+  <p:clrMapOvr>
+    <a:masterClrMapping/>
+  </p:clrMapOvr>
+</p:notes>
+</file>
+
+<file path=ppt/notesSlides/notesSlide9.xml><?xml version="1.0" encoding="utf-8"?>
+<p:notes xmlns:a="http://schemas.openxmlformats.org/drawingml/2006/main" xmlns:r="http://schemas.openxmlformats.org/officeDocument/2006/relationships" xmlns:p="http://schemas.openxmlformats.org/presentationml/2006/main">
+  <p:cSld>
+    <p:spTree>
+      <p:nvGrpSpPr>
+        <p:cNvPr id="1" name=""/>
+        <p:cNvGrpSpPr/>
+        <p:nvPr/>
+      </p:nvGrpSpPr>
+      <p:grpSpPr>
+        <a:xfrm>
+          <a:off x="0" y="0"/>
+          <a:ext cx="0" cy="0"/>
+          <a:chOff x="0" y="0"/>
+          <a:chExt cx="0" cy="0"/>
+        </a:xfrm>
+      </p:grpSpPr>
+      <p:sp>
+        <p:nvSpPr>
+          <p:cNvPr id="2" name="Slide Image Placeholder 1"/>
+          <p:cNvSpPr>
+            <a:spLocks noGrp="1" noRot="1" noChangeAspect="1"/>
+          </p:cNvSpPr>
+          <p:nvPr>
+            <p:ph type="sldImg"/>
+          </p:nvPr>
+        </p:nvSpPr>
+        <p:spPr/>
+      </p:sp>
+      <p:sp>
+        <p:nvSpPr>
+          <p:cNvPr id="3" name="Notes Placeholder 2"/>
+          <p:cNvSpPr>
+            <a:spLocks noGrp="1"/>
+          </p:cNvSpPr>
+          <p:nvPr>
+            <p:ph type="body" idx="1"/>
+          </p:nvPr>
+        </p:nvSpPr>
+        <p:spPr/>
+        <p:txBody>
+          <a:bodyPr/>
+          <a:lstStyle/>
+          <a:p>
+            <a:endParaRPr lang="en-US"/>
+          </a:p>
+        </p:txBody>
+      </p:sp>
+      <p:sp>
+        <p:nvSpPr>
+          <p:cNvPr id="4" name="Slide Number Placeholder 3"/>
+          <p:cNvSpPr>
+            <a:spLocks noGrp="1"/>
+          </p:cNvSpPr>
+          <p:nvPr>
+            <p:ph type="sldNum" sz="quarter" idx="10"/>
+          </p:nvPr>
+        </p:nvSpPr>
+        <p:spPr/>
+        <p:txBody>
+          <a:bodyPr/>
+          <a:lstStyle/>
+          <a:p>
+            <a:fld id="{8DAEC444-603B-4F09-9A06-5917518DD901}" type="slidenum">
+              <a:rPr lang="en-US" smtClean="0"/>
+              <a:t>9</a:t>
+            </a:fld>
+            <a:endParaRPr lang="en-US"/>
+          </a:p>
+        </p:txBody>
+      </p:sp>
+    </p:spTree>
+    <p:extLst>
+      <p:ext uri="{BB962C8B-B14F-4D97-AF65-F5344CB8AC3E}">
+        <p14:creationId xmlns:p14="http://schemas.microsoft.com/office/powerpoint/2010/main" val="1959557548"/>
+      </p:ext>
+    </p:extLst>
+  </p:cSld>
+  <p:clrMapOvr>
+    <a:masterClrMapping/>
+  </p:clrMapOvr>
+</p:notes>
+</file>
+
 <file path=ppt/slideLayouts/slideLayout1.xml><?xml version="1.0" encoding="utf-8"?>
 <p:sldLayout xmlns:a="http://schemas.openxmlformats.org/drawingml/2006/main" xmlns:r="http://schemas.openxmlformats.org/officeDocument/2006/relationships" xmlns:p="http://schemas.openxmlformats.org/presentationml/2006/main" type="title" preserve="1">
   <p:cSld name="Title Slide">
@@ -3705,7 +6303,7 @@
           </a:lstStyle>
           <a:p>
             <a:r>
-              <a:rPr lang="en-US" smtClean="0"/>
+              <a:rPr lang="en-US"/>
               <a:t>Click to edit Master title style</a:t>
             </a:r>
             <a:endParaRPr lang="en-US" dirty="0"/>
@@ -3825,7 +6423,7 @@
           </a:lstStyle>
           <a:p>
             <a:r>
-              <a:rPr lang="en-US" smtClean="0"/>
+              <a:rPr lang="en-US"/>
               <a:t>Click to edit Master subtitle style</a:t>
             </a:r>
             <a:endParaRPr lang="en-US" dirty="0"/>
@@ -3849,7 +6447,7 @@
           <a:p>
             <a:fld id="{4AAD347D-5ACD-4C99-B74B-A9C85AD731AF}" type="datetimeFigureOut">
               <a:rPr lang="en-US" dirty="0"/>
-              <a:t>5/11/2015</a:t>
+              <a:t>5/22/2017</a:t>
             </a:fld>
             <a:endParaRPr lang="en-US" dirty="0"/>
           </a:p>
@@ -3919,13 +6517,6 @@
       </p:transition>
     </mc:Fallback>
   </mc:AlternateContent>
-  <p:timing>
-    <p:tnLst>
-      <p:par>
-        <p:cTn id="1" dur="indefinite" restart="never" nodeType="tmRoot"/>
-      </p:par>
-    </p:tnLst>
-  </p:timing>
 </p:sldLayout>
 </file>
 
@@ -3973,7 +6564,7 @@
           </a:lstStyle>
           <a:p>
             <a:r>
-              <a:rPr lang="en-US" smtClean="0"/>
+              <a:rPr lang="en-US"/>
               <a:t>Click to edit Master title style</a:t>
             </a:r>
             <a:endParaRPr lang="en-US" dirty="0"/>
@@ -4052,7 +6643,7 @@
           </a:lstStyle>
           <a:p>
             <a:r>
-              <a:rPr lang="en-US" smtClean="0"/>
+              <a:rPr lang="en-US"/>
               <a:t>Click icon to add picture</a:t>
             </a:r>
             <a:endParaRPr lang="en-US" dirty="0"/>
@@ -4120,7 +6711,7 @@
           <a:p>
             <a:pPr lvl="0"/>
             <a:r>
-              <a:rPr lang="en-US" smtClean="0"/>
+              <a:rPr lang="en-US"/>
               <a:t>Click to edit Master text styles</a:t>
             </a:r>
           </a:p>
@@ -4144,7 +6735,7 @@
             <a:fld id="{B0FE2824-C2A0-4931-BB32-60B24BDBB3CC}" type="datetimeFigureOut">
               <a:rPr lang="en-US" smtClean="0"/>
               <a:pPr/>
-              <a:t>5/11/2015</a:t>
+              <a:t>5/22/2017</a:t>
             </a:fld>
             <a:endParaRPr lang="en-US"/>
           </a:p>
@@ -4248,7 +6839,7 @@
           </a:lstStyle>
           <a:p>
             <a:r>
-              <a:rPr lang="en-US" smtClean="0"/>
+              <a:rPr lang="en-US"/>
               <a:t>Click to edit Master title style</a:t>
             </a:r>
             <a:endParaRPr lang="en-US" dirty="0"/>
@@ -4316,7 +6907,7 @@
           <a:p>
             <a:pPr lvl="0"/>
             <a:r>
-              <a:rPr lang="en-US" smtClean="0"/>
+              <a:rPr lang="en-US"/>
               <a:t>Click to edit Master text styles</a:t>
             </a:r>
           </a:p>
@@ -4340,7 +6931,7 @@
             <a:fld id="{B0FE2824-C2A0-4931-BB32-60B24BDBB3CC}" type="datetimeFigureOut">
               <a:rPr lang="en-US" smtClean="0"/>
               <a:pPr/>
-              <a:t>5/11/2015</a:t>
+              <a:t>5/22/2017</a:t>
             </a:fld>
             <a:endParaRPr lang="en-US"/>
           </a:p>
@@ -4444,7 +7035,7 @@
           </a:lstStyle>
           <a:p>
             <a:r>
-              <a:rPr lang="en-US" smtClean="0"/>
+              <a:rPr lang="en-US"/>
               <a:t>Click to edit Master title style</a:t>
             </a:r>
             <a:endParaRPr lang="en-US" dirty="0"/>
@@ -4524,7 +7115,7 @@
               <a:buNone/>
             </a:pPr>
             <a:r>
-              <a:rPr lang="en-US" smtClean="0"/>
+              <a:rPr lang="en-US"/>
               <a:t>Click to edit Master text styles</a:t>
             </a:r>
           </a:p>
@@ -4591,7 +7182,7 @@
           <a:p>
             <a:pPr lvl="0"/>
             <a:r>
-              <a:rPr lang="en-US" smtClean="0"/>
+              <a:rPr lang="en-US"/>
               <a:t>Click to edit Master text styles</a:t>
             </a:r>
           </a:p>
@@ -4615,7 +7206,7 @@
             <a:fld id="{B0FE2824-C2A0-4931-BB32-60B24BDBB3CC}" type="datetimeFigureOut">
               <a:rPr lang="en-US" smtClean="0"/>
               <a:pPr/>
-              <a:t>5/11/2015</a:t>
+              <a:t>5/22/2017</a:t>
             </a:fld>
             <a:endParaRPr lang="en-US"/>
           </a:p>
@@ -4813,7 +7404,7 @@
           </a:lstStyle>
           <a:p>
             <a:r>
-              <a:rPr lang="en-US" smtClean="0"/>
+              <a:rPr lang="en-US"/>
               <a:t>Click to edit Master title style</a:t>
             </a:r>
             <a:endParaRPr lang="en-US" dirty="0"/>
@@ -4934,7 +7525,7 @@
           <a:p>
             <a:pPr lvl="0"/>
             <a:r>
-              <a:rPr lang="en-US" smtClean="0"/>
+              <a:rPr lang="en-US"/>
               <a:t>Click to edit Master text styles</a:t>
             </a:r>
           </a:p>
@@ -4958,7 +7549,7 @@
             <a:fld id="{B0FE2824-C2A0-4931-BB32-60B24BDBB3CC}" type="datetimeFigureOut">
               <a:rPr lang="en-US" smtClean="0"/>
               <a:pPr/>
-              <a:t>5/11/2015</a:t>
+              <a:t>5/22/2017</a:t>
             </a:fld>
             <a:endParaRPr lang="en-US"/>
           </a:p>
@@ -5057,7 +7648,7 @@
           </a:lstStyle>
           <a:p>
             <a:r>
-              <a:rPr lang="en-US" smtClean="0"/>
+              <a:rPr lang="en-US"/>
               <a:t>Click to edit Master title style</a:t>
             </a:r>
             <a:endParaRPr lang="en-US" dirty="0"/>
@@ -5132,7 +7723,7 @@
           <a:p>
             <a:pPr lvl="0"/>
             <a:r>
-              <a:rPr lang="en-US" smtClean="0"/>
+              <a:rPr lang="en-US"/>
               <a:t>Click to edit Master text styles</a:t>
             </a:r>
           </a:p>
@@ -5199,7 +7790,7 @@
           <a:p>
             <a:pPr lvl="0"/>
             <a:r>
-              <a:rPr lang="en-US" smtClean="0"/>
+              <a:rPr lang="en-US"/>
               <a:t>Click to edit Master text styles</a:t>
             </a:r>
           </a:p>
@@ -5273,7 +7864,7 @@
           <a:p>
             <a:pPr lvl="0"/>
             <a:r>
-              <a:rPr lang="en-US" smtClean="0"/>
+              <a:rPr lang="en-US"/>
               <a:t>Click to edit Master text styles</a:t>
             </a:r>
           </a:p>
@@ -5340,7 +7931,7 @@
           <a:p>
             <a:pPr lvl="0"/>
             <a:r>
-              <a:rPr lang="en-US" smtClean="0"/>
+              <a:rPr lang="en-US"/>
               <a:t>Click to edit Master text styles</a:t>
             </a:r>
           </a:p>
@@ -5414,7 +8005,7 @@
           <a:p>
             <a:pPr lvl="0"/>
             <a:r>
-              <a:rPr lang="en-US" smtClean="0"/>
+              <a:rPr lang="en-US"/>
               <a:t>Click to edit Master text styles</a:t>
             </a:r>
           </a:p>
@@ -5481,7 +8072,7 @@
           <a:p>
             <a:pPr lvl="0"/>
             <a:r>
-              <a:rPr lang="en-US" smtClean="0"/>
+              <a:rPr lang="en-US"/>
               <a:t>Click to edit Master text styles</a:t>
             </a:r>
           </a:p>
@@ -5583,7 +8174,7 @@
             <a:fld id="{B0FE2824-C2A0-4931-BB32-60B24BDBB3CC}" type="datetimeFigureOut">
               <a:rPr lang="en-US" smtClean="0"/>
               <a:pPr/>
-              <a:t>5/11/2015</a:t>
+              <a:t>5/22/2017</a:t>
             </a:fld>
             <a:endParaRPr lang="en-US"/>
           </a:p>
@@ -5682,7 +8273,7 @@
           </a:lstStyle>
           <a:p>
             <a:r>
-              <a:rPr lang="en-US" smtClean="0"/>
+              <a:rPr lang="en-US"/>
               <a:t>Click to edit Master title style</a:t>
             </a:r>
             <a:endParaRPr lang="en-US" dirty="0"/>
@@ -5757,7 +8348,7 @@
           <a:p>
             <a:pPr lvl="0"/>
             <a:r>
-              <a:rPr lang="en-US" smtClean="0"/>
+              <a:rPr lang="en-US"/>
               <a:t>Click to edit Master text styles</a:t>
             </a:r>
           </a:p>
@@ -5835,7 +8426,7 @@
           </a:lstStyle>
           <a:p>
             <a:r>
-              <a:rPr lang="en-US" smtClean="0"/>
+              <a:rPr lang="en-US"/>
               <a:t>Click icon to add picture</a:t>
             </a:r>
             <a:endParaRPr lang="en-US" dirty="0"/>
@@ -5903,7 +8494,7 @@
           <a:p>
             <a:pPr lvl="0"/>
             <a:r>
-              <a:rPr lang="en-US" smtClean="0"/>
+              <a:rPr lang="en-US"/>
               <a:t>Click to edit Master text styles</a:t>
             </a:r>
           </a:p>
@@ -5977,7 +8568,7 @@
           <a:p>
             <a:pPr lvl="0"/>
             <a:r>
-              <a:rPr lang="en-US" smtClean="0"/>
+              <a:rPr lang="en-US"/>
               <a:t>Click to edit Master text styles</a:t>
             </a:r>
           </a:p>
@@ -6055,7 +8646,7 @@
           </a:lstStyle>
           <a:p>
             <a:r>
-              <a:rPr lang="en-US" smtClean="0"/>
+              <a:rPr lang="en-US"/>
               <a:t>Click icon to add picture</a:t>
             </a:r>
             <a:endParaRPr lang="en-US" dirty="0"/>
@@ -6123,7 +8714,7 @@
           <a:p>
             <a:pPr lvl="0"/>
             <a:r>
-              <a:rPr lang="en-US" smtClean="0"/>
+              <a:rPr lang="en-US"/>
               <a:t>Click to edit Master text styles</a:t>
             </a:r>
           </a:p>
@@ -6197,7 +8788,7 @@
           <a:p>
             <a:pPr lvl="0"/>
             <a:r>
-              <a:rPr lang="en-US" smtClean="0"/>
+              <a:rPr lang="en-US"/>
               <a:t>Click to edit Master text styles</a:t>
             </a:r>
           </a:p>
@@ -6275,7 +8866,7 @@
           </a:lstStyle>
           <a:p>
             <a:r>
-              <a:rPr lang="en-US" smtClean="0"/>
+              <a:rPr lang="en-US"/>
               <a:t>Click icon to add picture</a:t>
             </a:r>
             <a:endParaRPr lang="en-US" dirty="0"/>
@@ -6343,7 +8934,7 @@
           <a:p>
             <a:pPr lvl="0"/>
             <a:r>
-              <a:rPr lang="en-US" smtClean="0"/>
+              <a:rPr lang="en-US"/>
               <a:t>Click to edit Master text styles</a:t>
             </a:r>
           </a:p>
@@ -6445,7 +9036,7 @@
             <a:fld id="{B0FE2824-C2A0-4931-BB32-60B24BDBB3CC}" type="datetimeFigureOut">
               <a:rPr lang="en-US" smtClean="0"/>
               <a:pPr/>
-              <a:t>5/11/2015</a:t>
+              <a:t>5/22/2017</a:t>
             </a:fld>
             <a:endParaRPr lang="en-US"/>
           </a:p>
@@ -6540,7 +9131,7 @@
           <a:lstStyle/>
           <a:p>
             <a:r>
-              <a:rPr lang="en-US" smtClean="0"/>
+              <a:rPr lang="en-US"/>
               <a:t>Click to edit Master title style</a:t>
             </a:r>
             <a:endParaRPr lang="en-US" dirty="0"/>
@@ -6564,35 +9155,35 @@
           <a:p>
             <a:pPr lvl="0"/>
             <a:r>
-              <a:rPr lang="en-US" smtClean="0"/>
+              <a:rPr lang="en-US"/>
               <a:t>Click to edit Master text styles</a:t>
             </a:r>
           </a:p>
           <a:p>
             <a:pPr lvl="1"/>
             <a:r>
-              <a:rPr lang="en-US" smtClean="0"/>
+              <a:rPr lang="en-US"/>
               <a:t>Second level</a:t>
             </a:r>
           </a:p>
           <a:p>
             <a:pPr lvl="2"/>
             <a:r>
-              <a:rPr lang="en-US" smtClean="0"/>
+              <a:rPr lang="en-US"/>
               <a:t>Third level</a:t>
             </a:r>
           </a:p>
           <a:p>
             <a:pPr lvl="3"/>
             <a:r>
-              <a:rPr lang="en-US" smtClean="0"/>
+              <a:rPr lang="en-US"/>
               <a:t>Fourth level</a:t>
             </a:r>
           </a:p>
           <a:p>
             <a:pPr lvl="4"/>
             <a:r>
-              <a:rPr lang="en-US" smtClean="0"/>
+              <a:rPr lang="en-US"/>
               <a:t>Fifth level</a:t>
             </a:r>
             <a:endParaRPr lang="en-US" dirty="0"/>
@@ -6616,7 +9207,7 @@
           <a:p>
             <a:fld id="{B0FE2824-C2A0-4931-BB32-60B24BDBB3CC}" type="datetimeFigureOut">
               <a:rPr lang="en-US" smtClean="0"/>
-              <a:t>5/11/2015</a:t>
+              <a:t>5/22/2017</a:t>
             </a:fld>
             <a:endParaRPr lang="en-US"/>
           </a:p>
@@ -6686,13 +9277,6 @@
       </p:transition>
     </mc:Fallback>
   </mc:AlternateContent>
-  <p:timing>
-    <p:tnLst>
-      <p:par>
-        <p:cTn id="1" dur="indefinite" restart="never" nodeType="tmRoot"/>
-      </p:par>
-    </p:tnLst>
-  </p:timing>
 </p:sldLayout>
 </file>
 
@@ -6734,7 +9318,7 @@
           <a:lstStyle/>
           <a:p>
             <a:r>
-              <a:rPr lang="en-US" smtClean="0"/>
+              <a:rPr lang="en-US"/>
               <a:t>Click to edit Master title style</a:t>
             </a:r>
             <a:endParaRPr lang="en-US" dirty="0"/>
@@ -6763,35 +9347,35 @@
           <a:p>
             <a:pPr lvl="0"/>
             <a:r>
-              <a:rPr lang="en-US" smtClean="0"/>
+              <a:rPr lang="en-US"/>
               <a:t>Click to edit Master text styles</a:t>
             </a:r>
           </a:p>
           <a:p>
             <a:pPr lvl="1"/>
             <a:r>
-              <a:rPr lang="en-US" smtClean="0"/>
+              <a:rPr lang="en-US"/>
               <a:t>Second level</a:t>
             </a:r>
           </a:p>
           <a:p>
             <a:pPr lvl="2"/>
             <a:r>
-              <a:rPr lang="en-US" smtClean="0"/>
+              <a:rPr lang="en-US"/>
               <a:t>Third level</a:t>
             </a:r>
           </a:p>
           <a:p>
             <a:pPr lvl="3"/>
             <a:r>
-              <a:rPr lang="en-US" smtClean="0"/>
+              <a:rPr lang="en-US"/>
               <a:t>Fourth level</a:t>
             </a:r>
           </a:p>
           <a:p>
             <a:pPr lvl="4"/>
             <a:r>
-              <a:rPr lang="en-US" smtClean="0"/>
+              <a:rPr lang="en-US"/>
               <a:t>Fifth level</a:t>
             </a:r>
             <a:endParaRPr lang="en-US" dirty="0"/>
@@ -6815,7 +9399,7 @@
           <a:p>
             <a:fld id="{B0FE2824-C2A0-4931-BB32-60B24BDBB3CC}" type="datetimeFigureOut">
               <a:rPr lang="en-US" smtClean="0"/>
-              <a:t>5/11/2015</a:t>
+              <a:t>5/22/2017</a:t>
             </a:fld>
             <a:endParaRPr lang="en-US"/>
           </a:p>
@@ -6885,13 +9469,6 @@
       </p:transition>
     </mc:Fallback>
   </mc:AlternateContent>
-  <p:timing>
-    <p:tnLst>
-      <p:par>
-        <p:cTn id="1" dur="indefinite" restart="never" nodeType="tmRoot"/>
-      </p:par>
-    </p:tnLst>
-  </p:timing>
 </p:sldLayout>
 </file>
 
@@ -6928,7 +9505,7 @@
           <a:lstStyle/>
           <a:p>
             <a:r>
-              <a:rPr lang="en-US" smtClean="0"/>
+              <a:rPr lang="en-US"/>
               <a:t>Click to edit Master title style</a:t>
             </a:r>
             <a:endParaRPr lang="en-US" dirty="0"/>
@@ -6952,35 +9529,35 @@
           <a:p>
             <a:pPr lvl="0"/>
             <a:r>
-              <a:rPr lang="en-US" smtClean="0"/>
+              <a:rPr lang="en-US"/>
               <a:t>Click to edit Master text styles</a:t>
             </a:r>
           </a:p>
           <a:p>
             <a:pPr lvl="1"/>
             <a:r>
-              <a:rPr lang="en-US" smtClean="0"/>
+              <a:rPr lang="en-US"/>
               <a:t>Second level</a:t>
             </a:r>
           </a:p>
           <a:p>
             <a:pPr lvl="2"/>
             <a:r>
-              <a:rPr lang="en-US" smtClean="0"/>
+              <a:rPr lang="en-US"/>
               <a:t>Third level</a:t>
             </a:r>
           </a:p>
           <a:p>
             <a:pPr lvl="3"/>
             <a:r>
-              <a:rPr lang="en-US" smtClean="0"/>
+              <a:rPr lang="en-US"/>
               <a:t>Fourth level</a:t>
             </a:r>
           </a:p>
           <a:p>
             <a:pPr lvl="4"/>
             <a:r>
-              <a:rPr lang="en-US" smtClean="0"/>
+              <a:rPr lang="en-US"/>
               <a:t>Fifth level</a:t>
             </a:r>
             <a:endParaRPr lang="en-US" dirty="0"/>
@@ -7004,7 +9581,7 @@
           <a:p>
             <a:fld id="{B0FE2824-C2A0-4931-BB32-60B24BDBB3CC}" type="datetimeFigureOut">
               <a:rPr lang="en-US" smtClean="0"/>
-              <a:t>5/11/2015</a:t>
+              <a:t>5/22/2017</a:t>
             </a:fld>
             <a:endParaRPr lang="en-US"/>
           </a:p>
@@ -7074,13 +9651,6 @@
       </p:transition>
     </mc:Fallback>
   </mc:AlternateContent>
-  <p:timing>
-    <p:tnLst>
-      <p:par>
-        <p:cTn id="1" dur="indefinite" restart="never" nodeType="tmRoot"/>
-      </p:par>
-    </p:tnLst>
-  </p:timing>
 </p:sldLayout>
 </file>
 
@@ -7126,7 +9696,7 @@
           </a:lstStyle>
           <a:p>
             <a:r>
-              <a:rPr lang="en-US" smtClean="0"/>
+              <a:rPr lang="en-US"/>
               <a:t>Click to edit Master title style</a:t>
             </a:r>
             <a:endParaRPr lang="en-US" dirty="0"/>
@@ -7247,7 +9817,7 @@
           <a:p>
             <a:pPr lvl="0"/>
             <a:r>
-              <a:rPr lang="en-US" smtClean="0"/>
+              <a:rPr lang="en-US"/>
               <a:t>Click to edit Master text styles</a:t>
             </a:r>
           </a:p>
@@ -7270,7 +9840,7 @@
           <a:p>
             <a:fld id="{9796027F-7875-4030-9381-8BD8C4F21935}" type="datetimeFigureOut">
               <a:rPr lang="en-US" dirty="0"/>
-              <a:t>5/11/2015</a:t>
+              <a:t>5/22/2017</a:t>
             </a:fld>
             <a:endParaRPr lang="en-US" dirty="0"/>
           </a:p>
@@ -7340,13 +9910,6 @@
       </p:transition>
     </mc:Fallback>
   </mc:AlternateContent>
-  <p:timing>
-    <p:tnLst>
-      <p:par>
-        <p:cTn id="1" dur="indefinite" restart="never" nodeType="tmRoot"/>
-      </p:par>
-    </p:tnLst>
-  </p:timing>
 </p:sldLayout>
 </file>
 
@@ -7383,7 +9946,7 @@
           <a:lstStyle/>
           <a:p>
             <a:r>
-              <a:rPr lang="en-US" smtClean="0"/>
+              <a:rPr lang="en-US"/>
               <a:t>Click to edit Master title style</a:t>
             </a:r>
             <a:endParaRPr lang="en-US" dirty="0"/>
@@ -7442,35 +10005,35 @@
           <a:p>
             <a:pPr lvl="0"/>
             <a:r>
-              <a:rPr lang="en-US" smtClean="0"/>
+              <a:rPr lang="en-US"/>
               <a:t>Click to edit Master text styles</a:t>
             </a:r>
           </a:p>
           <a:p>
             <a:pPr lvl="1"/>
             <a:r>
-              <a:rPr lang="en-US" smtClean="0"/>
+              <a:rPr lang="en-US"/>
               <a:t>Second level</a:t>
             </a:r>
           </a:p>
           <a:p>
             <a:pPr lvl="2"/>
             <a:r>
-              <a:rPr lang="en-US" smtClean="0"/>
+              <a:rPr lang="en-US"/>
               <a:t>Third level</a:t>
             </a:r>
           </a:p>
           <a:p>
             <a:pPr lvl="3"/>
             <a:r>
-              <a:rPr lang="en-US" smtClean="0"/>
+              <a:rPr lang="en-US"/>
               <a:t>Fourth level</a:t>
             </a:r>
           </a:p>
           <a:p>
             <a:pPr lvl="4"/>
             <a:r>
-              <a:rPr lang="en-US" smtClean="0"/>
+              <a:rPr lang="en-US"/>
               <a:t>Fifth level</a:t>
             </a:r>
             <a:endParaRPr lang="en-US" dirty="0"/>
@@ -7529,35 +10092,35 @@
           <a:p>
             <a:pPr lvl="0"/>
             <a:r>
-              <a:rPr lang="en-US" smtClean="0"/>
+              <a:rPr lang="en-US"/>
               <a:t>Click to edit Master text styles</a:t>
             </a:r>
           </a:p>
           <a:p>
             <a:pPr lvl="1"/>
             <a:r>
-              <a:rPr lang="en-US" smtClean="0"/>
+              <a:rPr lang="en-US"/>
               <a:t>Second level</a:t>
             </a:r>
           </a:p>
           <a:p>
             <a:pPr lvl="2"/>
             <a:r>
-              <a:rPr lang="en-US" smtClean="0"/>
+              <a:rPr lang="en-US"/>
               <a:t>Third level</a:t>
             </a:r>
           </a:p>
           <a:p>
             <a:pPr lvl="3"/>
             <a:r>
-              <a:rPr lang="en-US" smtClean="0"/>
+              <a:rPr lang="en-US"/>
               <a:t>Fourth level</a:t>
             </a:r>
           </a:p>
           <a:p>
             <a:pPr lvl="4"/>
             <a:r>
-              <a:rPr lang="en-US" smtClean="0"/>
+              <a:rPr lang="en-US"/>
               <a:t>Fifth level</a:t>
             </a:r>
             <a:endParaRPr lang="en-US" dirty="0"/>
@@ -7581,7 +10144,7 @@
           <a:p>
             <a:fld id="{B0FE2824-C2A0-4931-BB32-60B24BDBB3CC}" type="datetimeFigureOut">
               <a:rPr lang="en-US" smtClean="0"/>
-              <a:t>5/11/2015</a:t>
+              <a:t>5/22/2017</a:t>
             </a:fld>
             <a:endParaRPr lang="en-US"/>
           </a:p>
@@ -7651,13 +10214,6 @@
       </p:transition>
     </mc:Fallback>
   </mc:AlternateContent>
-  <p:timing>
-    <p:tnLst>
-      <p:par>
-        <p:cTn id="1" dur="indefinite" restart="never" nodeType="tmRoot"/>
-      </p:par>
-    </p:tnLst>
-  </p:timing>
 </p:sldLayout>
 </file>
 
@@ -7698,7 +10254,7 @@
           </a:lstStyle>
           <a:p>
             <a:r>
-              <a:rPr lang="en-US" smtClean="0"/>
+              <a:rPr lang="en-US"/>
               <a:t>Click to edit Master title style</a:t>
             </a:r>
             <a:endParaRPr lang="en-US" dirty="0"/>
@@ -7773,7 +10329,7 @@
           <a:p>
             <a:pPr lvl="0"/>
             <a:r>
-              <a:rPr lang="en-US" smtClean="0"/>
+              <a:rPr lang="en-US"/>
               <a:t>Click to edit Master text styles</a:t>
             </a:r>
           </a:p>
@@ -7831,35 +10387,35 @@
           <a:p>
             <a:pPr lvl="0"/>
             <a:r>
-              <a:rPr lang="en-US" smtClean="0"/>
+              <a:rPr lang="en-US"/>
               <a:t>Click to edit Master text styles</a:t>
             </a:r>
           </a:p>
           <a:p>
             <a:pPr lvl="1"/>
             <a:r>
-              <a:rPr lang="en-US" smtClean="0"/>
+              <a:rPr lang="en-US"/>
               <a:t>Second level</a:t>
             </a:r>
           </a:p>
           <a:p>
             <a:pPr lvl="2"/>
             <a:r>
-              <a:rPr lang="en-US" smtClean="0"/>
+              <a:rPr lang="en-US"/>
               <a:t>Third level</a:t>
             </a:r>
           </a:p>
           <a:p>
             <a:pPr lvl="3"/>
             <a:r>
-              <a:rPr lang="en-US" smtClean="0"/>
+              <a:rPr lang="en-US"/>
               <a:t>Fourth level</a:t>
             </a:r>
           </a:p>
           <a:p>
             <a:pPr lvl="4"/>
             <a:r>
-              <a:rPr lang="en-US" smtClean="0"/>
+              <a:rPr lang="en-US"/>
               <a:t>Fifth level</a:t>
             </a:r>
             <a:endParaRPr lang="en-US" dirty="0"/>
@@ -7934,7 +10490,7 @@
           <a:p>
             <a:pPr lvl="0"/>
             <a:r>
-              <a:rPr lang="en-US" smtClean="0"/>
+              <a:rPr lang="en-US"/>
               <a:t>Click to edit Master text styles</a:t>
             </a:r>
           </a:p>
@@ -7992,35 +10548,35 @@
           <a:p>
             <a:pPr lvl="0"/>
             <a:r>
-              <a:rPr lang="en-US" smtClean="0"/>
+              <a:rPr lang="en-US"/>
               <a:t>Click to edit Master text styles</a:t>
             </a:r>
           </a:p>
           <a:p>
             <a:pPr lvl="1"/>
             <a:r>
-              <a:rPr lang="en-US" smtClean="0"/>
+              <a:rPr lang="en-US"/>
               <a:t>Second level</a:t>
             </a:r>
           </a:p>
           <a:p>
             <a:pPr lvl="2"/>
             <a:r>
-              <a:rPr lang="en-US" smtClean="0"/>
+              <a:rPr lang="en-US"/>
               <a:t>Third level</a:t>
             </a:r>
           </a:p>
           <a:p>
             <a:pPr lvl="3"/>
             <a:r>
-              <a:rPr lang="en-US" smtClean="0"/>
+              <a:rPr lang="en-US"/>
               <a:t>Fourth level</a:t>
             </a:r>
           </a:p>
           <a:p>
             <a:pPr lvl="4"/>
             <a:r>
-              <a:rPr lang="en-US" smtClean="0"/>
+              <a:rPr lang="en-US"/>
               <a:t>Fifth level</a:t>
             </a:r>
             <a:endParaRPr lang="en-US" dirty="0"/>
@@ -8044,7 +10600,7 @@
           <a:p>
             <a:fld id="{B0FE2824-C2A0-4931-BB32-60B24BDBB3CC}" type="datetimeFigureOut">
               <a:rPr lang="en-US" smtClean="0"/>
-              <a:t>5/11/2015</a:t>
+              <a:t>5/22/2017</a:t>
             </a:fld>
             <a:endParaRPr lang="en-US"/>
           </a:p>
@@ -8114,13 +10670,6 @@
       </p:transition>
     </mc:Fallback>
   </mc:AlternateContent>
-  <p:timing>
-    <p:tnLst>
-      <p:par>
-        <p:cTn id="1" dur="indefinite" restart="never" nodeType="tmRoot"/>
-      </p:par>
-    </p:tnLst>
-  </p:timing>
 </p:sldLayout>
 </file>
 
@@ -8157,7 +10706,7 @@
           <a:lstStyle/>
           <a:p>
             <a:r>
-              <a:rPr lang="en-US" smtClean="0"/>
+              <a:rPr lang="en-US"/>
               <a:t>Click to edit Master title style</a:t>
             </a:r>
             <a:endParaRPr lang="en-US" dirty="0"/>
@@ -8181,7 +10730,7 @@
           <a:p>
             <a:fld id="{B0FE2824-C2A0-4931-BB32-60B24BDBB3CC}" type="datetimeFigureOut">
               <a:rPr lang="en-US" smtClean="0"/>
-              <a:t>5/11/2015</a:t>
+              <a:t>5/22/2017</a:t>
             </a:fld>
             <a:endParaRPr lang="en-US"/>
           </a:p>
@@ -8251,13 +10800,6 @@
       </p:transition>
     </mc:Fallback>
   </mc:AlternateContent>
-  <p:timing>
-    <p:tnLst>
-      <p:par>
-        <p:cTn id="1" dur="indefinite" restart="never" nodeType="tmRoot"/>
-      </p:par>
-    </p:tnLst>
-  </p:timing>
 </p:sldLayout>
 </file>
 
@@ -8295,7 +10837,7 @@
           <a:p>
             <a:fld id="{B0FE2824-C2A0-4931-BB32-60B24BDBB3CC}" type="datetimeFigureOut">
               <a:rPr lang="en-US" smtClean="0"/>
-              <a:t>5/11/2015</a:t>
+              <a:t>5/22/2017</a:t>
             </a:fld>
             <a:endParaRPr lang="en-US"/>
           </a:p>
@@ -8365,13 +10907,6 @@
       </p:transition>
     </mc:Fallback>
   </mc:AlternateContent>
-  <p:timing>
-    <p:tnLst>
-      <p:par>
-        <p:cTn id="1" dur="indefinite" restart="never" nodeType="tmRoot"/>
-      </p:par>
-    </p:tnLst>
-  </p:timing>
 </p:sldLayout>
 </file>
 
@@ -8417,7 +10952,7 @@
           </a:lstStyle>
           <a:p>
             <a:r>
-              <a:rPr lang="en-US" smtClean="0"/>
+              <a:rPr lang="en-US"/>
               <a:t>Click to edit Master title style</a:t>
             </a:r>
             <a:endParaRPr lang="en-US" dirty="0"/>
@@ -8476,35 +11011,35 @@
           <a:p>
             <a:pPr lvl="0"/>
             <a:r>
-              <a:rPr lang="en-US" smtClean="0"/>
+              <a:rPr lang="en-US"/>
               <a:t>Click to edit Master text styles</a:t>
             </a:r>
           </a:p>
           <a:p>
             <a:pPr lvl="1"/>
             <a:r>
-              <a:rPr lang="en-US" smtClean="0"/>
+              <a:rPr lang="en-US"/>
               <a:t>Second level</a:t>
             </a:r>
           </a:p>
           <a:p>
             <a:pPr lvl="2"/>
             <a:r>
-              <a:rPr lang="en-US" smtClean="0"/>
+              <a:rPr lang="en-US"/>
               <a:t>Third level</a:t>
             </a:r>
           </a:p>
           <a:p>
             <a:pPr lvl="3"/>
             <a:r>
-              <a:rPr lang="en-US" smtClean="0"/>
+              <a:rPr lang="en-US"/>
               <a:t>Fourth level</a:t>
             </a:r>
           </a:p>
           <a:p>
             <a:pPr lvl="4"/>
             <a:r>
-              <a:rPr lang="en-US" smtClean="0"/>
+              <a:rPr lang="en-US"/>
               <a:t>Fifth level</a:t>
             </a:r>
             <a:endParaRPr lang="en-US" dirty="0"/>
@@ -8570,7 +11105,7 @@
           <a:p>
             <a:pPr lvl="0"/>
             <a:r>
-              <a:rPr lang="en-US" smtClean="0"/>
+              <a:rPr lang="en-US"/>
               <a:t>Click to edit Master text styles</a:t>
             </a:r>
           </a:p>
@@ -8593,7 +11128,7 @@
           <a:p>
             <a:fld id="{B0FE2824-C2A0-4931-BB32-60B24BDBB3CC}" type="datetimeFigureOut">
               <a:rPr lang="en-US" smtClean="0"/>
-              <a:t>5/11/2015</a:t>
+              <a:t>5/22/2017</a:t>
             </a:fld>
             <a:endParaRPr lang="en-US"/>
           </a:p>
@@ -8663,13 +11198,6 @@
       </p:transition>
     </mc:Fallback>
   </mc:AlternateContent>
-  <p:timing>
-    <p:tnLst>
-      <p:par>
-        <p:cTn id="1" dur="indefinite" restart="never" nodeType="tmRoot"/>
-      </p:par>
-    </p:tnLst>
-  </p:timing>
 </p:sldLayout>
 </file>
 
@@ -8717,7 +11245,7 @@
           </a:lstStyle>
           <a:p>
             <a:r>
-              <a:rPr lang="en-US" smtClean="0"/>
+              <a:rPr lang="en-US"/>
               <a:t>Click to edit Master title style</a:t>
             </a:r>
             <a:endParaRPr lang="en-US" dirty="0"/>
@@ -8796,7 +11324,7 @@
           </a:lstStyle>
           <a:p>
             <a:r>
-              <a:rPr lang="en-US" smtClean="0"/>
+              <a:rPr lang="en-US"/>
               <a:t>Click icon to add picture</a:t>
             </a:r>
             <a:endParaRPr lang="en-US" dirty="0"/>
@@ -8864,7 +11392,7 @@
           <a:p>
             <a:pPr lvl="0"/>
             <a:r>
-              <a:rPr lang="en-US" smtClean="0"/>
+              <a:rPr lang="en-US"/>
               <a:t>Click to edit Master text styles</a:t>
             </a:r>
           </a:p>
@@ -8887,7 +11415,7 @@
           <a:p>
             <a:fld id="{B0FE2824-C2A0-4931-BB32-60B24BDBB3CC}" type="datetimeFigureOut">
               <a:rPr lang="en-US" smtClean="0"/>
-              <a:t>5/11/2015</a:t>
+              <a:t>5/22/2017</a:t>
             </a:fld>
             <a:endParaRPr lang="en-US"/>
           </a:p>
@@ -8957,13 +11485,6 @@
       </p:transition>
     </mc:Fallback>
   </mc:AlternateContent>
-  <p:timing>
-    <p:tnLst>
-      <p:par>
-        <p:cTn id="1" dur="indefinite" restart="never" nodeType="tmRoot"/>
-      </p:par>
-    </p:tnLst>
-  </p:timing>
 </p:sldLayout>
 </file>
 
@@ -9230,7 +11751,7 @@
           <a:lstStyle/>
           <a:p>
             <a:r>
-              <a:rPr lang="en-US" smtClean="0"/>
+              <a:rPr lang="en-US"/>
               <a:t>Click to edit Master title style</a:t>
             </a:r>
             <a:endParaRPr lang="en-US" dirty="0"/>
@@ -9264,35 +11785,35 @@
           <a:p>
             <a:pPr lvl="0"/>
             <a:r>
-              <a:rPr lang="en-US" smtClean="0"/>
+              <a:rPr lang="en-US"/>
               <a:t>Click to edit Master text styles</a:t>
             </a:r>
           </a:p>
           <a:p>
             <a:pPr lvl="1"/>
             <a:r>
-              <a:rPr lang="en-US" smtClean="0"/>
+              <a:rPr lang="en-US"/>
               <a:t>Second level</a:t>
             </a:r>
           </a:p>
           <a:p>
             <a:pPr lvl="2"/>
             <a:r>
-              <a:rPr lang="en-US" smtClean="0"/>
+              <a:rPr lang="en-US"/>
               <a:t>Third level</a:t>
             </a:r>
           </a:p>
           <a:p>
             <a:pPr lvl="3"/>
             <a:r>
-              <a:rPr lang="en-US" smtClean="0"/>
+              <a:rPr lang="en-US"/>
               <a:t>Fourth level</a:t>
             </a:r>
           </a:p>
           <a:p>
             <a:pPr lvl="4"/>
             <a:r>
-              <a:rPr lang="en-US" smtClean="0"/>
+              <a:rPr lang="en-US"/>
               <a:t>Fifth level</a:t>
             </a:r>
             <a:endParaRPr lang="en-US" dirty="0"/>
@@ -9336,7 +11857,7 @@
             <a:fld id="{B0FE2824-C2A0-4931-BB32-60B24BDBB3CC}" type="datetimeFigureOut">
               <a:rPr lang="en-US" smtClean="0"/>
               <a:pPr/>
-              <a:t>5/11/2015</a:t>
+              <a:t>5/22/2017</a:t>
             </a:fld>
             <a:endParaRPr lang="en-US"/>
           </a:p>
@@ -9509,13 +12030,6 @@
       </p:transition>
     </mc:Fallback>
   </mc:AlternateContent>
-  <p:timing>
-    <p:tnLst>
-      <p:par>
-        <p:cTn id="1" dur="indefinite" restart="never" nodeType="tmRoot"/>
-      </p:par>
-    </p:tnLst>
-  </p:timing>
   <p:txStyles>
     <p:titleStyle>
       <a:lvl1pPr algn="l" defTabSz="457200" rtl="0" eaLnBrk="1" latinLnBrk="0" hangingPunct="1">
@@ -9964,10 +12478,9 @@
           <a:lstStyle/>
           <a:p>
             <a:r>
-              <a:rPr lang="en-US" dirty="0" smtClean="0"/>
+              <a:rPr lang="en-US" dirty="0"/>
               <a:t>Containers and Clusters in Azure</a:t>
             </a:r>
-            <a:endParaRPr lang="en-US" dirty="0"/>
           </a:p>
         </p:txBody>
       </p:sp>
@@ -9987,10 +12500,9 @@
           <a:lstStyle/>
           <a:p>
             <a:r>
-              <a:rPr lang="en-US" dirty="0" smtClean="0"/>
+              <a:rPr lang="en-US" dirty="0"/>
               <a:t>Ralph Squillace ralph.squillace@Microsoft.com</a:t>
             </a:r>
-            <a:endParaRPr lang="en-US" dirty="0"/>
           </a:p>
         </p:txBody>
       </p:sp>
@@ -10016,13 +12528,6 @@
       </p:transition>
     </mc:Fallback>
   </mc:AlternateContent>
-  <p:timing>
-    <p:tnLst>
-      <p:par>
-        <p:cTn id="1" dur="indefinite" restart="never" nodeType="tmRoot"/>
-      </p:par>
-    </p:tnLst>
-  </p:timing>
 </p:sld>
 </file>
 
@@ -10059,10 +12564,9 @@
           <a:lstStyle/>
           <a:p>
             <a:r>
-              <a:rPr lang="en-US" dirty="0" smtClean="0"/>
+              <a:rPr lang="en-US" dirty="0"/>
               <a:t>Docker on Azure</a:t>
             </a:r>
-            <a:endParaRPr lang="en-US" dirty="0"/>
           </a:p>
         </p:txBody>
       </p:sp>
@@ -10082,19 +12586,19 @@
           <a:lstStyle/>
           <a:p>
             <a:r>
-              <a:rPr lang="en-US" dirty="0" smtClean="0"/>
+              <a:rPr lang="en-US" dirty="0"/>
               <a:t>Automatic Best Practice deployment</a:t>
             </a:r>
           </a:p>
           <a:p>
             <a:r>
-              <a:rPr lang="en-US" dirty="0" smtClean="0"/>
+              <a:rPr lang="en-US" dirty="0"/>
               <a:t>Complete selection of images</a:t>
             </a:r>
           </a:p>
           <a:p>
             <a:r>
-              <a:rPr lang="en-US" dirty="0" smtClean="0"/>
+              <a:rPr lang="en-US" dirty="0"/>
               <a:t>Portal deployment for ease of use</a:t>
             </a:r>
           </a:p>
@@ -10121,7 +12625,7 @@
         </p:xfrm>
         <a:graphic>
           <a:graphicData uri="http://schemas.openxmlformats.org/drawingml/2006/diagram">
-            <dgm:relIds xmlns:dgm="http://schemas.openxmlformats.org/drawingml/2006/diagram" xmlns:r="http://schemas.openxmlformats.org/officeDocument/2006/relationships" r:dm="rId2" r:lo="rId3" r:qs="rId4" r:cs="rId5"/>
+            <dgm:relIds xmlns:dgm="http://schemas.openxmlformats.org/drawingml/2006/diagram" xmlns:r="http://schemas.openxmlformats.org/officeDocument/2006/relationships" r:dm="rId3" r:lo="rId4" r:qs="rId5" r:cs="rId6"/>
           </a:graphicData>
         </a:graphic>
       </p:graphicFrame>
@@ -10147,13 +12651,6 @@
       </p:transition>
     </mc:Fallback>
   </mc:AlternateContent>
-  <p:timing>
-    <p:tnLst>
-      <p:par>
-        <p:cTn id="1" dur="indefinite" restart="never" nodeType="tmRoot"/>
-      </p:par>
-    </p:tnLst>
-  </p:timing>
 </p:sld>
 </file>
 
@@ -10190,18 +12687,17 @@
           <a:lstStyle/>
           <a:p>
             <a:r>
-              <a:rPr lang="en-US" dirty="0" smtClean="0"/>
+              <a:rPr lang="en-US" dirty="0"/>
               <a:t>What do </a:t>
             </a:r>
             <a:r>
-              <a:rPr lang="en-US" dirty="0" err="1" smtClean="0"/>
+              <a:rPr lang="en-US" dirty="0" err="1"/>
               <a:t>Microservices</a:t>
             </a:r>
             <a:r>
-              <a:rPr lang="en-US" dirty="0" smtClean="0"/>
+              <a:rPr lang="en-US" dirty="0"/>
               <a:t> mean? </a:t>
             </a:r>
-            <a:endParaRPr lang="en-US" dirty="0"/>
           </a:p>
         </p:txBody>
       </p:sp>
@@ -10228,10 +12724,9 @@
           <a:lstStyle/>
           <a:p>
             <a:r>
-              <a:rPr lang="en-US" dirty="0" smtClean="0"/>
+              <a:rPr lang="en-US" dirty="0"/>
               <a:t>Tons and tons of apps….</a:t>
             </a:r>
-            <a:endParaRPr lang="en-US" dirty="0"/>
           </a:p>
         </p:txBody>
       </p:sp>
@@ -10258,10 +12753,9 @@
           <a:lstStyle/>
           <a:p>
             <a:r>
-              <a:rPr lang="en-US" dirty="0" smtClean="0"/>
+              <a:rPr lang="en-US" dirty="0"/>
               <a:t>Inside tons and tons of containers….</a:t>
             </a:r>
-            <a:endParaRPr lang="en-US" dirty="0"/>
           </a:p>
         </p:txBody>
       </p:sp>
@@ -10288,10 +12782,9 @@
           <a:lstStyle/>
           <a:p>
             <a:r>
-              <a:rPr lang="en-US" dirty="0" smtClean="0"/>
+              <a:rPr lang="en-US" dirty="0"/>
               <a:t>Running on tons and tons of VMs….</a:t>
             </a:r>
-            <a:endParaRPr lang="en-US" dirty="0"/>
           </a:p>
         </p:txBody>
       </p:sp>
@@ -10318,10 +12811,9 @@
           <a:lstStyle/>
           <a:p>
             <a:r>
-              <a:rPr lang="en-US" dirty="0" smtClean="0"/>
+              <a:rPr lang="en-US" dirty="0"/>
               <a:t>Running on tons of operating systems….</a:t>
             </a:r>
-            <a:endParaRPr lang="en-US" dirty="0"/>
           </a:p>
         </p:txBody>
       </p:sp>
@@ -10348,10 +12840,9 @@
           <a:lstStyle/>
           <a:p>
             <a:r>
-              <a:rPr lang="en-US" dirty="0" smtClean="0"/>
+              <a:rPr lang="en-US" dirty="0"/>
               <a:t>Running on a bunch of physical computers….</a:t>
             </a:r>
-            <a:endParaRPr lang="en-US" dirty="0"/>
           </a:p>
         </p:txBody>
       </p:sp>
@@ -10378,10 +12869,9 @@
           <a:lstStyle/>
           <a:p>
             <a:r>
-              <a:rPr lang="en-US" dirty="0" smtClean="0"/>
+              <a:rPr lang="en-US" dirty="0"/>
               <a:t>You’re going to need a bigger boat.</a:t>
             </a:r>
-            <a:endParaRPr lang="en-US" dirty="0"/>
           </a:p>
         </p:txBody>
       </p:sp>
@@ -10799,10 +13289,9 @@
           <a:lstStyle/>
           <a:p>
             <a:r>
-              <a:rPr lang="en-US" dirty="0" smtClean="0"/>
+              <a:rPr lang="en-US" dirty="0"/>
               <a:t>Make you feel a bit like this?</a:t>
             </a:r>
-            <a:endParaRPr lang="en-US" dirty="0"/>
           </a:p>
         </p:txBody>
       </p:sp>
@@ -10810,7 +13299,7 @@
     <p:controls>
       <mc:AlternateContent xmlns:mc="http://schemas.openxmlformats.org/markup-compatibility/2006">
         <mc:Choice xmlns:v="urn:schemas-microsoft-com:vml" Requires="v">
-          <p:control spid="1037" name="ShockwaveFlash1" r:id="rId2" imgW="8229600" imgH="4572000"/>
+          <p:control spid="1040" name="ShockwaveFlash1" r:id="rId2" imgW="8229600" imgH="4572000"/>
         </mc:Choice>
         <mc:Fallback>
           <p:control name="ShockwaveFlash1" r:id="rId2" imgW="8229600" imgH="4572000">
@@ -10823,7 +13312,7 @@
                 <p:nvPr/>
               </p:nvPicPr>
               <p:blipFill>
-                <a:blip r:embed="rId4"/>
+                <a:blip r:embed="rId5"/>
                 <a:stretch>
                   <a:fillRect/>
                 </a:stretch>
@@ -10863,13 +13352,6 @@
       </p:transition>
     </mc:Fallback>
   </mc:AlternateContent>
-  <p:timing>
-    <p:tnLst>
-      <p:par>
-        <p:cTn id="1" dur="indefinite" restart="never" nodeType="tmRoot"/>
-      </p:par>
-    </p:tnLst>
-  </p:timing>
 </p:sld>
 </file>
 
@@ -10911,10 +13393,9 @@
           <a:lstStyle/>
           <a:p>
             <a:r>
-              <a:rPr lang="en-US" dirty="0" smtClean="0"/>
+              <a:rPr lang="en-US" dirty="0"/>
               <a:t>You’re going to need orchestration.</a:t>
             </a:r>
-            <a:endParaRPr lang="en-US" dirty="0"/>
           </a:p>
         </p:txBody>
       </p:sp>
@@ -10941,10 +13422,9 @@
           <a:lstStyle/>
           <a:p>
             <a:r>
-              <a:rPr lang="en-US" dirty="0" smtClean="0"/>
+              <a:rPr lang="en-US" dirty="0"/>
               <a:t>No, not BizTalk.</a:t>
             </a:r>
-            <a:endParaRPr lang="en-US" dirty="0"/>
           </a:p>
         </p:txBody>
       </p:sp>
@@ -11097,10 +13577,9 @@
           <a:lstStyle/>
           <a:p>
             <a:r>
-              <a:rPr lang="en-US" dirty="0" smtClean="0"/>
+              <a:rPr lang="en-US" dirty="0"/>
               <a:t>You’re going to need orchestration.</a:t>
             </a:r>
-            <a:endParaRPr lang="en-US" dirty="0"/>
           </a:p>
         </p:txBody>
       </p:sp>
@@ -11127,10 +13606,9 @@
           <a:lstStyle/>
           <a:p>
             <a:r>
-              <a:rPr lang="en-US" dirty="0" smtClean="0"/>
+              <a:rPr lang="en-US" dirty="0"/>
               <a:t>Orchestration: package management for:</a:t>
             </a:r>
-            <a:endParaRPr lang="en-US" dirty="0"/>
           </a:p>
         </p:txBody>
       </p:sp>
@@ -11161,10 +13639,9 @@
               <a:buChar char="•"/>
             </a:pPr>
             <a:r>
-              <a:rPr lang="en-US" dirty="0" smtClean="0"/>
+              <a:rPr lang="en-US" dirty="0"/>
               <a:t>VMs and data center infrastructure</a:t>
             </a:r>
-            <a:endParaRPr lang="en-US" dirty="0"/>
           </a:p>
         </p:txBody>
       </p:sp>
@@ -11195,10 +13672,9 @@
               <a:buChar char="•"/>
             </a:pPr>
             <a:r>
-              <a:rPr lang="en-US" dirty="0" smtClean="0"/>
+              <a:rPr lang="en-US" dirty="0"/>
               <a:t>Containers</a:t>
             </a:r>
-            <a:endParaRPr lang="en-US" dirty="0"/>
           </a:p>
         </p:txBody>
       </p:sp>
@@ -11229,10 +13705,9 @@
               <a:buChar char="•"/>
             </a:pPr>
             <a:r>
-              <a:rPr lang="en-US" dirty="0" smtClean="0"/>
+              <a:rPr lang="en-US" dirty="0"/>
               <a:t>Apps </a:t>
             </a:r>
-            <a:endParaRPr lang="en-US" dirty="0"/>
           </a:p>
         </p:txBody>
       </p:sp>
@@ -11488,10 +13963,9 @@
           <a:lstStyle/>
           <a:p>
             <a:r>
-              <a:rPr lang="en-US" dirty="0" smtClean="0"/>
+              <a:rPr lang="en-US" dirty="0"/>
               <a:t>Point: The Clouds are one big machine</a:t>
             </a:r>
-            <a:endParaRPr lang="en-US" dirty="0"/>
           </a:p>
         </p:txBody>
       </p:sp>
@@ -11562,7 +14036,7 @@
             <p:nvPr/>
           </p:nvPicPr>
           <p:blipFill>
-            <a:blip r:embed="rId2"/>
+            <a:blip r:embed="rId3"/>
             <a:stretch>
               <a:fillRect/>
             </a:stretch>
@@ -11646,7 +14120,7 @@
             <p:nvPr/>
           </p:nvPicPr>
           <p:blipFill>
-            <a:blip r:embed="rId3"/>
+            <a:blip r:embed="rId4"/>
             <a:stretch>
               <a:fillRect/>
             </a:stretch>
@@ -11730,7 +14204,7 @@
             <p:nvPr/>
           </p:nvPicPr>
           <p:blipFill>
-            <a:blip r:embed="rId4"/>
+            <a:blip r:embed="rId5"/>
             <a:stretch>
               <a:fillRect/>
             </a:stretch>
@@ -11814,7 +14288,7 @@
             <p:nvPr/>
           </p:nvPicPr>
           <p:blipFill>
-            <a:blip r:embed="rId5"/>
+            <a:blip r:embed="rId6"/>
             <a:stretch>
               <a:fillRect/>
             </a:stretch>
@@ -11853,13 +14327,6 @@
       </p:transition>
     </mc:Fallback>
   </mc:AlternateContent>
-  <p:timing>
-    <p:tnLst>
-      <p:par>
-        <p:cTn id="1" dur="indefinite" restart="never" nodeType="tmRoot"/>
-      </p:par>
-    </p:tnLst>
-  </p:timing>
 </p:sld>
 </file>
 
@@ -11896,10 +14363,9 @@
           <a:lstStyle/>
           <a:p>
             <a:r>
-              <a:rPr lang="en-US" dirty="0" smtClean="0"/>
+              <a:rPr lang="en-US" dirty="0"/>
               <a:t>Point: The Clouds are one big machine</a:t>
             </a:r>
-            <a:endParaRPr lang="en-US" dirty="0"/>
           </a:p>
         </p:txBody>
       </p:sp>
@@ -11970,7 +14436,7 @@
             <p:nvPr/>
           </p:nvPicPr>
           <p:blipFill>
-            <a:blip r:embed="rId2"/>
+            <a:blip r:embed="rId3"/>
             <a:stretch>
               <a:fillRect/>
             </a:stretch>
@@ -12054,7 +14520,7 @@
             <p:nvPr/>
           </p:nvPicPr>
           <p:blipFill>
-            <a:blip r:embed="rId3"/>
+            <a:blip r:embed="rId4"/>
             <a:stretch>
               <a:fillRect/>
             </a:stretch>
@@ -12138,7 +14604,7 @@
             <p:nvPr/>
           </p:nvPicPr>
           <p:blipFill>
-            <a:blip r:embed="rId4"/>
+            <a:blip r:embed="rId5"/>
             <a:stretch>
               <a:fillRect/>
             </a:stretch>
@@ -12222,7 +14688,7 @@
             <p:nvPr/>
           </p:nvPicPr>
           <p:blipFill>
-            <a:blip r:embed="rId5"/>
+            <a:blip r:embed="rId6"/>
             <a:stretch>
               <a:fillRect/>
             </a:stretch>
@@ -12248,7 +14714,7 @@
           <p:nvPr/>
         </p:nvPicPr>
         <p:blipFill>
-          <a:blip r:embed="rId6">
+          <a:blip r:embed="rId7">
             <a:extLst>
               <a:ext uri="{28A0092B-C50C-407E-A947-70E740481C1C}">
                 <a14:useLocalDpi xmlns:a14="http://schemas.microsoft.com/office/drawing/2010/main" val="0"/>
@@ -12511,13 +14977,6 @@
       </p:transition>
     </mc:Fallback>
   </mc:AlternateContent>
-  <p:timing>
-    <p:tnLst>
-      <p:par>
-        <p:cTn id="1" dur="indefinite" restart="never" nodeType="tmRoot"/>
-      </p:par>
-    </p:tnLst>
-  </p:timing>
 </p:sld>
 </file>
 
@@ -12554,10 +15013,9 @@
           <a:lstStyle/>
           <a:p>
             <a:r>
-              <a:rPr lang="en-US" dirty="0" smtClean="0"/>
+              <a:rPr lang="en-US" dirty="0"/>
               <a:t>Point: The Clouds are one big machine</a:t>
             </a:r>
-            <a:endParaRPr lang="en-US" dirty="0"/>
           </a:p>
         </p:txBody>
       </p:sp>
@@ -12628,7 +15086,7 @@
             <p:nvPr/>
           </p:nvPicPr>
           <p:blipFill>
-            <a:blip r:embed="rId2"/>
+            <a:blip r:embed="rId3"/>
             <a:stretch>
               <a:fillRect/>
             </a:stretch>
@@ -12712,7 +15170,7 @@
             <p:nvPr/>
           </p:nvPicPr>
           <p:blipFill>
-            <a:blip r:embed="rId3"/>
+            <a:blip r:embed="rId4"/>
             <a:stretch>
               <a:fillRect/>
             </a:stretch>
@@ -12796,7 +15254,7 @@
             <p:nvPr/>
           </p:nvPicPr>
           <p:blipFill>
-            <a:blip r:embed="rId4"/>
+            <a:blip r:embed="rId5"/>
             <a:stretch>
               <a:fillRect/>
             </a:stretch>
@@ -12880,7 +15338,7 @@
             <p:nvPr/>
           </p:nvPicPr>
           <p:blipFill>
-            <a:blip r:embed="rId5"/>
+            <a:blip r:embed="rId6"/>
             <a:stretch>
               <a:fillRect/>
             </a:stretch>
@@ -12906,7 +15364,7 @@
           <p:nvPr/>
         </p:nvPicPr>
         <p:blipFill>
-          <a:blip r:embed="rId6">
+          <a:blip r:embed="rId7">
             <a:extLst>
               <a:ext uri="{28A0092B-C50C-407E-A947-70E740481C1C}">
                 <a14:useLocalDpi xmlns:a14="http://schemas.microsoft.com/office/drawing/2010/main" val="0"/>
@@ -13159,7 +15617,7 @@
           <p:nvPr/>
         </p:nvPicPr>
         <p:blipFill>
-          <a:blip r:embed="rId7" cstate="print">
+          <a:blip r:embed="rId8" cstate="print">
             <a:extLst>
               <a:ext uri="{28A0092B-C50C-407E-A947-70E740481C1C}">
                 <a14:useLocalDpi xmlns:a14="http://schemas.microsoft.com/office/drawing/2010/main" val="0"/>
@@ -13268,13 +15726,6 @@
       </p:transition>
     </mc:Fallback>
   </mc:AlternateContent>
-  <p:timing>
-    <p:tnLst>
-      <p:par>
-        <p:cTn id="1" dur="indefinite" restart="never" nodeType="tmRoot"/>
-      </p:par>
-    </p:tnLst>
-  </p:timing>
 </p:sld>
 </file>
 
@@ -13311,18 +15762,17 @@
           <a:lstStyle/>
           <a:p>
             <a:r>
-              <a:rPr lang="en-US" dirty="0" smtClean="0"/>
+              <a:rPr lang="en-US" dirty="0"/>
               <a:t>Point: The </a:t>
             </a:r>
             <a:r>
-              <a:rPr lang="en-US" i="1" dirty="0" smtClean="0"/>
+              <a:rPr lang="en-US" i="1" dirty="0"/>
               <a:t>machines</a:t>
             </a:r>
             <a:r>
-              <a:rPr lang="en-US" dirty="0" smtClean="0"/>
+              <a:rPr lang="en-US" dirty="0"/>
               <a:t> are one big machine</a:t>
             </a:r>
-            <a:endParaRPr lang="en-US" dirty="0"/>
           </a:p>
         </p:txBody>
       </p:sp>
@@ -13393,7 +15843,7 @@
             <p:nvPr/>
           </p:nvPicPr>
           <p:blipFill>
-            <a:blip r:embed="rId2"/>
+            <a:blip r:embed="rId3"/>
             <a:stretch>
               <a:fillRect/>
             </a:stretch>
@@ -13477,7 +15927,7 @@
             <p:nvPr/>
           </p:nvPicPr>
           <p:blipFill>
-            <a:blip r:embed="rId3"/>
+            <a:blip r:embed="rId4"/>
             <a:stretch>
               <a:fillRect/>
             </a:stretch>
@@ -13561,7 +16011,7 @@
             <p:nvPr/>
           </p:nvPicPr>
           <p:blipFill>
-            <a:blip r:embed="rId4"/>
+            <a:blip r:embed="rId5"/>
             <a:stretch>
               <a:fillRect/>
             </a:stretch>
@@ -13645,7 +16095,7 @@
             <p:nvPr/>
           </p:nvPicPr>
           <p:blipFill>
-            <a:blip r:embed="rId5"/>
+            <a:blip r:embed="rId6"/>
             <a:stretch>
               <a:fillRect/>
             </a:stretch>
@@ -13671,7 +16121,7 @@
           <p:nvPr/>
         </p:nvPicPr>
         <p:blipFill>
-          <a:blip r:embed="rId6">
+          <a:blip r:embed="rId7">
             <a:extLst>
               <a:ext uri="{28A0092B-C50C-407E-A947-70E740481C1C}">
                 <a14:useLocalDpi xmlns:a14="http://schemas.microsoft.com/office/drawing/2010/main" val="0"/>
@@ -13924,7 +16374,7 @@
           <p:nvPr/>
         </p:nvPicPr>
         <p:blipFill>
-          <a:blip r:embed="rId7" cstate="print">
+          <a:blip r:embed="rId8" cstate="print">
             <a:extLst>
               <a:ext uri="{28A0092B-C50C-407E-A947-70E740481C1C}">
                 <a14:useLocalDpi xmlns:a14="http://schemas.microsoft.com/office/drawing/2010/main" val="0"/>
@@ -14020,7 +16470,7 @@
           <p:nvPr/>
         </p:nvPicPr>
         <p:blipFill>
-          <a:blip r:embed="rId8" cstate="print">
+          <a:blip r:embed="rId9" cstate="print">
             <a:extLst>
               <a:ext uri="{28A0092B-C50C-407E-A947-70E740481C1C}">
                 <a14:useLocalDpi xmlns:a14="http://schemas.microsoft.com/office/drawing/2010/main" val="0"/>
@@ -14050,7 +16500,7 @@
           <p:nvPr/>
         </p:nvPicPr>
         <p:blipFill>
-          <a:blip r:embed="rId8" cstate="print">
+          <a:blip r:embed="rId9" cstate="print">
             <a:extLst>
               <a:ext uri="{28A0092B-C50C-407E-A947-70E740481C1C}">
                 <a14:useLocalDpi xmlns:a14="http://schemas.microsoft.com/office/drawing/2010/main" val="0"/>
@@ -14080,7 +16530,7 @@
           <p:nvPr/>
         </p:nvPicPr>
         <p:blipFill>
-          <a:blip r:embed="rId8" cstate="print">
+          <a:blip r:embed="rId9" cstate="print">
             <a:extLst>
               <a:ext uri="{28A0092B-C50C-407E-A947-70E740481C1C}">
                 <a14:useLocalDpi xmlns:a14="http://schemas.microsoft.com/office/drawing/2010/main" val="0"/>
@@ -14231,13 +16681,6 @@
       </p:transition>
     </mc:Fallback>
   </mc:AlternateContent>
-  <p:timing>
-    <p:tnLst>
-      <p:par>
-        <p:cTn id="1" dur="indefinite" restart="never" nodeType="tmRoot"/>
-      </p:par>
-    </p:tnLst>
-  </p:timing>
 </p:sld>
 </file>
 
@@ -14274,10 +16717,9 @@
           <a:lstStyle/>
           <a:p>
             <a:r>
-              <a:rPr lang="en-US" dirty="0" smtClean="0"/>
+              <a:rPr lang="en-US" dirty="0"/>
               <a:t>Think I’m kidding?</a:t>
             </a:r>
-            <a:endParaRPr lang="en-US" dirty="0"/>
           </a:p>
         </p:txBody>
       </p:sp>
@@ -14290,7 +16732,7 @@
           <p:nvPr/>
         </p:nvPicPr>
         <p:blipFill>
-          <a:blip r:embed="rId2"/>
+          <a:blip r:embed="rId3"/>
           <a:stretch>
             <a:fillRect/>
           </a:stretch>
@@ -14475,10 +16917,9 @@
           <a:lstStyle/>
           <a:p>
             <a:r>
-              <a:rPr lang="en-US" dirty="0" smtClean="0"/>
+              <a:rPr lang="en-US" dirty="0"/>
               <a:t>The Agenda</a:t>
             </a:r>
-            <a:endParaRPr lang="en-US" dirty="0"/>
           </a:p>
         </p:txBody>
       </p:sp>
@@ -14498,34 +16939,33 @@
           <a:lstStyle/>
           <a:p>
             <a:r>
-              <a:rPr lang="en-US" dirty="0" smtClean="0"/>
+              <a:rPr lang="en-US" dirty="0"/>
               <a:t>Two minutes on the history of Virtualization. OK, three.</a:t>
             </a:r>
           </a:p>
           <a:p>
             <a:r>
-              <a:rPr lang="en-US" dirty="0" smtClean="0"/>
+              <a:rPr lang="en-US" dirty="0"/>
               <a:t>Why Docker Rocks</a:t>
             </a:r>
           </a:p>
           <a:p>
             <a:r>
-              <a:rPr lang="en-US" dirty="0" smtClean="0"/>
+              <a:rPr lang="en-US" dirty="0"/>
               <a:t>Docker on Azure</a:t>
             </a:r>
           </a:p>
           <a:p>
             <a:r>
-              <a:rPr lang="en-US" dirty="0" smtClean="0"/>
+              <a:rPr lang="en-US" dirty="0"/>
               <a:t>Other Containers on Azure</a:t>
             </a:r>
           </a:p>
           <a:p>
             <a:r>
-              <a:rPr lang="en-US" dirty="0" smtClean="0"/>
+              <a:rPr lang="en-US" dirty="0"/>
               <a:t>Questions?</a:t>
             </a:r>
-            <a:endParaRPr lang="en-US" dirty="0"/>
           </a:p>
         </p:txBody>
       </p:sp>
@@ -14551,13 +16991,6 @@
       </p:transition>
     </mc:Fallback>
   </mc:AlternateContent>
-  <p:timing>
-    <p:tnLst>
-      <p:par>
-        <p:cTn id="1" dur="indefinite" restart="never" nodeType="tmRoot"/>
-      </p:par>
-    </p:tnLst>
-  </p:timing>
 </p:sld>
 </file>
 
@@ -14599,10 +17032,9 @@
           <a:lstStyle/>
           <a:p>
             <a:r>
-              <a:rPr lang="en-US" dirty="0" smtClean="0"/>
+              <a:rPr lang="en-US" dirty="0"/>
               <a:t>You’re going to need orchestration.</a:t>
             </a:r>
-            <a:endParaRPr lang="en-US" dirty="0"/>
           </a:p>
         </p:txBody>
       </p:sp>
@@ -14629,18 +17061,9 @@
           <a:lstStyle/>
           <a:p>
             <a:r>
-              <a:rPr lang="en-US" dirty="0" smtClean="0"/>
-              <a:t>Orchestration</a:t>
-            </a:r>
-            <a:r>
               <a:rPr lang="en-US" dirty="0"/>
-              <a:t> </a:t>
-            </a:r>
-            <a:r>
-              <a:rPr lang="en-US" dirty="0" smtClean="0"/>
-              <a:t>examples</a:t>
-            </a:r>
-            <a:endParaRPr lang="en-US" dirty="0"/>
+              <a:t>Orchestration examples</a:t>
+            </a:r>
           </a:p>
         </p:txBody>
       </p:sp>
@@ -14666,13 +17089,6 @@
       </p:transition>
     </mc:Fallback>
   </mc:AlternateContent>
-  <p:timing>
-    <p:tnLst>
-      <p:par>
-        <p:cTn id="1" dur="indefinite" restart="never" nodeType="tmRoot"/>
-      </p:par>
-    </p:tnLst>
-  </p:timing>
 </p:sld>
 </file>
 
@@ -14714,10 +17130,9 @@
           <a:lstStyle/>
           <a:p>
             <a:r>
-              <a:rPr lang="en-US" dirty="0" smtClean="0"/>
+              <a:rPr lang="en-US" dirty="0"/>
               <a:t>You’re going to need orchestration.</a:t>
             </a:r>
-            <a:endParaRPr lang="en-US" dirty="0"/>
           </a:p>
         </p:txBody>
       </p:sp>
@@ -14804,15 +17219,15 @@
             </a:r>
             <a:r>
               <a:rPr lang="en-US" sz="2000" dirty="0"/>
-              <a:t> – complete deployment and </a:t>
+              <a:t> (Now Microsoft!) – complete deployment and Heroku pack compatibility, apt-get for </a:t>
             </a:r>
             <a:r>
               <a:rPr lang="en-US" sz="2000" dirty="0" err="1"/>
-              <a:t>Heroku</a:t>
+              <a:t>kubernetes</a:t>
             </a:r>
             <a:r>
               <a:rPr lang="en-US" sz="2000" dirty="0"/>
-              <a:t> pack compatibility</a:t>
+              <a:t>.</a:t>
             </a:r>
           </a:p>
           <a:p>
@@ -14842,7 +17257,7 @@
             </a:pPr>
             <a:r>
               <a:rPr lang="en-US" sz="2000" dirty="0"/>
-              <a:t>Apache </a:t>
+              <a:t>DC/OS (</a:t>
             </a:r>
             <a:r>
               <a:rPr lang="en-US" sz="2000" dirty="0" err="1"/>
@@ -14850,7 +17265,7 @@
             </a:r>
             <a:r>
               <a:rPr lang="en-US" sz="2000" dirty="0"/>
-              <a:t> – a public version of Twitter’s orchestration system</a:t>
+              <a:t>) – a public version of Twitter’s orchestration system</a:t>
             </a:r>
           </a:p>
           <a:p>
@@ -14868,7 +17283,7 @@
             </a:r>
             <a:r>
               <a:rPr lang="en-US" sz="2000" dirty="0"/>
-              <a:t> Project Atomic, Microsoft’s resource group templates…. </a:t>
+              <a:t> Project Atomic, Microsoft’s Service Fabric…. </a:t>
             </a:r>
           </a:p>
         </p:txBody>
@@ -15017,10 +17432,9 @@
           <a:lstStyle/>
           <a:p>
             <a:r>
-              <a:rPr lang="en-US" dirty="0" smtClean="0"/>
+              <a:rPr lang="en-US" dirty="0"/>
               <a:t>What? Wait a minute…</a:t>
             </a:r>
-            <a:endParaRPr lang="en-US" dirty="0"/>
           </a:p>
         </p:txBody>
       </p:sp>
@@ -15047,10 +17461,9 @@
           <a:lstStyle/>
           <a:p>
             <a:r>
-              <a:rPr lang="en-US" dirty="0" smtClean="0"/>
+              <a:rPr lang="en-US" dirty="0"/>
               <a:t>Yeah, Azure resource group templates.</a:t>
             </a:r>
-            <a:endParaRPr lang="en-US" dirty="0"/>
           </a:p>
         </p:txBody>
       </p:sp>
@@ -15063,7 +17476,7 @@
           <p:nvPr/>
         </p:nvPicPr>
         <p:blipFill>
-          <a:blip r:embed="rId2"/>
+          <a:blip r:embed="rId3"/>
           <a:stretch>
             <a:fillRect/>
           </a:stretch>
@@ -15212,7 +17625,7 @@
           <p:nvPr/>
         </p:nvPicPr>
         <p:blipFill>
-          <a:blip r:embed="rId2"/>
+          <a:blip r:embed="rId3"/>
           <a:stretch>
             <a:fillRect/>
           </a:stretch>
@@ -15249,13 +17662,6 @@
       </p:transition>
     </mc:Fallback>
   </mc:AlternateContent>
-  <p:timing>
-    <p:tnLst>
-      <p:par>
-        <p:cTn id="1" dur="indefinite" restart="never" nodeType="tmRoot"/>
-      </p:par>
-    </p:tnLst>
-  </p:timing>
 </p:sld>
 </file>
 
@@ -15292,10 +17698,9 @@
           <a:lstStyle/>
           <a:p>
             <a:r>
-              <a:rPr lang="en-US" dirty="0" smtClean="0"/>
+              <a:rPr lang="en-US" dirty="0"/>
               <a:t>Demo time</a:t>
             </a:r>
-            <a:endParaRPr lang="en-US" dirty="0"/>
           </a:p>
         </p:txBody>
       </p:sp>
@@ -15334,18 +17739,17 @@
           <a:lstStyle/>
           <a:p>
             <a:r>
-              <a:rPr lang="en-US" dirty="0" smtClean="0"/>
+              <a:rPr lang="en-US" dirty="0"/>
               <a:t>DCOS-driven </a:t>
             </a:r>
             <a:r>
-              <a:rPr lang="en-US" dirty="0" err="1" smtClean="0"/>
+              <a:rPr lang="en-US" dirty="0" err="1"/>
               <a:t>mesos</a:t>
             </a:r>
             <a:r>
-              <a:rPr lang="en-US" dirty="0" smtClean="0"/>
+              <a:rPr lang="en-US" dirty="0"/>
               <a:t> cluster from mesosphere</a:t>
             </a:r>
-            <a:endParaRPr lang="en-US" dirty="0"/>
           </a:p>
         </p:txBody>
       </p:sp>
@@ -15371,13 +17775,6 @@
       </p:transition>
     </mc:Fallback>
   </mc:AlternateContent>
-  <p:timing>
-    <p:tnLst>
-      <p:par>
-        <p:cTn id="1" dur="indefinite" restart="never" nodeType="tmRoot"/>
-      </p:par>
-    </p:tnLst>
-  </p:timing>
 </p:sld>
 </file>
 
@@ -15414,10 +17811,9 @@
           <a:lstStyle/>
           <a:p>
             <a:r>
-              <a:rPr lang="en-US" dirty="0" smtClean="0"/>
+              <a:rPr lang="en-US" dirty="0"/>
               <a:t>Docker at Microsoft</a:t>
             </a:r>
-            <a:endParaRPr lang="en-US" dirty="0"/>
           </a:p>
         </p:txBody>
       </p:sp>
@@ -15437,10 +17833,9 @@
           <a:lstStyle/>
           <a:p>
             <a:r>
-              <a:rPr lang="en-US" dirty="0" smtClean="0"/>
+              <a:rPr lang="en-US" dirty="0"/>
               <a:t>This is more than just Azure</a:t>
             </a:r>
-            <a:endParaRPr lang="en-US" dirty="0"/>
           </a:p>
         </p:txBody>
       </p:sp>
@@ -15466,13 +17861,6 @@
       </p:transition>
     </mc:Fallback>
   </mc:AlternateContent>
-  <p:timing>
-    <p:tnLst>
-      <p:par>
-        <p:cTn id="1" dur="indefinite" restart="never" nodeType="tmRoot"/>
-      </p:par>
-    </p:tnLst>
-  </p:timing>
 </p:sld>
 </file>
 
@@ -15509,10 +17897,9 @@
           <a:lstStyle/>
           <a:p>
             <a:r>
-              <a:rPr lang="en-US" dirty="0" smtClean="0"/>
+              <a:rPr lang="en-US" dirty="0"/>
               <a:t>Docker at Microsoft</a:t>
             </a:r>
-            <a:endParaRPr lang="en-US" dirty="0"/>
           </a:p>
         </p:txBody>
       </p:sp>
@@ -15543,15 +17930,15 @@
               <a:buChar char="•"/>
             </a:pPr>
             <a:r>
-              <a:rPr lang="en-US" dirty="0" smtClean="0"/>
+              <a:rPr lang="en-US" dirty="0"/>
               <a:t>Implemented a Windows native </a:t>
             </a:r>
             <a:r>
-              <a:rPr lang="en-US" dirty="0" err="1" smtClean="0"/>
+              <a:rPr lang="en-US" dirty="0" err="1"/>
               <a:t>docker</a:t>
             </a:r>
             <a:r>
-              <a:rPr lang="en-US" dirty="0" smtClean="0"/>
+              <a:rPr lang="en-US" dirty="0"/>
               <a:t> client in .NET</a:t>
             </a:r>
           </a:p>
@@ -15561,7 +17948,7 @@
               <a:buChar char="•"/>
             </a:pPr>
             <a:r>
-              <a:rPr lang="en-US" dirty="0" smtClean="0"/>
+              <a:rPr lang="en-US" dirty="0"/>
               <a:t>Implementing a Docker image container service in Windows Server</a:t>
             </a:r>
           </a:p>
@@ -15571,15 +17958,15 @@
               <a:buChar char="•"/>
             </a:pPr>
             <a:r>
-              <a:rPr lang="en-US" dirty="0" smtClean="0"/>
+              <a:rPr lang="en-US" dirty="0"/>
               <a:t>Implemented support for private, signed </a:t>
             </a:r>
             <a:r>
-              <a:rPr lang="en-US" dirty="0" err="1" smtClean="0"/>
+              <a:rPr lang="en-US" dirty="0" err="1"/>
               <a:t>docker</a:t>
             </a:r>
             <a:r>
-              <a:rPr lang="en-US" dirty="0" smtClean="0"/>
+              <a:rPr lang="en-US" dirty="0"/>
               <a:t> image registries in Azure Storage for private, verified, and controlled image repositories</a:t>
             </a:r>
           </a:p>
@@ -15589,31 +17976,31 @@
               <a:buChar char="•"/>
             </a:pPr>
             <a:r>
-              <a:rPr lang="en-US" dirty="0" smtClean="0"/>
+              <a:rPr lang="en-US" dirty="0"/>
               <a:t>Support for </a:t>
             </a:r>
             <a:r>
-              <a:rPr lang="en-US" dirty="0" err="1" smtClean="0"/>
+              <a:rPr lang="en-US" dirty="0" err="1"/>
               <a:t>docker</a:t>
             </a:r>
             <a:r>
-              <a:rPr lang="en-US" dirty="0" smtClean="0"/>
+              <a:rPr lang="en-US" dirty="0"/>
               <a:t> machine, </a:t>
             </a:r>
             <a:r>
-              <a:rPr lang="en-US" dirty="0" err="1" smtClean="0"/>
+              <a:rPr lang="en-US" dirty="0" err="1"/>
               <a:t>docker</a:t>
             </a:r>
             <a:r>
-              <a:rPr lang="en-US" dirty="0" smtClean="0"/>
+              <a:rPr lang="en-US" dirty="0"/>
               <a:t> swarm, and </a:t>
             </a:r>
             <a:r>
-              <a:rPr lang="en-US" dirty="0" err="1" smtClean="0"/>
+              <a:rPr lang="en-US" dirty="0" err="1"/>
               <a:t>docker</a:t>
             </a:r>
             <a:r>
-              <a:rPr lang="en-US" dirty="0" smtClean="0"/>
+              <a:rPr lang="en-US" dirty="0"/>
               <a:t> compose</a:t>
             </a:r>
           </a:p>
@@ -15623,23 +18010,23 @@
               <a:buChar char="•"/>
             </a:pPr>
             <a:r>
-              <a:rPr lang="en-US" dirty="0" smtClean="0"/>
+              <a:rPr lang="en-US" dirty="0"/>
               <a:t>Support for specialized </a:t>
             </a:r>
             <a:r>
-              <a:rPr lang="en-US" dirty="0" err="1" smtClean="0"/>
+              <a:rPr lang="en-US" dirty="0" err="1"/>
               <a:t>docker</a:t>
             </a:r>
             <a:r>
-              <a:rPr lang="en-US" dirty="0" smtClean="0"/>
+              <a:rPr lang="en-US" dirty="0"/>
               <a:t> and </a:t>
             </a:r>
             <a:r>
-              <a:rPr lang="en-US" dirty="0" err="1" smtClean="0"/>
+              <a:rPr lang="en-US" dirty="0" err="1"/>
               <a:t>linux</a:t>
             </a:r>
             <a:r>
-              <a:rPr lang="en-US" dirty="0" smtClean="0"/>
+              <a:rPr lang="en-US" dirty="0"/>
               <a:t> container images:</a:t>
             </a:r>
           </a:p>
@@ -15649,7 +18036,7 @@
               <a:buChar char="•"/>
             </a:pPr>
             <a:r>
-              <a:rPr lang="en-US" dirty="0" smtClean="0"/>
+              <a:rPr lang="en-US" dirty="0"/>
               <a:t>CoreOS</a:t>
             </a:r>
           </a:p>
@@ -15659,7 +18046,7 @@
               <a:buChar char="•"/>
             </a:pPr>
             <a:r>
-              <a:rPr lang="en-US" dirty="0" smtClean="0"/>
+              <a:rPr lang="en-US" dirty="0"/>
               <a:t>Ubuntu Core and Snappy</a:t>
             </a:r>
           </a:p>
@@ -15669,7 +18056,7 @@
               <a:buChar char="•"/>
             </a:pPr>
             <a:r>
-              <a:rPr lang="en-US" dirty="0" smtClean="0"/>
+              <a:rPr lang="en-US" dirty="0"/>
               <a:t>Fleet</a:t>
             </a:r>
           </a:p>
@@ -15679,11 +18066,11 @@
               <a:buChar char="•"/>
             </a:pPr>
             <a:r>
-              <a:rPr lang="en-US" dirty="0" err="1" smtClean="0"/>
+              <a:rPr lang="en-US" dirty="0" err="1"/>
               <a:t>Deis</a:t>
             </a:r>
             <a:r>
-              <a:rPr lang="en-US" dirty="0" smtClean="0"/>
+              <a:rPr lang="en-US" dirty="0"/>
               <a:t> </a:t>
             </a:r>
           </a:p>
@@ -15693,7 +18080,7 @@
               <a:buChar char="•"/>
             </a:pPr>
             <a:r>
-              <a:rPr lang="en-US" dirty="0" smtClean="0"/>
+              <a:rPr lang="en-US" dirty="0"/>
               <a:t>Weave</a:t>
             </a:r>
           </a:p>
@@ -15703,7 +18090,7 @@
               <a:buChar char="•"/>
             </a:pPr>
             <a:r>
-              <a:rPr lang="en-US" dirty="0" smtClean="0"/>
+              <a:rPr lang="en-US" dirty="0"/>
               <a:t>Kubernetes</a:t>
             </a:r>
           </a:p>
@@ -15713,14 +18100,13 @@
               <a:buChar char="•"/>
             </a:pPr>
             <a:r>
-              <a:rPr lang="en-US" dirty="0" err="1" smtClean="0"/>
+              <a:rPr lang="en-US" dirty="0" err="1"/>
               <a:t>Mesos</a:t>
             </a:r>
             <a:r>
-              <a:rPr lang="en-US" dirty="0" smtClean="0"/>
+              <a:rPr lang="en-US" dirty="0"/>
               <a:t> </a:t>
             </a:r>
-            <a:endParaRPr lang="en-US" dirty="0"/>
           </a:p>
         </p:txBody>
       </p:sp>
@@ -15746,13 +18132,6 @@
       </p:transition>
     </mc:Fallback>
   </mc:AlternateContent>
-  <p:timing>
-    <p:tnLst>
-      <p:par>
-        <p:cTn id="1" dur="indefinite" restart="never" nodeType="tmRoot"/>
-      </p:par>
-    </p:tnLst>
-  </p:timing>
 </p:sld>
 </file>
 
@@ -15794,11 +18173,11 @@
           <a:lstStyle/>
           <a:p>
             <a:r>
-              <a:rPr lang="en-US" dirty="0" smtClean="0"/>
+              <a:rPr lang="en-US" dirty="0"/>
               <a:t>Who’s the top contributor to Docker? </a:t>
             </a:r>
             <a:r>
-              <a:rPr lang="en-US" dirty="0" smtClean="0">
+              <a:rPr lang="en-US" dirty="0">
                 <a:sym typeface="Wingdings" panose="05000000000000000000" pitchFamily="2" charset="2"/>
               </a:rPr>
               <a:t></a:t>
@@ -15807,30 +18186,37 @@
           </a:p>
         </p:txBody>
       </p:sp>
-      <p:pic>
-        <p:nvPicPr>
-          <p:cNvPr id="3" name="Picture 2"/>
-          <p:cNvPicPr>
-            <a:picLocks noChangeAspect="1"/>
-          </p:cNvPicPr>
+      <p:sp>
+        <p:nvSpPr>
+          <p:cNvPr id="4" name="Rectangle 3"/>
+          <p:cNvSpPr/>
           <p:nvPr/>
-        </p:nvPicPr>
-        <p:blipFill>
-          <a:blip r:embed="rId2"/>
-          <a:stretch>
-            <a:fillRect/>
-          </a:stretch>
-        </p:blipFill>
+        </p:nvSpPr>
         <p:spPr>
           <a:xfrm>
-            <a:off x="1981200" y="1447800"/>
-            <a:ext cx="7672237" cy="4959003"/>
+            <a:off x="1066800" y="2967335"/>
+            <a:ext cx="10134600" cy="646331"/>
           </a:xfrm>
           <a:prstGeom prst="rect">
             <a:avLst/>
           </a:prstGeom>
         </p:spPr>
-      </p:pic>
+        <p:txBody>
+          <a:bodyPr wrap="square">
+            <a:spAutoFit/>
+          </a:bodyPr>
+          <a:lstStyle/>
+          <a:p>
+            <a:r>
+              <a:rPr lang="en-US" dirty="0">
+                <a:hlinkClick r:id="rId3"/>
+              </a:rPr>
+              <a:t>http://ubuntunext.com/2016/09/16/microsoft-becomes-the-biggest-open-source-contributor-at-github</a:t>
+            </a:r>
+            <a:endParaRPr lang="en-US" dirty="0"/>
+          </a:p>
+        </p:txBody>
+      </p:sp>
     </p:spTree>
     <p:extLst>
       <p:ext uri="{BB962C8B-B14F-4D97-AF65-F5344CB8AC3E}">
@@ -15853,89 +18239,6 @@
       </p:transition>
     </mc:Fallback>
   </mc:AlternateContent>
-  <p:timing>
-    <p:tnLst>
-      <p:par>
-        <p:cTn id="1" dur="indefinite" restart="never" nodeType="tmRoot">
-          <p:childTnLst>
-            <p:seq concurrent="1" nextAc="seek">
-              <p:cTn id="2" dur="indefinite" nodeType="mainSeq">
-                <p:childTnLst>
-                  <p:par>
-                    <p:cTn id="3" fill="hold">
-                      <p:stCondLst>
-                        <p:cond delay="indefinite"/>
-                      </p:stCondLst>
-                      <p:childTnLst>
-                        <p:par>
-                          <p:cTn id="4" fill="hold">
-                            <p:stCondLst>
-                              <p:cond delay="0"/>
-                            </p:stCondLst>
-                            <p:childTnLst>
-                              <p:par>
-                                <p:cTn id="5" presetID="10" presetClass="entr" presetSubtype="0" fill="hold" nodeType="clickEffect">
-                                  <p:stCondLst>
-                                    <p:cond delay="0"/>
-                                  </p:stCondLst>
-                                  <p:childTnLst>
-                                    <p:set>
-                                      <p:cBhvr>
-                                        <p:cTn id="6" dur="1" fill="hold">
-                                          <p:stCondLst>
-                                            <p:cond delay="0"/>
-                                          </p:stCondLst>
-                                        </p:cTn>
-                                        <p:tgtEl>
-                                          <p:spTgt spid="3"/>
-                                        </p:tgtEl>
-                                        <p:attrNameLst>
-                                          <p:attrName>style.visibility</p:attrName>
-                                        </p:attrNameLst>
-                                      </p:cBhvr>
-                                      <p:to>
-                                        <p:strVal val="visible"/>
-                                      </p:to>
-                                    </p:set>
-                                    <p:animEffect transition="in" filter="fade">
-                                      <p:cBhvr>
-                                        <p:cTn id="7" dur="500"/>
-                                        <p:tgtEl>
-                                          <p:spTgt spid="3"/>
-                                        </p:tgtEl>
-                                      </p:cBhvr>
-                                    </p:animEffect>
-                                  </p:childTnLst>
-                                </p:cTn>
-                              </p:par>
-                            </p:childTnLst>
-                          </p:cTn>
-                        </p:par>
-                      </p:childTnLst>
-                    </p:cTn>
-                  </p:par>
-                </p:childTnLst>
-              </p:cTn>
-              <p:prevCondLst>
-                <p:cond evt="onPrev" delay="0">
-                  <p:tgtEl>
-                    <p:sldTgt/>
-                  </p:tgtEl>
-                </p:cond>
-              </p:prevCondLst>
-              <p:nextCondLst>
-                <p:cond evt="onNext" delay="0">
-                  <p:tgtEl>
-                    <p:sldTgt/>
-                  </p:tgtEl>
-                </p:cond>
-              </p:nextCondLst>
-            </p:seq>
-          </p:childTnLst>
-        </p:cTn>
-      </p:par>
-    </p:tnLst>
-  </p:timing>
 </p:sld>
 </file>
 
@@ -15972,10 +18275,9 @@
           <a:lstStyle/>
           <a:p>
             <a:r>
-              <a:rPr lang="en-US" dirty="0" smtClean="0"/>
+              <a:rPr lang="en-US" dirty="0"/>
               <a:t>History of Virtualization</a:t>
             </a:r>
-            <a:endParaRPr lang="en-US" dirty="0"/>
           </a:p>
         </p:txBody>
       </p:sp>
@@ -15995,25 +18297,25 @@
           <a:lstStyle/>
           <a:p>
             <a:r>
-              <a:rPr lang="en-US" dirty="0" smtClean="0"/>
+              <a:rPr lang="en-US" dirty="0"/>
               <a:t>Operating Systems </a:t>
             </a:r>
           </a:p>
           <a:p>
             <a:r>
-              <a:rPr lang="en-US" dirty="0" smtClean="0"/>
+              <a:rPr lang="en-US" dirty="0"/>
               <a:t>Virtual Machines</a:t>
             </a:r>
           </a:p>
           <a:p>
             <a:r>
-              <a:rPr lang="en-US" dirty="0" smtClean="0"/>
+              <a:rPr lang="en-US" dirty="0"/>
               <a:t>Linux Containers (LXC)</a:t>
             </a:r>
           </a:p>
           <a:p>
             <a:r>
-              <a:rPr lang="en-US" dirty="0" smtClean="0"/>
+              <a:rPr lang="en-US" dirty="0"/>
               <a:t>Docker Containers</a:t>
             </a:r>
           </a:p>
@@ -16044,13 +18346,6 @@
       </p:transition>
     </mc:Fallback>
   </mc:AlternateContent>
-  <p:timing>
-    <p:tnLst>
-      <p:par>
-        <p:cTn id="1" dur="indefinite" restart="never" nodeType="tmRoot"/>
-      </p:par>
-    </p:tnLst>
-  </p:timing>
 </p:sld>
 </file>
 
@@ -16087,10 +18382,9 @@
           <a:lstStyle/>
           <a:p>
             <a:r>
-              <a:rPr lang="en-US" dirty="0" smtClean="0"/>
+              <a:rPr lang="en-US" dirty="0"/>
               <a:t>Abstract Benefits of Containers: Short course	</a:t>
             </a:r>
-            <a:endParaRPr lang="en-US" dirty="0"/>
           </a:p>
         </p:txBody>
       </p:sp>
@@ -16110,43 +18404,42 @@
           <a:lstStyle/>
           <a:p>
             <a:r>
-              <a:rPr lang="en-US" dirty="0" smtClean="0"/>
+              <a:rPr lang="en-US" dirty="0"/>
               <a:t>Standard format everyone agrees on*****</a:t>
             </a:r>
           </a:p>
           <a:p>
             <a:r>
-              <a:rPr lang="en-US" dirty="0" smtClean="0"/>
+              <a:rPr lang="en-US" dirty="0"/>
               <a:t>Once you seal the box, it always gets shipped “as is”</a:t>
             </a:r>
           </a:p>
           <a:p>
             <a:r>
-              <a:rPr lang="en-US" dirty="0" smtClean="0"/>
+              <a:rPr lang="en-US" dirty="0"/>
               <a:t>Now concerns are properly separated: </a:t>
             </a:r>
           </a:p>
           <a:p>
             <a:pPr lvl="1"/>
             <a:r>
-              <a:rPr lang="en-US" dirty="0" smtClean="0"/>
+              <a:rPr lang="en-US" dirty="0"/>
               <a:t>Building them means building the same format</a:t>
             </a:r>
           </a:p>
           <a:p>
             <a:pPr lvl="1"/>
             <a:r>
-              <a:rPr lang="en-US" dirty="0" smtClean="0"/>
+              <a:rPr lang="en-US" dirty="0"/>
               <a:t>Packaging them means wrapping the same format</a:t>
             </a:r>
           </a:p>
           <a:p>
             <a:pPr lvl="1"/>
             <a:r>
-              <a:rPr lang="en-US" dirty="0" smtClean="0"/>
+              <a:rPr lang="en-US" dirty="0"/>
               <a:t>Shipping them means shipping the same format</a:t>
             </a:r>
-            <a:endParaRPr lang="en-US" dirty="0"/>
           </a:p>
         </p:txBody>
       </p:sp>
@@ -16172,13 +18465,6 @@
       </p:transition>
     </mc:Fallback>
   </mc:AlternateContent>
-  <p:timing>
-    <p:tnLst>
-      <p:par>
-        <p:cTn id="1" dur="indefinite" restart="never" nodeType="tmRoot"/>
-      </p:par>
-    </p:tnLst>
-  </p:timing>
 </p:sld>
 </file>
 
@@ -16215,10 +18501,9 @@
           <a:lstStyle/>
           <a:p>
             <a:r>
-              <a:rPr lang="en-US" dirty="0" smtClean="0"/>
+              <a:rPr lang="en-US" dirty="0"/>
               <a:t>Concrete Benefits of Linux Containers: Short course</a:t>
             </a:r>
-            <a:endParaRPr lang="en-US" dirty="0"/>
           </a:p>
         </p:txBody>
       </p:sp>
@@ -16238,45 +18523,45 @@
           <a:lstStyle/>
           <a:p>
             <a:r>
-              <a:rPr lang="en-US" dirty="0" smtClean="0"/>
+              <a:rPr lang="en-US" dirty="0"/>
               <a:t>Only one kernel runs on the machine</a:t>
             </a:r>
           </a:p>
           <a:p>
             <a:r>
-              <a:rPr lang="en-US" dirty="0" smtClean="0"/>
+              <a:rPr lang="en-US" dirty="0"/>
               <a:t>No hypervisor overhead (in the cloud, that’s a bit different)</a:t>
             </a:r>
           </a:p>
           <a:p>
             <a:pPr lvl="1"/>
             <a:r>
-              <a:rPr lang="en-US" dirty="0" smtClean="0"/>
+              <a:rPr lang="en-US" dirty="0"/>
               <a:t>Apps run directly on CPU</a:t>
             </a:r>
           </a:p>
           <a:p>
             <a:pPr lvl="1"/>
             <a:r>
-              <a:rPr lang="en-US" dirty="0" smtClean="0"/>
+              <a:rPr lang="en-US" dirty="0"/>
               <a:t>Rackspace, power, and CPU cycles freed up</a:t>
             </a:r>
           </a:p>
           <a:p>
             <a:r>
-              <a:rPr lang="en-US" dirty="0" smtClean="0"/>
+              <a:rPr lang="en-US" dirty="0"/>
               <a:t>Run different versions of Linux on the same server</a:t>
             </a:r>
           </a:p>
           <a:p>
             <a:r>
-              <a:rPr lang="en-US" dirty="0" smtClean="0"/>
+              <a:rPr lang="en-US" dirty="0"/>
               <a:t>Process isolation &amp; basic security</a:t>
             </a:r>
           </a:p>
           <a:p>
             <a:r>
-              <a:rPr lang="en-US" dirty="0" smtClean="0"/>
+              <a:rPr lang="en-US" dirty="0"/>
               <a:t>Compute density and control</a:t>
             </a:r>
           </a:p>
@@ -16304,13 +18589,6 @@
       </p:transition>
     </mc:Fallback>
   </mc:AlternateContent>
-  <p:timing>
-    <p:tnLst>
-      <p:par>
-        <p:cTn id="1" dur="indefinite" restart="never" nodeType="tmRoot"/>
-      </p:par>
-    </p:tnLst>
-  </p:timing>
 </p:sld>
 </file>
 
@@ -16347,10 +18625,9 @@
           <a:lstStyle/>
           <a:p>
             <a:r>
-              <a:rPr lang="en-US" dirty="0" smtClean="0"/>
+              <a:rPr lang="en-US" dirty="0"/>
               <a:t>Why Docker Rocks (Why don’t we all do LXC?)</a:t>
             </a:r>
-            <a:endParaRPr lang="en-US" dirty="0"/>
           </a:p>
         </p:txBody>
       </p:sp>
@@ -16372,66 +18649,66 @@
           <a:lstStyle/>
           <a:p>
             <a:r>
-              <a:rPr lang="en-US" dirty="0" smtClean="0"/>
+              <a:rPr lang="en-US" dirty="0"/>
               <a:t>Docker is a “container engine”</a:t>
             </a:r>
           </a:p>
           <a:p>
             <a:r>
-              <a:rPr lang="en-US" dirty="0" smtClean="0"/>
+              <a:rPr lang="en-US" dirty="0"/>
               <a:t>What does the container look like?</a:t>
             </a:r>
           </a:p>
           <a:p>
             <a:pPr lvl="1"/>
             <a:r>
-              <a:rPr lang="en-US" dirty="0" smtClean="0"/>
+              <a:rPr lang="en-US" dirty="0"/>
               <a:t>Standard Image Format </a:t>
             </a:r>
           </a:p>
           <a:p>
             <a:r>
-              <a:rPr lang="en-US" dirty="0" smtClean="0"/>
+              <a:rPr lang="en-US" dirty="0"/>
               <a:t>How do you make images and containers available?</a:t>
             </a:r>
           </a:p>
           <a:p>
             <a:pPr lvl="1"/>
             <a:r>
-              <a:rPr lang="en-US" dirty="0" smtClean="0"/>
+              <a:rPr lang="en-US" dirty="0"/>
               <a:t>Daemon and client deployment tools</a:t>
             </a:r>
           </a:p>
           <a:p>
             <a:r>
-              <a:rPr lang="en-US" dirty="0" smtClean="0"/>
+              <a:rPr lang="en-US" dirty="0"/>
               <a:t>Shipping code to servers is hard:</a:t>
             </a:r>
           </a:p>
           <a:p>
             <a:pPr lvl="1"/>
             <a:r>
-              <a:rPr lang="en-US" dirty="0" smtClean="0"/>
+              <a:rPr lang="en-US" dirty="0"/>
               <a:t>Ecosystem tools</a:t>
             </a:r>
           </a:p>
           <a:p>
             <a:r>
-              <a:rPr lang="en-US" dirty="0" smtClean="0"/>
+              <a:rPr lang="en-US" dirty="0"/>
               <a:t>OPEN SOURCE ECOSYSTEM</a:t>
             </a:r>
           </a:p>
           <a:p>
             <a:r>
-              <a:rPr lang="en-US" dirty="0" smtClean="0"/>
+              <a:rPr lang="en-US" dirty="0"/>
               <a:t>So open, even Microsoft has implemented it. So it </a:t>
             </a:r>
             <a:r>
-              <a:rPr lang="en-US" i="1" dirty="0" smtClean="0"/>
+              <a:rPr lang="en-US" i="1" dirty="0"/>
               <a:t>must </a:t>
             </a:r>
             <a:r>
-              <a:rPr lang="en-US" dirty="0" smtClean="0"/>
+              <a:rPr lang="en-US" dirty="0"/>
               <a:t>be good.</a:t>
             </a:r>
           </a:p>
@@ -16448,7 +18725,7 @@
           </p:nvPr>
         </p:nvPicPr>
         <p:blipFill>
-          <a:blip r:embed="rId2"/>
+          <a:blip r:embed="rId3"/>
           <a:stretch>
             <a:fillRect/>
           </a:stretch>
@@ -16485,13 +18762,6 @@
       </p:transition>
     </mc:Fallback>
   </mc:AlternateContent>
-  <p:timing>
-    <p:tnLst>
-      <p:par>
-        <p:cTn id="1" dur="indefinite" restart="never" nodeType="tmRoot"/>
-      </p:par>
-    </p:tnLst>
-  </p:timing>
 </p:sld>
 </file>
 
@@ -16519,7 +18789,7 @@
           <p:nvPr/>
         </p:nvPicPr>
         <p:blipFill>
-          <a:blip r:embed="rId2">
+          <a:blip r:embed="rId3">
             <a:clrChange>
               <a:clrFrom>
                 <a:srgbClr val="FFFFFF"/>
@@ -16538,7 +18808,7 @@
         </p:blipFill>
         <p:spPr>
           <a:xfrm>
-            <a:off x="0" y="1879923"/>
+            <a:off x="0" y="1719827"/>
             <a:ext cx="12283723" cy="5130866"/>
           </a:xfrm>
           <a:prstGeom prst="rect">
@@ -16645,13 +18915,6 @@
       </p:transition>
     </mc:Fallback>
   </mc:AlternateContent>
-  <p:timing>
-    <p:tnLst>
-      <p:par>
-        <p:cTn id="1" dur="indefinite" restart="never" nodeType="tmRoot"/>
-      </p:par>
-    </p:tnLst>
-  </p:timing>
 </p:sld>
 </file>
 
@@ -16688,10 +18951,9 @@
           <a:lstStyle/>
           <a:p>
             <a:r>
-              <a:rPr lang="en-US" dirty="0" smtClean="0"/>
+              <a:rPr lang="en-US" dirty="0"/>
               <a:t>The Destruction of Old Timey Ops</a:t>
             </a:r>
-            <a:endParaRPr lang="en-US" dirty="0"/>
           </a:p>
         </p:txBody>
       </p:sp>
@@ -16717,39 +18979,38 @@
           <a:p>
             <a:pPr lvl="1"/>
             <a:r>
-              <a:rPr lang="en-US" dirty="0" smtClean="0"/>
+              <a:rPr lang="en-US" dirty="0"/>
               <a:t>Ops teams reduced to shipping “containers” – no longer do they install something called “software”.</a:t>
             </a:r>
           </a:p>
           <a:p>
             <a:pPr lvl="1"/>
             <a:r>
-              <a:rPr lang="en-US" dirty="0" smtClean="0"/>
+              <a:rPr lang="en-US" dirty="0"/>
               <a:t>Makes less difference where the container is: cheaper public cloud resources as good as any other. </a:t>
             </a:r>
           </a:p>
           <a:p>
             <a:pPr lvl="1"/>
             <a:r>
-              <a:rPr lang="en-US" dirty="0" smtClean="0"/>
+              <a:rPr lang="en-US" dirty="0"/>
               <a:t>Even multiple clouds and private data centers: they all become one giant machine (if you want that)</a:t>
             </a:r>
           </a:p>
           <a:p>
             <a:pPr lvl="1"/>
             <a:r>
-              <a:rPr lang="en-US" dirty="0" smtClean="0"/>
+              <a:rPr lang="en-US" dirty="0"/>
               <a:t>Radically fewer traditional </a:t>
             </a:r>
             <a:r>
-              <a:rPr lang="en-US" dirty="0" err="1" smtClean="0"/>
+              <a:rPr lang="en-US" dirty="0" err="1"/>
               <a:t>sysadmins</a:t>
             </a:r>
             <a:r>
-              <a:rPr lang="en-US" dirty="0" smtClean="0"/>
+              <a:rPr lang="en-US" dirty="0"/>
               <a:t>. Once permissions establish the right to deploy containers, they’re not needed.</a:t>
             </a:r>
-            <a:endParaRPr lang="en-US" dirty="0"/>
           </a:p>
         </p:txBody>
       </p:sp>
@@ -16774,38 +19035,37 @@
           <a:lstStyle/>
           <a:p>
             <a:r>
-              <a:rPr lang="en-US" dirty="0" smtClean="0"/>
+              <a:rPr lang="en-US" dirty="0"/>
               <a:t>Ops can focus on super high-value targets:</a:t>
             </a:r>
           </a:p>
           <a:p>
             <a:pPr lvl="1"/>
             <a:r>
-              <a:rPr lang="en-US" dirty="0" smtClean="0"/>
+              <a:rPr lang="en-US" dirty="0"/>
               <a:t>Very high intensity or vast scale computing environments for containers</a:t>
             </a:r>
           </a:p>
           <a:p>
             <a:pPr lvl="1"/>
             <a:r>
-              <a:rPr lang="en-US" dirty="0" smtClean="0"/>
+              <a:rPr lang="en-US" dirty="0"/>
               <a:t>Distributed systems and tooling for containers</a:t>
             </a:r>
           </a:p>
           <a:p>
             <a:pPr lvl="1"/>
             <a:r>
-              <a:rPr lang="en-US" dirty="0" smtClean="0"/>
+              <a:rPr lang="en-US" dirty="0"/>
               <a:t>Backstopping security issues and hardening deployments, policies, and data storage and usage.</a:t>
             </a:r>
           </a:p>
           <a:p>
             <a:pPr lvl="1"/>
             <a:r>
-              <a:rPr lang="en-US" dirty="0" smtClean="0"/>
+              <a:rPr lang="en-US" dirty="0"/>
               <a:t>Backstopping support teams</a:t>
             </a:r>
-            <a:endParaRPr lang="en-US" dirty="0"/>
           </a:p>
         </p:txBody>
       </p:sp>
@@ -16832,10 +19092,9 @@
           <a:lstStyle/>
           <a:p>
             <a:r>
-              <a:rPr lang="en-US" dirty="0" smtClean="0"/>
+              <a:rPr lang="en-US" dirty="0"/>
               <a:t>Changes</a:t>
             </a:r>
-            <a:endParaRPr lang="en-US" dirty="0"/>
           </a:p>
         </p:txBody>
       </p:sp>
@@ -16862,10 +19121,9 @@
           <a:lstStyle/>
           <a:p>
             <a:r>
-              <a:rPr lang="en-US" dirty="0" smtClean="0"/>
+              <a:rPr lang="en-US" dirty="0"/>
               <a:t>Opportunities</a:t>
             </a:r>
-            <a:endParaRPr lang="en-US" dirty="0"/>
           </a:p>
         </p:txBody>
       </p:sp>
@@ -16891,13 +19149,6 @@
       </p:transition>
     </mc:Fallback>
   </mc:AlternateContent>
-  <p:timing>
-    <p:tnLst>
-      <p:par>
-        <p:cTn id="1" dur="indefinite" restart="never" nodeType="tmRoot"/>
-      </p:par>
-    </p:tnLst>
-  </p:timing>
 </p:sld>
 </file>
 
@@ -16934,10 +19185,9 @@
           <a:lstStyle/>
           <a:p>
             <a:r>
-              <a:rPr lang="en-US" dirty="0" smtClean="0"/>
+              <a:rPr lang="en-US" dirty="0"/>
               <a:t>Error rates deploying containers at iron.io</a:t>
             </a:r>
-            <a:endParaRPr lang="en-US" dirty="0"/>
           </a:p>
         </p:txBody>
       </p:sp>
@@ -16957,7 +19207,7 @@
           <a:lstStyle/>
           <a:p>
             <a:r>
-              <a:rPr lang="en-US" dirty="0" smtClean="0"/>
+              <a:rPr lang="en-US" dirty="0"/>
               <a:t>Not bad, eh?</a:t>
             </a:r>
           </a:p>
@@ -16978,7 +19228,7 @@
           <p:nvPr/>
         </p:nvPicPr>
         <p:blipFill>
-          <a:blip r:embed="rId2"/>
+          <a:blip r:embed="rId3"/>
           <a:stretch>
             <a:fillRect/>
           </a:stretch>
@@ -17015,13 +19265,6 @@
       </p:transition>
     </mc:Fallback>
   </mc:AlternateContent>
-  <p:timing>
-    <p:tnLst>
-      <p:par>
-        <p:cTn id="1" dur="indefinite" restart="never" nodeType="tmRoot"/>
-      </p:par>
-    </p:tnLst>
-  </p:timing>
 </p:sld>
 </file>
 
